--- a/resnet_layer.pptx
+++ b/resnet_layer.pptx
@@ -5,8 +5,8 @@
     <p:sldMasterId id="2147483712" r:id="rId1"/>
   </p:sldMasterIdLst>
   <p:sldIdLst>
-    <p:sldId id="256" r:id="rId2"/>
-    <p:sldId id="257" r:id="rId3"/>
+    <p:sldId id="265" r:id="rId2"/>
+    <p:sldId id="266" r:id="rId3"/>
     <p:sldId id="258" r:id="rId4"/>
     <p:sldId id="259" r:id="rId5"/>
     <p:sldId id="260" r:id="rId6"/>
@@ -112,6 +112,11 @@
       </a:defRPr>
     </a:lvl9pPr>
   </p:defaultTextStyle>
+  <p:extLst>
+    <p:ext uri="{EFAFB233-063F-42B5-8137-9DF3F51BA10A}">
+      <p15:sldGuideLst xmlns:p15="http://schemas.microsoft.com/office/powerpoint/2012/main"/>
+    </p:ext>
+  </p:extLst>
 </p:presentation>
 </file>
 
@@ -274,7 +279,7 @@
           <a:p>
             <a:fld id="{64F0E216-BA48-4F04-AC4F-645AA0DD6AC6}" type="datetimeFigureOut">
               <a:rPr lang="en-US" smtClean="0"/>
-              <a:t>3/29/22</a:t>
+              <a:t>3/30/22</a:t>
             </a:fld>
             <a:endParaRPr lang="en-US" dirty="0"/>
           </a:p>
@@ -1322,7 +1327,7 @@
           <a:p>
             <a:fld id="{64F0E216-BA48-4F04-AC4F-645AA0DD6AC6}" type="datetimeFigureOut">
               <a:rPr lang="en-US" smtClean="0"/>
-              <a:t>3/29/22</a:t>
+              <a:t>3/30/22</a:t>
             </a:fld>
             <a:endParaRPr lang="en-US"/>
           </a:p>
@@ -1558,7 +1563,7 @@
           <a:p>
             <a:fld id="{64F0E216-BA48-4F04-AC4F-645AA0DD6AC6}" type="datetimeFigureOut">
               <a:rPr lang="en-US" smtClean="0"/>
-              <a:t>3/29/22</a:t>
+              <a:t>3/30/22</a:t>
             </a:fld>
             <a:endParaRPr lang="en-US"/>
           </a:p>
@@ -1781,7 +1786,7 @@
           <a:p>
             <a:fld id="{64F0E216-BA48-4F04-AC4F-645AA0DD6AC6}" type="datetimeFigureOut">
               <a:rPr lang="en-US" smtClean="0"/>
-              <a:t>3/29/22</a:t>
+              <a:t>3/30/22</a:t>
             </a:fld>
             <a:endParaRPr lang="en-US"/>
           </a:p>
@@ -2083,7 +2088,7 @@
           <a:p>
             <a:fld id="{64F0E216-BA48-4F04-AC4F-645AA0DD6AC6}" type="datetimeFigureOut">
               <a:rPr lang="en-US" smtClean="0"/>
-              <a:t>3/29/22</a:t>
+              <a:t>3/30/22</a:t>
             </a:fld>
             <a:endParaRPr lang="en-US"/>
           </a:p>
@@ -3547,7 +3552,7 @@
           <a:p>
             <a:fld id="{64F0E216-BA48-4F04-AC4F-645AA0DD6AC6}" type="datetimeFigureOut">
               <a:rPr lang="en-US" smtClean="0"/>
-              <a:t>3/29/22</a:t>
+              <a:t>3/30/22</a:t>
             </a:fld>
             <a:endParaRPr lang="en-US"/>
           </a:p>
@@ -4014,7 +4019,7 @@
           <a:p>
             <a:fld id="{64F0E216-BA48-4F04-AC4F-645AA0DD6AC6}" type="datetimeFigureOut">
               <a:rPr lang="en-US" smtClean="0"/>
-              <a:t>3/29/22</a:t>
+              <a:t>3/30/22</a:t>
             </a:fld>
             <a:endParaRPr lang="en-US"/>
           </a:p>
@@ -4189,7 +4194,7 @@
           <a:p>
             <a:fld id="{64F0E216-BA48-4F04-AC4F-645AA0DD6AC6}" type="datetimeFigureOut">
               <a:rPr lang="en-US" smtClean="0"/>
-              <a:t>3/29/22</a:t>
+              <a:t>3/30/22</a:t>
             </a:fld>
             <a:endParaRPr lang="en-US"/>
           </a:p>
@@ -4326,7 +4331,7 @@
           <a:p>
             <a:fld id="{64F0E216-BA48-4F04-AC4F-645AA0DD6AC6}" type="datetimeFigureOut">
               <a:rPr lang="en-US" smtClean="0"/>
-              <a:t>3/29/22</a:t>
+              <a:t>3/30/22</a:t>
             </a:fld>
             <a:endParaRPr lang="en-US"/>
           </a:p>
@@ -4676,7 +4681,7 @@
           <a:p>
             <a:fld id="{64F0E216-BA48-4F04-AC4F-645AA0DD6AC6}" type="datetimeFigureOut">
               <a:rPr lang="en-US" smtClean="0"/>
-              <a:t>3/29/22</a:t>
+              <a:t>3/30/22</a:t>
             </a:fld>
             <a:endParaRPr lang="en-US"/>
           </a:p>
@@ -4997,7 +5002,7 @@
           <a:p>
             <a:fld id="{64F0E216-BA48-4F04-AC4F-645AA0DD6AC6}" type="datetimeFigureOut">
               <a:rPr lang="en-US" smtClean="0"/>
-              <a:t>3/29/22</a:t>
+              <a:t>3/30/22</a:t>
             </a:fld>
             <a:endParaRPr lang="en-US"/>
           </a:p>
@@ -5259,7 +5264,7 @@
             <a:fld id="{64F0E216-BA48-4F04-AC4F-645AA0DD6AC6}" type="datetimeFigureOut">
               <a:rPr lang="en-US" smtClean="0"/>
               <a:pPr/>
-              <a:t>3/29/22</a:t>
+              <a:t>3/30/22</a:t>
             </a:fld>
             <a:endParaRPr lang="en-US" dirty="0"/>
           </a:p>
@@ -5729,225 +5734,12 @@
           <a:chExt cx="0" cy="0"/>
         </a:xfrm>
       </p:grpSpPr>
-      <p:sp useBgFill="1">
-        <p:nvSpPr>
-          <p:cNvPr id="34" name="Rectangle 15">
-            <a:extLst>
-              <a:ext uri="{FF2B5EF4-FFF2-40B4-BE49-F238E27FC236}">
-                <a16:creationId xmlns:a16="http://schemas.microsoft.com/office/drawing/2014/main" id="{3011B0B3-5679-4759-90B8-3B908C4CBD21}"/>
-              </a:ext>
-              <a:ext uri="{C183D7F6-B498-43B3-948B-1728B52AA6E4}">
-                <adec:decorative xmlns:adec="http://schemas.microsoft.com/office/drawing/2017/decorative" val="1"/>
-              </a:ext>
-            </a:extLst>
-          </p:cNvPr>
-          <p:cNvSpPr>
-            <a:spLocks noGrp="1" noRot="1" noChangeAspect="1" noMove="1" noResize="1" noEditPoints="1" noAdjustHandles="1" noChangeArrowheads="1" noChangeShapeType="1" noTextEdit="1"/>
-          </p:cNvSpPr>
-          <p:nvPr>
-            <p:extLst>
-              <p:ext uri="{386F3935-93C4-4BCD-93E2-E3B085C9AB24}">
-                <p16:designElem xmlns:p16="http://schemas.microsoft.com/office/powerpoint/2015/main" val="1"/>
-              </p:ext>
-            </p:extLst>
-          </p:nvPr>
-        </p:nvSpPr>
-        <p:spPr>
-          <a:xfrm>
-            <a:off x="0" y="0"/>
-            <a:ext cx="12192000" cy="6858000"/>
-          </a:xfrm>
-          <a:prstGeom prst="rect">
-            <a:avLst/>
-          </a:prstGeom>
-          <a:ln w="12700" cap="flat" cmpd="sng" algn="ctr">
-            <a:noFill/>
-            <a:prstDash val="solid"/>
-            <a:miter lim="800000"/>
-          </a:ln>
-          <a:effectLst/>
-          <a:extLst>
-            <a:ext uri="{91240B29-F687-4F45-9708-019B960494DF}">
-              <a14:hiddenLine xmlns:a14="http://schemas.microsoft.com/office/drawing/2010/main" w="12700" cap="flat" cmpd="sng" algn="ctr">
-                <a:solidFill>
-                  <a:schemeClr val="accent1">
-                    <a:shade val="50000"/>
-                  </a:schemeClr>
-                </a:solidFill>
-                <a:prstDash val="solid"/>
-                <a:miter lim="800000"/>
-              </a14:hiddenLine>
-            </a:ext>
-          </a:extLst>
-        </p:spPr>
-        <p:style>
-          <a:lnRef idx="2">
-            <a:schemeClr val="accent1">
-              <a:shade val="50000"/>
-            </a:schemeClr>
-          </a:lnRef>
-          <a:fillRef idx="1">
-            <a:schemeClr val="accent1"/>
-          </a:fillRef>
-          <a:effectRef idx="0">
-            <a:schemeClr val="accent1"/>
-          </a:effectRef>
-          <a:fontRef idx="minor">
-            <a:schemeClr val="lt1"/>
-          </a:fontRef>
-        </p:style>
-        <p:txBody>
-          <a:bodyPr rtlCol="0" anchor="ctr"/>
-          <a:lstStyle/>
-          <a:p>
-            <a:pPr algn="ctr"/>
-            <a:endParaRPr lang="en-US"/>
-          </a:p>
-        </p:txBody>
-      </p:sp>
-      <p:pic>
-        <p:nvPicPr>
-          <p:cNvPr id="4" name="Picture 3" descr="Bokeh">
-            <a:extLst>
-              <a:ext uri="{FF2B5EF4-FFF2-40B4-BE49-F238E27FC236}">
-                <a16:creationId xmlns:a16="http://schemas.microsoft.com/office/drawing/2014/main" id="{935C29AA-F97A-7BAC-81AF-5BC1925E595E}"/>
-              </a:ext>
-            </a:extLst>
-          </p:cNvPr>
-          <p:cNvPicPr>
-            <a:picLocks noChangeAspect="1"/>
-          </p:cNvPicPr>
-          <p:nvPr/>
-        </p:nvPicPr>
-        <p:blipFill rotWithShape="1">
-          <a:blip r:embed="rId2"/>
-          <a:srcRect t="4676" b="14097"/>
-          <a:stretch/>
-        </p:blipFill>
-        <p:spPr>
-          <a:xfrm>
-            <a:off x="0" y="-1"/>
-            <a:ext cx="12191980" cy="6857990"/>
-          </a:xfrm>
-          <a:custGeom>
-            <a:avLst/>
-            <a:gdLst/>
-            <a:ahLst/>
-            <a:cxnLst/>
-            <a:rect l="l" t="t" r="r" b="b"/>
-            <a:pathLst>
-              <a:path w="12192000" h="6858000">
-                <a:moveTo>
-                  <a:pt x="0" y="0"/>
-                </a:moveTo>
-                <a:lnTo>
-                  <a:pt x="12192000" y="0"/>
-                </a:lnTo>
-                <a:lnTo>
-                  <a:pt x="12192000" y="6858000"/>
-                </a:lnTo>
-                <a:lnTo>
-                  <a:pt x="0" y="6858000"/>
-                </a:lnTo>
-                <a:close/>
-              </a:path>
-            </a:pathLst>
-          </a:custGeom>
-        </p:spPr>
-      </p:pic>
-      <p:sp>
-        <p:nvSpPr>
-          <p:cNvPr id="35" name="Rectangle 17">
-            <a:extLst>
-              <a:ext uri="{FF2B5EF4-FFF2-40B4-BE49-F238E27FC236}">
-                <a16:creationId xmlns:a16="http://schemas.microsoft.com/office/drawing/2014/main" id="{767E5D14-5396-4D7B-996A-7BFD00576139}"/>
-              </a:ext>
-              <a:ext uri="{C183D7F6-B498-43B3-948B-1728B52AA6E4}">
-                <adec:decorative xmlns:adec="http://schemas.microsoft.com/office/drawing/2017/decorative" val="1"/>
-              </a:ext>
-            </a:extLst>
-          </p:cNvPr>
-          <p:cNvSpPr>
-            <a:spLocks noGrp="1" noRot="1" noChangeAspect="1" noMove="1" noResize="1" noEditPoints="1" noAdjustHandles="1" noChangeArrowheads="1" noChangeShapeType="1" noTextEdit="1"/>
-          </p:cNvSpPr>
-          <p:nvPr>
-            <p:extLst>
-              <p:ext uri="{386F3935-93C4-4BCD-93E2-E3B085C9AB24}">
-                <p16:designElem xmlns:p16="http://schemas.microsoft.com/office/powerpoint/2015/main" val="1"/>
-              </p:ext>
-            </p:extLst>
-          </p:nvPr>
-        </p:nvSpPr>
-        <p:spPr>
-          <a:xfrm>
-            <a:off x="1648637" y="1"/>
-            <a:ext cx="8894726" cy="6858000"/>
-          </a:xfrm>
-          <a:prstGeom prst="rect">
-            <a:avLst/>
-          </a:prstGeom>
-          <a:gradFill flip="none" rotWithShape="1">
-            <a:gsLst>
-              <a:gs pos="0">
-                <a:srgbClr val="000000">
-                  <a:alpha val="34902"/>
-                </a:srgbClr>
-              </a:gs>
-              <a:gs pos="80000">
-                <a:srgbClr val="000000">
-                  <a:alpha val="0"/>
-                </a:srgbClr>
-              </a:gs>
-              <a:gs pos="51000">
-                <a:srgbClr val="000000">
-                  <a:alpha val="20000"/>
-                </a:srgbClr>
-              </a:gs>
-            </a:gsLst>
-            <a:path path="circle">
-              <a:fillToRect l="50000" t="50000" r="50000" b="50000"/>
-            </a:path>
-            <a:tileRect/>
-          </a:gradFill>
-          <a:ln>
-            <a:noFill/>
-          </a:ln>
-        </p:spPr>
-        <p:style>
-          <a:lnRef idx="2">
-            <a:schemeClr val="accent1">
-              <a:shade val="50000"/>
-            </a:schemeClr>
-          </a:lnRef>
-          <a:fillRef idx="1">
-            <a:schemeClr val="accent1"/>
-          </a:fillRef>
-          <a:effectRef idx="0">
-            <a:schemeClr val="accent1"/>
-          </a:effectRef>
-          <a:fontRef idx="minor">
-            <a:schemeClr val="lt1"/>
-          </a:fontRef>
-        </p:style>
-        <p:txBody>
-          <a:bodyPr rtlCol="0" anchor="ctr"/>
-          <a:lstStyle/>
-          <a:p>
-            <a:pPr algn="ctr"/>
-            <a:endParaRPr lang="en-US">
-              <a:solidFill>
-                <a:srgbClr val="FFFFFF"/>
-              </a:solidFill>
-            </a:endParaRPr>
-          </a:p>
-        </p:txBody>
-      </p:sp>
       <p:sp>
         <p:nvSpPr>
           <p:cNvPr id="2" name="Title 1">
             <a:extLst>
               <a:ext uri="{FF2B5EF4-FFF2-40B4-BE49-F238E27FC236}">
-                <a16:creationId xmlns:a16="http://schemas.microsoft.com/office/drawing/2014/main" id="{E745813E-C462-B549-957F-DC8F9AEECC23}"/>
+                <a16:creationId xmlns:a16="http://schemas.microsoft.com/office/drawing/2014/main" id="{98CF4607-6937-6943-BAAA-15A67CF50F4A}"/>
               </a:ext>
             </a:extLst>
           </p:cNvPr>
@@ -5960,18 +5752,32 @@
         </p:nvSpPr>
         <p:spPr>
           <a:xfrm>
-            <a:off x="1322377" y="1071705"/>
-            <a:ext cx="9547225" cy="1532951"/>
+            <a:off x="2413740" y="397161"/>
+            <a:ext cx="9400889" cy="3031839"/>
           </a:xfrm>
         </p:spPr>
         <p:txBody>
           <a:bodyPr>
-            <a:noAutofit/>
+            <a:normAutofit/>
           </a:bodyPr>
           <a:lstStyle/>
           <a:p>
+            <a:pPr lvl="0">
+              <a:lnSpc>
+                <a:spcPct val="125000"/>
+              </a:lnSpc>
+              <a:spcBef>
+                <a:spcPts val="1000"/>
+              </a:spcBef>
+              <a:buClr>
+                <a:srgbClr val="C34D9F">
+                  <a:lumMod val="60000"/>
+                  <a:lumOff val="40000"/>
+                </a:srgbClr>
+              </a:buClr>
+            </a:pPr>
             <a:r>
-              <a:rPr lang="en-US" sz="4400" dirty="0">
+              <a:rPr lang="en-US" dirty="0">
                 <a:solidFill>
                   <a:schemeClr val="tx2">
                     <a:lumMod val="25000"/>
@@ -5980,8 +5786,56 @@
                 <a:latin typeface="Times New Roman" panose="02020603050405020304" pitchFamily="18" charset="0"/>
                 <a:cs typeface="Times New Roman" panose="02020603050405020304" pitchFamily="18" charset="0"/>
               </a:rPr>
-              <a:t>Optical Neural networks with a learnable Residual path</a:t>
+              <a:t>Optical Neural networks with a learnable Residual path:</a:t>
             </a:r>
+            <a:br>
+              <a:rPr lang="en-US" dirty="0">
+                <a:solidFill>
+                  <a:schemeClr val="bg1"/>
+                </a:solidFill>
+                <a:latin typeface="Arial" panose="020B0604020202020204" pitchFamily="34" charset="0"/>
+                <a:cs typeface="Arial" panose="020B0604020202020204" pitchFamily="34" charset="0"/>
+              </a:rPr>
+            </a:br>
+            <a:r>
+              <a:rPr lang="en-US" sz="2400" i="1" cap="none" spc="0" dirty="0">
+                <a:solidFill>
+                  <a:schemeClr val="bg1"/>
+                </a:solidFill>
+                <a:latin typeface="Times New Roman" panose="02020603050405020304" pitchFamily="18" charset="0"/>
+                <a:ea typeface="+mn-ea"/>
+                <a:cs typeface="Times New Roman" panose="02020603050405020304" pitchFamily="18" charset="0"/>
+              </a:rPr>
+              <a:t>Shallow Unitary Photonic Engine by Residual</a:t>
+            </a:r>
+            <a:br>
+              <a:rPr lang="en-US" sz="2400" i="1" cap="none" spc="0" dirty="0">
+                <a:solidFill>
+                  <a:schemeClr val="bg1"/>
+                </a:solidFill>
+                <a:latin typeface="Times New Roman" panose="02020603050405020304" pitchFamily="18" charset="0"/>
+                <a:ea typeface="+mn-ea"/>
+                <a:cs typeface="Times New Roman" panose="02020603050405020304" pitchFamily="18" charset="0"/>
+              </a:rPr>
+            </a:br>
+            <a:r>
+              <a:rPr lang="en-US" sz="2400" i="1" cap="none" spc="0" dirty="0">
+                <a:solidFill>
+                  <a:schemeClr val="bg1"/>
+                </a:solidFill>
+                <a:latin typeface="Times New Roman" panose="02020603050405020304" pitchFamily="18" charset="0"/>
+                <a:ea typeface="+mn-ea"/>
+                <a:cs typeface="Times New Roman" panose="02020603050405020304" pitchFamily="18" charset="0"/>
+              </a:rPr>
+              <a:t>(SUPER)</a:t>
+            </a:r>
+            <a:endParaRPr lang="en-US" dirty="0">
+              <a:solidFill>
+                <a:schemeClr val="bg1"/>
+              </a:solidFill>
+              <a:latin typeface="Times New Roman" panose="02020603050405020304" pitchFamily="18" charset="0"/>
+              <a:cs typeface="Times New Roman" panose="02020603050405020304" pitchFamily="18" charset="0"/>
+            </a:endParaRPr>
           </a:p>
         </p:txBody>
       </p:sp>
@@ -5990,7 +5844,7 @@
           <p:cNvPr id="3" name="Subtitle 2">
             <a:extLst>
               <a:ext uri="{FF2B5EF4-FFF2-40B4-BE49-F238E27FC236}">
-                <a16:creationId xmlns:a16="http://schemas.microsoft.com/office/drawing/2014/main" id="{2463D1A1-B0E0-C64D-AB9C-0A8764F0AD0A}"/>
+                <a16:creationId xmlns:a16="http://schemas.microsoft.com/office/drawing/2014/main" id="{B7A8790B-DF12-F14E-81D2-453626943D7A}"/>
               </a:ext>
             </a:extLst>
           </p:cNvPr>
@@ -6003,8 +5857,8 @@
         </p:nvSpPr>
         <p:spPr>
           <a:xfrm>
-            <a:off x="3308350" y="4248000"/>
-            <a:ext cx="5575300" cy="1520975"/>
+            <a:off x="4051498" y="3997098"/>
+            <a:ext cx="6125372" cy="1655762"/>
           </a:xfrm>
         </p:spPr>
         <p:txBody>
@@ -6014,11 +5868,9 @@
           <a:lstStyle/>
           <a:p>
             <a:r>
-              <a:rPr lang="en-US" sz="3600" dirty="0">
+              <a:rPr lang="en-US" dirty="0">
                 <a:solidFill>
-                  <a:schemeClr val="tx2">
-                    <a:lumMod val="25000"/>
-                  </a:schemeClr>
+                  <a:schemeClr val="bg1"/>
                 </a:solidFill>
                 <a:latin typeface="Times New Roman" panose="02020603050405020304" pitchFamily="18" charset="0"/>
                 <a:cs typeface="Times New Roman" panose="02020603050405020304" pitchFamily="18" charset="0"/>
@@ -6028,11 +5880,9 @@
           </a:p>
           <a:p>
             <a:r>
-              <a:rPr lang="en-US" sz="3600" dirty="0">
+              <a:rPr lang="en-US" dirty="0">
                 <a:solidFill>
-                  <a:schemeClr val="tx2">
-                    <a:lumMod val="25000"/>
-                  </a:schemeClr>
+                  <a:schemeClr val="bg1"/>
                 </a:solidFill>
                 <a:latin typeface="Times New Roman" panose="02020603050405020304" pitchFamily="18" charset="0"/>
                 <a:cs typeface="Times New Roman" panose="02020603050405020304" pitchFamily="18" charset="0"/>
@@ -6042,1546 +5892,46 @@
           </a:p>
         </p:txBody>
       </p:sp>
-      <p:grpSp>
-        <p:nvGrpSpPr>
-          <p:cNvPr id="36" name="Group 19">
+      <p:pic>
+        <p:nvPicPr>
+          <p:cNvPr id="6" name="Picture 5" descr="Diagram&#10;&#10;Description automatically generated">
             <a:extLst>
               <a:ext uri="{FF2B5EF4-FFF2-40B4-BE49-F238E27FC236}">
-                <a16:creationId xmlns:a16="http://schemas.microsoft.com/office/drawing/2014/main" id="{785708A7-99B4-41EE-8012-C176C8AA44C0}"/>
-              </a:ext>
-              <a:ext uri="{C183D7F6-B498-43B3-948B-1728B52AA6E4}">
-                <adec:decorative xmlns:adec="http://schemas.microsoft.com/office/drawing/2017/decorative" val="1"/>
+                <a16:creationId xmlns:a16="http://schemas.microsoft.com/office/drawing/2014/main" id="{674C19D2-EA28-9348-8C9B-7A0FF8DA89C6}"/>
               </a:ext>
             </a:extLst>
           </p:cNvPr>
-          <p:cNvGrpSpPr>
-            <a:grpSpLocks noGrp="1" noUngrp="1" noRot="1" noChangeAspect="1" noMove="1" noResize="1"/>
-          </p:cNvGrpSpPr>
-          <p:nvPr>
-            <p:extLst>
-              <p:ext uri="{386F3935-93C4-4BCD-93E2-E3B085C9AB24}">
-                <p16:designElem xmlns:p16="http://schemas.microsoft.com/office/powerpoint/2015/main" val="1"/>
-              </p:ext>
-            </p:extLst>
-          </p:nvPr>
-        </p:nvGrpSpPr>
-        <p:grpSpPr>
-          <a:xfrm>
-            <a:off x="4987925" y="2840038"/>
-            <a:ext cx="2216150" cy="1177924"/>
-            <a:chOff x="3036889" y="2840038"/>
-            <a:chExt cx="2216150" cy="1177924"/>
-          </a:xfrm>
-        </p:grpSpPr>
-        <p:sp>
-          <p:nvSpPr>
-            <p:cNvPr id="21" name="Rectangle 20">
-              <a:extLst>
-                <a:ext uri="{FF2B5EF4-FFF2-40B4-BE49-F238E27FC236}">
-                  <a16:creationId xmlns:a16="http://schemas.microsoft.com/office/drawing/2014/main" id="{9109F7CF-3139-48B9-AF7B-9BD2941A8DB0}"/>
-                </a:ext>
-                <a:ext uri="{C183D7F6-B498-43B3-948B-1728B52AA6E4}">
-                  <adec:decorative xmlns:adec="http://schemas.microsoft.com/office/drawing/2017/decorative" val="1"/>
-                </a:ext>
-              </a:extLst>
-            </p:cNvPr>
-            <p:cNvSpPr/>
-            <p:nvPr>
-              <p:extLst>
-                <p:ext uri="{386F3935-93C4-4BCD-93E2-E3B085C9AB24}">
-                  <p16:designElem xmlns:p16="http://schemas.microsoft.com/office/powerpoint/2015/main" val="1"/>
-                </p:ext>
-              </p:extLst>
-            </p:nvPr>
-          </p:nvSpPr>
-          <p:spPr>
-            <a:xfrm>
-              <a:off x="3036889" y="2840038"/>
-              <a:ext cx="2216150" cy="1177924"/>
-            </a:xfrm>
-            <a:prstGeom prst="rect">
-              <a:avLst/>
-            </a:prstGeom>
-            <a:solidFill>
-              <a:schemeClr val="bg2">
-                <a:alpha val="0"/>
-              </a:schemeClr>
-            </a:solidFill>
-            <a:ln w="12700" cap="flat" cmpd="sng" algn="ctr">
-              <a:noFill/>
-              <a:prstDash val="solid"/>
-              <a:miter lim="800000"/>
-            </a:ln>
-            <a:effectLst/>
-          </p:spPr>
-          <p:style>
-            <a:lnRef idx="2">
-              <a:schemeClr val="accent1">
-                <a:shade val="50000"/>
-              </a:schemeClr>
-            </a:lnRef>
-            <a:fillRef idx="1">
-              <a:schemeClr val="accent1"/>
-            </a:fillRef>
-            <a:effectRef idx="0">
-              <a:schemeClr val="accent1"/>
-            </a:effectRef>
-            <a:fontRef idx="minor">
-              <a:schemeClr val="lt1"/>
-            </a:fontRef>
-          </p:style>
-          <p:txBody>
-            <a:bodyPr rtlCol="0" anchor="ctr"/>
-            <a:lstStyle/>
-            <a:p>
-              <a:pPr algn="ctr"/>
-              <a:endParaRPr lang="en-US" dirty="0"/>
-            </a:p>
-          </p:txBody>
-        </p:sp>
-        <p:sp>
-          <p:nvSpPr>
-            <p:cNvPr id="37" name="Rectangle 21">
-              <a:extLst>
-                <a:ext uri="{FF2B5EF4-FFF2-40B4-BE49-F238E27FC236}">
-                  <a16:creationId xmlns:a16="http://schemas.microsoft.com/office/drawing/2014/main" id="{15A838F8-C7B5-4988-81A9-B02E6C8F9B71}"/>
-                </a:ext>
-                <a:ext uri="{C183D7F6-B498-43B3-948B-1728B52AA6E4}">
-                  <adec:decorative xmlns:adec="http://schemas.microsoft.com/office/drawing/2017/decorative" val="1"/>
-                </a:ext>
-              </a:extLst>
-            </p:cNvPr>
-            <p:cNvSpPr/>
-            <p:nvPr>
-              <p:extLst>
-                <p:ext uri="{386F3935-93C4-4BCD-93E2-E3B085C9AB24}">
-                  <p16:designElem xmlns:p16="http://schemas.microsoft.com/office/powerpoint/2015/main" val="1"/>
-                </p:ext>
-              </p:extLst>
-            </p:nvPr>
-          </p:nvSpPr>
-          <p:spPr>
-            <a:xfrm>
-              <a:off x="3799172" y="2992877"/>
-              <a:ext cx="972458" cy="919518"/>
-            </a:xfrm>
-            <a:prstGeom prst="rect">
-              <a:avLst/>
-            </a:prstGeom>
-            <a:noFill/>
-            <a:ln w="12700" cap="flat" cmpd="sng" algn="ctr">
-              <a:noFill/>
-              <a:prstDash val="solid"/>
-              <a:miter lim="800000"/>
-            </a:ln>
-            <a:effectLst/>
-          </p:spPr>
-          <p:style>
-            <a:lnRef idx="2">
-              <a:schemeClr val="accent1">
-                <a:shade val="50000"/>
-              </a:schemeClr>
-            </a:lnRef>
-            <a:fillRef idx="1">
-              <a:schemeClr val="accent1"/>
-            </a:fillRef>
-            <a:effectRef idx="0">
-              <a:schemeClr val="accent1"/>
-            </a:effectRef>
-            <a:fontRef idx="minor">
-              <a:schemeClr val="lt1"/>
-            </a:fontRef>
-          </p:style>
-          <p:txBody>
-            <a:bodyPr rtlCol="0" anchor="ctr"/>
-            <a:lstStyle/>
-            <a:p>
-              <a:pPr algn="ctr"/>
-              <a:endParaRPr lang="en-US" dirty="0"/>
-            </a:p>
-          </p:txBody>
-        </p:sp>
-        <p:sp>
-          <p:nvSpPr>
-            <p:cNvPr id="23" name="Rectangle 22">
-              <a:extLst>
-                <a:ext uri="{FF2B5EF4-FFF2-40B4-BE49-F238E27FC236}">
-                  <a16:creationId xmlns:a16="http://schemas.microsoft.com/office/drawing/2014/main" id="{85B86A1A-402F-4AE2-B5E6-B8A5FB16CD4C}"/>
-                </a:ext>
-                <a:ext uri="{C183D7F6-B498-43B3-948B-1728B52AA6E4}">
-                  <adec:decorative xmlns:adec="http://schemas.microsoft.com/office/drawing/2017/decorative" val="1"/>
-                </a:ext>
-              </a:extLst>
-            </p:cNvPr>
-            <p:cNvSpPr/>
-            <p:nvPr>
-              <p:extLst>
-                <p:ext uri="{386F3935-93C4-4BCD-93E2-E3B085C9AB24}">
-                  <p16:designElem xmlns:p16="http://schemas.microsoft.com/office/powerpoint/2015/main" val="1"/>
-                </p:ext>
-              </p:extLst>
-            </p:nvPr>
-          </p:nvSpPr>
-          <p:spPr>
-            <a:xfrm flipH="1">
-              <a:off x="3518299" y="2992877"/>
-              <a:ext cx="972458" cy="919518"/>
-            </a:xfrm>
-            <a:prstGeom prst="rect">
-              <a:avLst/>
-            </a:prstGeom>
-            <a:noFill/>
-            <a:ln w="12700" cap="flat" cmpd="sng" algn="ctr">
-              <a:noFill/>
-              <a:prstDash val="solid"/>
-              <a:miter lim="800000"/>
-            </a:ln>
-            <a:effectLst/>
-          </p:spPr>
-          <p:style>
-            <a:lnRef idx="2">
-              <a:schemeClr val="accent1">
-                <a:shade val="50000"/>
-              </a:schemeClr>
-            </a:lnRef>
-            <a:fillRef idx="1">
-              <a:schemeClr val="accent1"/>
-            </a:fillRef>
-            <a:effectRef idx="0">
-              <a:schemeClr val="accent1"/>
-            </a:effectRef>
-            <a:fontRef idx="minor">
-              <a:schemeClr val="lt1"/>
-            </a:fontRef>
-          </p:style>
-          <p:txBody>
-            <a:bodyPr rtlCol="0" anchor="ctr"/>
-            <a:lstStyle/>
-            <a:p>
-              <a:pPr algn="ctr"/>
-              <a:endParaRPr lang="en-US" dirty="0"/>
-            </a:p>
-          </p:txBody>
-        </p:sp>
-        <p:grpSp>
-          <p:nvGrpSpPr>
-            <p:cNvPr id="38" name="Group 23">
-              <a:extLst>
-                <a:ext uri="{FF2B5EF4-FFF2-40B4-BE49-F238E27FC236}">
-                  <a16:creationId xmlns:a16="http://schemas.microsoft.com/office/drawing/2014/main" id="{44A0542D-9B1C-46B1-82B5-54470B697F17}"/>
-                </a:ext>
-                <a:ext uri="{C183D7F6-B498-43B3-948B-1728B52AA6E4}">
-                  <adec:decorative xmlns:adec="http://schemas.microsoft.com/office/drawing/2017/decorative" val="1"/>
-                </a:ext>
-              </a:extLst>
-            </p:cNvPr>
-            <p:cNvGrpSpPr/>
-            <p:nvPr>
-              <p:extLst>
-                <p:ext uri="{386F3935-93C4-4BCD-93E2-E3B085C9AB24}">
-                  <p16:designElem xmlns:p16="http://schemas.microsoft.com/office/powerpoint/2015/main" val="1"/>
-                </p:ext>
-              </p:extLst>
-            </p:nvPr>
-          </p:nvGrpSpPr>
-          <p:grpSpPr>
-            <a:xfrm>
-              <a:off x="3663908" y="3117662"/>
-              <a:ext cx="1009280" cy="464739"/>
-              <a:chOff x="4432859" y="3200647"/>
-              <a:chExt cx="1009280" cy="464739"/>
-            </a:xfrm>
-            <a:solidFill>
-              <a:srgbClr val="FFFFFF">
-                <a:alpha val="20000"/>
-              </a:srgbClr>
-            </a:solidFill>
-          </p:grpSpPr>
-          <p:sp>
-            <p:nvSpPr>
-              <p:cNvPr id="32" name="Freeform: Shape 31">
-                <a:extLst>
-                  <a:ext uri="{FF2B5EF4-FFF2-40B4-BE49-F238E27FC236}">
-                    <a16:creationId xmlns:a16="http://schemas.microsoft.com/office/drawing/2014/main" id="{F3AFD408-F48C-4C50-8D5E-5DD627179939}"/>
-                  </a:ext>
-                  <a:ext uri="{C183D7F6-B498-43B3-948B-1728B52AA6E4}">
-                    <adec:decorative xmlns:adec="http://schemas.microsoft.com/office/drawing/2017/decorative" val="1"/>
-                  </a:ext>
-                </a:extLst>
-              </p:cNvPr>
-              <p:cNvSpPr/>
-              <p:nvPr>
-                <p:extLst>
-                  <p:ext uri="{386F3935-93C4-4BCD-93E2-E3B085C9AB24}">
-                    <p16:designElem xmlns:p16="http://schemas.microsoft.com/office/powerpoint/2015/main" val="1"/>
-                  </p:ext>
-                </p:extLst>
-              </p:nvPr>
-            </p:nvSpPr>
-            <p:spPr>
-              <a:xfrm rot="16200000" flipH="1" flipV="1">
-                <a:off x="4977400" y="3200647"/>
-                <a:ext cx="464739" cy="464739"/>
-              </a:xfrm>
-              <a:custGeom>
-                <a:avLst/>
-                <a:gdLst>
-                  <a:gd name="connsiteX0" fmla="*/ 464132 w 464739"/>
-                  <a:gd name="connsiteY0" fmla="*/ 463881 h 464739"/>
-                  <a:gd name="connsiteX1" fmla="*/ 463891 w 464739"/>
-                  <a:gd name="connsiteY1" fmla="*/ 463892 h 464739"/>
-                  <a:gd name="connsiteX2" fmla="*/ 463880 w 464739"/>
-                  <a:gd name="connsiteY2" fmla="*/ 464132 h 464739"/>
-                  <a:gd name="connsiteX3" fmla="*/ 463651 w 464739"/>
-                  <a:gd name="connsiteY3" fmla="*/ 463904 h 464739"/>
-                  <a:gd name="connsiteX4" fmla="*/ 446142 w 464739"/>
-                  <a:gd name="connsiteY4" fmla="*/ 464739 h 464739"/>
-                  <a:gd name="connsiteX5" fmla="*/ 130673 w 464739"/>
-                  <a:gd name="connsiteY5" fmla="*/ 334067 h 464739"/>
-                  <a:gd name="connsiteX6" fmla="*/ 0 w 464739"/>
-                  <a:gd name="connsiteY6" fmla="*/ 18597 h 464739"/>
-                  <a:gd name="connsiteX7" fmla="*/ 836 w 464739"/>
-                  <a:gd name="connsiteY7" fmla="*/ 1089 h 464739"/>
-                  <a:gd name="connsiteX8" fmla="*/ 607 w 464739"/>
-                  <a:gd name="connsiteY8" fmla="*/ 859 h 464739"/>
-                  <a:gd name="connsiteX9" fmla="*/ 848 w 464739"/>
-                  <a:gd name="connsiteY9" fmla="*/ 848 h 464739"/>
-                  <a:gd name="connsiteX10" fmla="*/ 859 w 464739"/>
-                  <a:gd name="connsiteY10" fmla="*/ 607 h 464739"/>
-                  <a:gd name="connsiteX11" fmla="*/ 1089 w 464739"/>
-                  <a:gd name="connsiteY11" fmla="*/ 836 h 464739"/>
-                  <a:gd name="connsiteX12" fmla="*/ 18597 w 464739"/>
-                  <a:gd name="connsiteY12" fmla="*/ 0 h 464739"/>
-                  <a:gd name="connsiteX13" fmla="*/ 334067 w 464739"/>
-                  <a:gd name="connsiteY13" fmla="*/ 130672 h 464739"/>
-                  <a:gd name="connsiteX14" fmla="*/ 464739 w 464739"/>
-                  <a:gd name="connsiteY14" fmla="*/ 446142 h 464739"/>
-                  <a:gd name="connsiteX15" fmla="*/ 463903 w 464739"/>
-                  <a:gd name="connsiteY15" fmla="*/ 463652 h 464739"/>
-                </a:gdLst>
-                <a:ahLst/>
-                <a:cxnLst>
-                  <a:cxn ang="0">
-                    <a:pos x="connsiteX0" y="connsiteY0"/>
-                  </a:cxn>
-                  <a:cxn ang="0">
-                    <a:pos x="connsiteX1" y="connsiteY1"/>
-                  </a:cxn>
-                  <a:cxn ang="0">
-                    <a:pos x="connsiteX2" y="connsiteY2"/>
-                  </a:cxn>
-                  <a:cxn ang="0">
-                    <a:pos x="connsiteX3" y="connsiteY3"/>
-                  </a:cxn>
-                  <a:cxn ang="0">
-                    <a:pos x="connsiteX4" y="connsiteY4"/>
-                  </a:cxn>
-                  <a:cxn ang="0">
-                    <a:pos x="connsiteX5" y="connsiteY5"/>
-                  </a:cxn>
-                  <a:cxn ang="0">
-                    <a:pos x="connsiteX6" y="connsiteY6"/>
-                  </a:cxn>
-                  <a:cxn ang="0">
-                    <a:pos x="connsiteX7" y="connsiteY7"/>
-                  </a:cxn>
-                  <a:cxn ang="0">
-                    <a:pos x="connsiteX8" y="connsiteY8"/>
-                  </a:cxn>
-                  <a:cxn ang="0">
-                    <a:pos x="connsiteX9" y="connsiteY9"/>
-                  </a:cxn>
-                  <a:cxn ang="0">
-                    <a:pos x="connsiteX10" y="connsiteY10"/>
-                  </a:cxn>
-                  <a:cxn ang="0">
-                    <a:pos x="connsiteX11" y="connsiteY11"/>
-                  </a:cxn>
-                  <a:cxn ang="0">
-                    <a:pos x="connsiteX12" y="connsiteY12"/>
-                  </a:cxn>
-                  <a:cxn ang="0">
-                    <a:pos x="connsiteX13" y="connsiteY13"/>
-                  </a:cxn>
-                  <a:cxn ang="0">
-                    <a:pos x="connsiteX14" y="connsiteY14"/>
-                  </a:cxn>
-                  <a:cxn ang="0">
-                    <a:pos x="connsiteX15" y="connsiteY15"/>
-                  </a:cxn>
-                </a:cxnLst>
-                <a:rect l="l" t="t" r="r" b="b"/>
-                <a:pathLst>
-                  <a:path w="464739" h="464739">
-                    <a:moveTo>
-                      <a:pt x="464132" y="463881"/>
-                    </a:moveTo>
-                    <a:lnTo>
-                      <a:pt x="463891" y="463892"/>
-                    </a:lnTo>
-                    <a:lnTo>
-                      <a:pt x="463880" y="464132"/>
-                    </a:lnTo>
-                    <a:lnTo>
-                      <a:pt x="463651" y="463904"/>
-                    </a:lnTo>
-                    <a:lnTo>
-                      <a:pt x="446142" y="464739"/>
-                    </a:lnTo>
-                    <a:cubicBezTo>
-                      <a:pt x="331965" y="464739"/>
-                      <a:pt x="217787" y="421182"/>
-                      <a:pt x="130673" y="334067"/>
-                    </a:cubicBezTo>
-                    <a:cubicBezTo>
-                      <a:pt x="43558" y="246953"/>
-                      <a:pt x="1" y="132775"/>
-                      <a:pt x="0" y="18597"/>
-                    </a:cubicBezTo>
-                    <a:lnTo>
-                      <a:pt x="836" y="1089"/>
-                    </a:lnTo>
-                    <a:lnTo>
-                      <a:pt x="607" y="859"/>
-                    </a:lnTo>
-                    <a:lnTo>
-                      <a:pt x="848" y="848"/>
-                    </a:lnTo>
-                    <a:lnTo>
-                      <a:pt x="859" y="607"/>
-                    </a:lnTo>
-                    <a:lnTo>
-                      <a:pt x="1089" y="836"/>
-                    </a:lnTo>
-                    <a:lnTo>
-                      <a:pt x="18597" y="0"/>
-                    </a:lnTo>
-                    <a:cubicBezTo>
-                      <a:pt x="132775" y="0"/>
-                      <a:pt x="246952" y="43557"/>
-                      <a:pt x="334067" y="130672"/>
-                    </a:cubicBezTo>
-                    <a:cubicBezTo>
-                      <a:pt x="421182" y="217787"/>
-                      <a:pt x="464739" y="331964"/>
-                      <a:pt x="464739" y="446142"/>
-                    </a:cubicBezTo>
-                    <a:lnTo>
-                      <a:pt x="463903" y="463652"/>
-                    </a:lnTo>
-                    <a:close/>
-                  </a:path>
-                </a:pathLst>
-              </a:custGeom>
-              <a:grpFill/>
-              <a:ln>
-                <a:noFill/>
-              </a:ln>
-            </p:spPr>
-            <p:style>
-              <a:lnRef idx="2">
-                <a:schemeClr val="accent1">
-                  <a:shade val="50000"/>
-                </a:schemeClr>
-              </a:lnRef>
-              <a:fillRef idx="1">
-                <a:schemeClr val="accent1"/>
-              </a:fillRef>
-              <a:effectRef idx="0">
-                <a:schemeClr val="accent1"/>
-              </a:effectRef>
-              <a:fontRef idx="minor">
-                <a:schemeClr val="lt1"/>
-              </a:fontRef>
-            </p:style>
-            <p:txBody>
-              <a:bodyPr rtlCol="0" anchor="ctr"/>
-              <a:lstStyle/>
-              <a:p>
-                <a:pPr algn="ctr"/>
-                <a:endParaRPr lang="en-US" dirty="0">
-                  <a:solidFill>
-                    <a:schemeClr val="tx1"/>
-                  </a:solidFill>
-                </a:endParaRPr>
-              </a:p>
-            </p:txBody>
-          </p:sp>
-          <p:sp>
-            <p:nvSpPr>
-              <p:cNvPr id="33" name="Freeform: Shape 32">
-                <a:extLst>
-                  <a:ext uri="{FF2B5EF4-FFF2-40B4-BE49-F238E27FC236}">
-                    <a16:creationId xmlns:a16="http://schemas.microsoft.com/office/drawing/2014/main" id="{9C45F007-BD45-43C0-8579-5601F9CA7816}"/>
-                  </a:ext>
-                  <a:ext uri="{C183D7F6-B498-43B3-948B-1728B52AA6E4}">
-                    <adec:decorative xmlns:adec="http://schemas.microsoft.com/office/drawing/2017/decorative" val="1"/>
-                  </a:ext>
-                </a:extLst>
-              </p:cNvPr>
-              <p:cNvSpPr/>
-              <p:nvPr>
-                <p:extLst>
-                  <p:ext uri="{386F3935-93C4-4BCD-93E2-E3B085C9AB24}">
-                    <p16:designElem xmlns:p16="http://schemas.microsoft.com/office/powerpoint/2015/main" val="1"/>
-                  </p:ext>
-                </p:extLst>
-              </p:nvPr>
-            </p:nvSpPr>
-            <p:spPr>
-              <a:xfrm rot="5400000" flipV="1">
-                <a:off x="4432859" y="3200647"/>
-                <a:ext cx="464739" cy="464739"/>
-              </a:xfrm>
-              <a:custGeom>
-                <a:avLst/>
-                <a:gdLst>
-                  <a:gd name="connsiteX0" fmla="*/ 464132 w 464739"/>
-                  <a:gd name="connsiteY0" fmla="*/ 463881 h 464739"/>
-                  <a:gd name="connsiteX1" fmla="*/ 463891 w 464739"/>
-                  <a:gd name="connsiteY1" fmla="*/ 463892 h 464739"/>
-                  <a:gd name="connsiteX2" fmla="*/ 463880 w 464739"/>
-                  <a:gd name="connsiteY2" fmla="*/ 464132 h 464739"/>
-                  <a:gd name="connsiteX3" fmla="*/ 463651 w 464739"/>
-                  <a:gd name="connsiteY3" fmla="*/ 463904 h 464739"/>
-                  <a:gd name="connsiteX4" fmla="*/ 446142 w 464739"/>
-                  <a:gd name="connsiteY4" fmla="*/ 464739 h 464739"/>
-                  <a:gd name="connsiteX5" fmla="*/ 130673 w 464739"/>
-                  <a:gd name="connsiteY5" fmla="*/ 334067 h 464739"/>
-                  <a:gd name="connsiteX6" fmla="*/ 0 w 464739"/>
-                  <a:gd name="connsiteY6" fmla="*/ 18597 h 464739"/>
-                  <a:gd name="connsiteX7" fmla="*/ 836 w 464739"/>
-                  <a:gd name="connsiteY7" fmla="*/ 1089 h 464739"/>
-                  <a:gd name="connsiteX8" fmla="*/ 607 w 464739"/>
-                  <a:gd name="connsiteY8" fmla="*/ 859 h 464739"/>
-                  <a:gd name="connsiteX9" fmla="*/ 848 w 464739"/>
-                  <a:gd name="connsiteY9" fmla="*/ 848 h 464739"/>
-                  <a:gd name="connsiteX10" fmla="*/ 859 w 464739"/>
-                  <a:gd name="connsiteY10" fmla="*/ 607 h 464739"/>
-                  <a:gd name="connsiteX11" fmla="*/ 1089 w 464739"/>
-                  <a:gd name="connsiteY11" fmla="*/ 836 h 464739"/>
-                  <a:gd name="connsiteX12" fmla="*/ 18597 w 464739"/>
-                  <a:gd name="connsiteY12" fmla="*/ 0 h 464739"/>
-                  <a:gd name="connsiteX13" fmla="*/ 334067 w 464739"/>
-                  <a:gd name="connsiteY13" fmla="*/ 130672 h 464739"/>
-                  <a:gd name="connsiteX14" fmla="*/ 464739 w 464739"/>
-                  <a:gd name="connsiteY14" fmla="*/ 446142 h 464739"/>
-                  <a:gd name="connsiteX15" fmla="*/ 463903 w 464739"/>
-                  <a:gd name="connsiteY15" fmla="*/ 463652 h 464739"/>
-                </a:gdLst>
-                <a:ahLst/>
-                <a:cxnLst>
-                  <a:cxn ang="0">
-                    <a:pos x="connsiteX0" y="connsiteY0"/>
-                  </a:cxn>
-                  <a:cxn ang="0">
-                    <a:pos x="connsiteX1" y="connsiteY1"/>
-                  </a:cxn>
-                  <a:cxn ang="0">
-                    <a:pos x="connsiteX2" y="connsiteY2"/>
-                  </a:cxn>
-                  <a:cxn ang="0">
-                    <a:pos x="connsiteX3" y="connsiteY3"/>
-                  </a:cxn>
-                  <a:cxn ang="0">
-                    <a:pos x="connsiteX4" y="connsiteY4"/>
-                  </a:cxn>
-                  <a:cxn ang="0">
-                    <a:pos x="connsiteX5" y="connsiteY5"/>
-                  </a:cxn>
-                  <a:cxn ang="0">
-                    <a:pos x="connsiteX6" y="connsiteY6"/>
-                  </a:cxn>
-                  <a:cxn ang="0">
-                    <a:pos x="connsiteX7" y="connsiteY7"/>
-                  </a:cxn>
-                  <a:cxn ang="0">
-                    <a:pos x="connsiteX8" y="connsiteY8"/>
-                  </a:cxn>
-                  <a:cxn ang="0">
-                    <a:pos x="connsiteX9" y="connsiteY9"/>
-                  </a:cxn>
-                  <a:cxn ang="0">
-                    <a:pos x="connsiteX10" y="connsiteY10"/>
-                  </a:cxn>
-                  <a:cxn ang="0">
-                    <a:pos x="connsiteX11" y="connsiteY11"/>
-                  </a:cxn>
-                  <a:cxn ang="0">
-                    <a:pos x="connsiteX12" y="connsiteY12"/>
-                  </a:cxn>
-                  <a:cxn ang="0">
-                    <a:pos x="connsiteX13" y="connsiteY13"/>
-                  </a:cxn>
-                  <a:cxn ang="0">
-                    <a:pos x="connsiteX14" y="connsiteY14"/>
-                  </a:cxn>
-                  <a:cxn ang="0">
-                    <a:pos x="connsiteX15" y="connsiteY15"/>
-                  </a:cxn>
-                </a:cxnLst>
-                <a:rect l="l" t="t" r="r" b="b"/>
-                <a:pathLst>
-                  <a:path w="464739" h="464739">
-                    <a:moveTo>
-                      <a:pt x="464132" y="463881"/>
-                    </a:moveTo>
-                    <a:lnTo>
-                      <a:pt x="463891" y="463892"/>
-                    </a:lnTo>
-                    <a:lnTo>
-                      <a:pt x="463880" y="464132"/>
-                    </a:lnTo>
-                    <a:lnTo>
-                      <a:pt x="463651" y="463904"/>
-                    </a:lnTo>
-                    <a:lnTo>
-                      <a:pt x="446142" y="464739"/>
-                    </a:lnTo>
-                    <a:cubicBezTo>
-                      <a:pt x="331965" y="464739"/>
-                      <a:pt x="217787" y="421182"/>
-                      <a:pt x="130673" y="334067"/>
-                    </a:cubicBezTo>
-                    <a:cubicBezTo>
-                      <a:pt x="43558" y="246953"/>
-                      <a:pt x="1" y="132775"/>
-                      <a:pt x="0" y="18597"/>
-                    </a:cubicBezTo>
-                    <a:lnTo>
-                      <a:pt x="836" y="1089"/>
-                    </a:lnTo>
-                    <a:lnTo>
-                      <a:pt x="607" y="859"/>
-                    </a:lnTo>
-                    <a:lnTo>
-                      <a:pt x="848" y="848"/>
-                    </a:lnTo>
-                    <a:lnTo>
-                      <a:pt x="859" y="607"/>
-                    </a:lnTo>
-                    <a:lnTo>
-                      <a:pt x="1089" y="836"/>
-                    </a:lnTo>
-                    <a:lnTo>
-                      <a:pt x="18597" y="0"/>
-                    </a:lnTo>
-                    <a:cubicBezTo>
-                      <a:pt x="132775" y="0"/>
-                      <a:pt x="246952" y="43557"/>
-                      <a:pt x="334067" y="130672"/>
-                    </a:cubicBezTo>
-                    <a:cubicBezTo>
-                      <a:pt x="421182" y="217787"/>
-                      <a:pt x="464739" y="331964"/>
-                      <a:pt x="464739" y="446142"/>
-                    </a:cubicBezTo>
-                    <a:lnTo>
-                      <a:pt x="463903" y="463652"/>
-                    </a:lnTo>
-                    <a:close/>
-                  </a:path>
-                </a:pathLst>
-              </a:custGeom>
-              <a:grpFill/>
-              <a:ln>
-                <a:noFill/>
-              </a:ln>
-            </p:spPr>
-            <p:style>
-              <a:lnRef idx="2">
-                <a:schemeClr val="accent1">
-                  <a:shade val="50000"/>
-                </a:schemeClr>
-              </a:lnRef>
-              <a:fillRef idx="1">
-                <a:schemeClr val="accent1"/>
-              </a:fillRef>
-              <a:effectRef idx="0">
-                <a:schemeClr val="accent1"/>
-              </a:effectRef>
-              <a:fontRef idx="minor">
-                <a:schemeClr val="lt1"/>
-              </a:fontRef>
-            </p:style>
-            <p:txBody>
-              <a:bodyPr rtlCol="0" anchor="ctr"/>
-              <a:lstStyle/>
-              <a:p>
-                <a:pPr algn="ctr"/>
-                <a:endParaRPr lang="en-US" dirty="0">
-                  <a:solidFill>
-                    <a:schemeClr val="tx1"/>
-                  </a:solidFill>
-                </a:endParaRPr>
-              </a:p>
-            </p:txBody>
-          </p:sp>
-        </p:grpSp>
-        <p:grpSp>
-          <p:nvGrpSpPr>
-            <p:cNvPr id="25" name="Group 24">
-              <a:extLst>
-                <a:ext uri="{FF2B5EF4-FFF2-40B4-BE49-F238E27FC236}">
-                  <a16:creationId xmlns:a16="http://schemas.microsoft.com/office/drawing/2014/main" id="{97131E1B-CE62-4AB1-A2D9-02E823C9B32D}"/>
-                </a:ext>
-                <a:ext uri="{C183D7F6-B498-43B3-948B-1728B52AA6E4}">
-                  <adec:decorative xmlns:adec="http://schemas.microsoft.com/office/drawing/2017/decorative" val="1"/>
-                </a:ext>
-              </a:extLst>
-            </p:cNvPr>
-            <p:cNvGrpSpPr/>
-            <p:nvPr>
-              <p:extLst>
-                <p:ext uri="{386F3935-93C4-4BCD-93E2-E3B085C9AB24}">
-                  <p16:designElem xmlns:p16="http://schemas.microsoft.com/office/powerpoint/2015/main" val="1"/>
-                </p:ext>
-              </p:extLst>
-            </p:nvPr>
-          </p:nvGrpSpPr>
-          <p:grpSpPr>
-            <a:xfrm>
-              <a:off x="3728943" y="2915338"/>
-              <a:ext cx="1080000" cy="1080000"/>
-              <a:chOff x="4497894" y="2998323"/>
-              <a:chExt cx="1080000" cy="1080000"/>
-            </a:xfrm>
-          </p:grpSpPr>
-          <p:grpSp>
-            <p:nvGrpSpPr>
-              <p:cNvPr id="39" name="Group 25">
-                <a:extLst>
-                  <a:ext uri="{FF2B5EF4-FFF2-40B4-BE49-F238E27FC236}">
-                    <a16:creationId xmlns:a16="http://schemas.microsoft.com/office/drawing/2014/main" id="{745E8D88-C0BB-4D1C-B240-D441BBA6F7AC}"/>
-                  </a:ext>
-                  <a:ext uri="{C183D7F6-B498-43B3-948B-1728B52AA6E4}">
-                    <adec:decorative xmlns:adec="http://schemas.microsoft.com/office/drawing/2017/decorative" val="1"/>
-                  </a:ext>
-                </a:extLst>
-              </p:cNvPr>
-              <p:cNvGrpSpPr/>
-              <p:nvPr>
-                <p:extLst>
-                  <p:ext uri="{386F3935-93C4-4BCD-93E2-E3B085C9AB24}">
-                    <p16:designElem xmlns:p16="http://schemas.microsoft.com/office/powerpoint/2015/main" val="1"/>
-                  </p:ext>
-                </p:extLst>
-              </p:nvPr>
-            </p:nvGrpSpPr>
-            <p:grpSpPr>
-              <a:xfrm rot="13500000">
-                <a:off x="4805524" y="2998323"/>
-                <a:ext cx="464739" cy="1080000"/>
-                <a:chOff x="4511184" y="2470620"/>
-                <a:chExt cx="464739" cy="1080000"/>
-              </a:xfrm>
-            </p:grpSpPr>
-            <p:sp>
-              <p:nvSpPr>
-                <p:cNvPr id="30" name="Freeform: Shape 29">
-                  <a:extLst>
-                    <a:ext uri="{FF2B5EF4-FFF2-40B4-BE49-F238E27FC236}">
-                      <a16:creationId xmlns:a16="http://schemas.microsoft.com/office/drawing/2014/main" id="{AAB960BE-12F5-4ADA-AA9E-0EC54256411F}"/>
-                    </a:ext>
-                    <a:ext uri="{C183D7F6-B498-43B3-948B-1728B52AA6E4}">
-                      <adec:decorative xmlns:adec="http://schemas.microsoft.com/office/drawing/2017/decorative" val="1"/>
-                    </a:ext>
-                  </a:extLst>
-                </p:cNvPr>
-                <p:cNvSpPr/>
-                <p:nvPr>
-                  <p:extLst>
-                    <p:ext uri="{386F3935-93C4-4BCD-93E2-E3B085C9AB24}">
-                      <p16:designElem xmlns:p16="http://schemas.microsoft.com/office/powerpoint/2015/main" val="1"/>
-                    </p:ext>
-                  </p:extLst>
-                </p:nvPr>
-              </p:nvSpPr>
-              <p:spPr>
-                <a:xfrm rot="2700000" flipH="1" flipV="1">
-                  <a:off x="4511184" y="2990814"/>
-                  <a:ext cx="464739" cy="464739"/>
-                </a:xfrm>
-                <a:custGeom>
-                  <a:avLst/>
-                  <a:gdLst>
-                    <a:gd name="connsiteX0" fmla="*/ 464132 w 464739"/>
-                    <a:gd name="connsiteY0" fmla="*/ 463881 h 464739"/>
-                    <a:gd name="connsiteX1" fmla="*/ 463891 w 464739"/>
-                    <a:gd name="connsiteY1" fmla="*/ 463892 h 464739"/>
-                    <a:gd name="connsiteX2" fmla="*/ 463880 w 464739"/>
-                    <a:gd name="connsiteY2" fmla="*/ 464132 h 464739"/>
-                    <a:gd name="connsiteX3" fmla="*/ 463651 w 464739"/>
-                    <a:gd name="connsiteY3" fmla="*/ 463904 h 464739"/>
-                    <a:gd name="connsiteX4" fmla="*/ 446142 w 464739"/>
-                    <a:gd name="connsiteY4" fmla="*/ 464739 h 464739"/>
-                    <a:gd name="connsiteX5" fmla="*/ 130673 w 464739"/>
-                    <a:gd name="connsiteY5" fmla="*/ 334067 h 464739"/>
-                    <a:gd name="connsiteX6" fmla="*/ 0 w 464739"/>
-                    <a:gd name="connsiteY6" fmla="*/ 18597 h 464739"/>
-                    <a:gd name="connsiteX7" fmla="*/ 836 w 464739"/>
-                    <a:gd name="connsiteY7" fmla="*/ 1089 h 464739"/>
-                    <a:gd name="connsiteX8" fmla="*/ 607 w 464739"/>
-                    <a:gd name="connsiteY8" fmla="*/ 859 h 464739"/>
-                    <a:gd name="connsiteX9" fmla="*/ 848 w 464739"/>
-                    <a:gd name="connsiteY9" fmla="*/ 848 h 464739"/>
-                    <a:gd name="connsiteX10" fmla="*/ 859 w 464739"/>
-                    <a:gd name="connsiteY10" fmla="*/ 607 h 464739"/>
-                    <a:gd name="connsiteX11" fmla="*/ 1089 w 464739"/>
-                    <a:gd name="connsiteY11" fmla="*/ 836 h 464739"/>
-                    <a:gd name="connsiteX12" fmla="*/ 18597 w 464739"/>
-                    <a:gd name="connsiteY12" fmla="*/ 0 h 464739"/>
-                    <a:gd name="connsiteX13" fmla="*/ 334067 w 464739"/>
-                    <a:gd name="connsiteY13" fmla="*/ 130672 h 464739"/>
-                    <a:gd name="connsiteX14" fmla="*/ 464739 w 464739"/>
-                    <a:gd name="connsiteY14" fmla="*/ 446142 h 464739"/>
-                    <a:gd name="connsiteX15" fmla="*/ 463903 w 464739"/>
-                    <a:gd name="connsiteY15" fmla="*/ 463652 h 464739"/>
-                  </a:gdLst>
-                  <a:ahLst/>
-                  <a:cxnLst>
-                    <a:cxn ang="0">
-                      <a:pos x="connsiteX0" y="connsiteY0"/>
-                    </a:cxn>
-                    <a:cxn ang="0">
-                      <a:pos x="connsiteX1" y="connsiteY1"/>
-                    </a:cxn>
-                    <a:cxn ang="0">
-                      <a:pos x="connsiteX2" y="connsiteY2"/>
-                    </a:cxn>
-                    <a:cxn ang="0">
-                      <a:pos x="connsiteX3" y="connsiteY3"/>
-                    </a:cxn>
-                    <a:cxn ang="0">
-                      <a:pos x="connsiteX4" y="connsiteY4"/>
-                    </a:cxn>
-                    <a:cxn ang="0">
-                      <a:pos x="connsiteX5" y="connsiteY5"/>
-                    </a:cxn>
-                    <a:cxn ang="0">
-                      <a:pos x="connsiteX6" y="connsiteY6"/>
-                    </a:cxn>
-                    <a:cxn ang="0">
-                      <a:pos x="connsiteX7" y="connsiteY7"/>
-                    </a:cxn>
-                    <a:cxn ang="0">
-                      <a:pos x="connsiteX8" y="connsiteY8"/>
-                    </a:cxn>
-                    <a:cxn ang="0">
-                      <a:pos x="connsiteX9" y="connsiteY9"/>
-                    </a:cxn>
-                    <a:cxn ang="0">
-                      <a:pos x="connsiteX10" y="connsiteY10"/>
-                    </a:cxn>
-                    <a:cxn ang="0">
-                      <a:pos x="connsiteX11" y="connsiteY11"/>
-                    </a:cxn>
-                    <a:cxn ang="0">
-                      <a:pos x="connsiteX12" y="connsiteY12"/>
-                    </a:cxn>
-                    <a:cxn ang="0">
-                      <a:pos x="connsiteX13" y="connsiteY13"/>
-                    </a:cxn>
-                    <a:cxn ang="0">
-                      <a:pos x="connsiteX14" y="connsiteY14"/>
-                    </a:cxn>
-                    <a:cxn ang="0">
-                      <a:pos x="connsiteX15" y="connsiteY15"/>
-                    </a:cxn>
-                  </a:cxnLst>
-                  <a:rect l="l" t="t" r="r" b="b"/>
-                  <a:pathLst>
-                    <a:path w="464739" h="464739">
-                      <a:moveTo>
-                        <a:pt x="464132" y="463881"/>
-                      </a:moveTo>
-                      <a:lnTo>
-                        <a:pt x="463891" y="463892"/>
-                      </a:lnTo>
-                      <a:lnTo>
-                        <a:pt x="463880" y="464132"/>
-                      </a:lnTo>
-                      <a:lnTo>
-                        <a:pt x="463651" y="463904"/>
-                      </a:lnTo>
-                      <a:lnTo>
-                        <a:pt x="446142" y="464739"/>
-                      </a:lnTo>
-                      <a:cubicBezTo>
-                        <a:pt x="331965" y="464739"/>
-                        <a:pt x="217787" y="421182"/>
-                        <a:pt x="130673" y="334067"/>
-                      </a:cubicBezTo>
-                      <a:cubicBezTo>
-                        <a:pt x="43558" y="246953"/>
-                        <a:pt x="1" y="132775"/>
-                        <a:pt x="0" y="18597"/>
-                      </a:cubicBezTo>
-                      <a:lnTo>
-                        <a:pt x="836" y="1089"/>
-                      </a:lnTo>
-                      <a:lnTo>
-                        <a:pt x="607" y="859"/>
-                      </a:lnTo>
-                      <a:lnTo>
-                        <a:pt x="848" y="848"/>
-                      </a:lnTo>
-                      <a:lnTo>
-                        <a:pt x="859" y="607"/>
-                      </a:lnTo>
-                      <a:lnTo>
-                        <a:pt x="1089" y="836"/>
-                      </a:lnTo>
-                      <a:lnTo>
-                        <a:pt x="18597" y="0"/>
-                      </a:lnTo>
-                      <a:cubicBezTo>
-                        <a:pt x="132775" y="0"/>
-                        <a:pt x="246952" y="43557"/>
-                        <a:pt x="334067" y="130672"/>
-                      </a:cubicBezTo>
-                      <a:cubicBezTo>
-                        <a:pt x="421182" y="217787"/>
-                        <a:pt x="464739" y="331964"/>
-                        <a:pt x="464739" y="446142"/>
-                      </a:cubicBezTo>
-                      <a:lnTo>
-                        <a:pt x="463903" y="463652"/>
-                      </a:lnTo>
-                      <a:close/>
-                    </a:path>
-                  </a:pathLst>
-                </a:custGeom>
-                <a:noFill/>
-                <a:ln w="12700">
-                  <a:solidFill>
-                    <a:srgbClr val="FFFFFF"/>
-                  </a:solidFill>
-                </a:ln>
-              </p:spPr>
-              <p:style>
-                <a:lnRef idx="2">
-                  <a:schemeClr val="accent1">
-                    <a:shade val="50000"/>
-                  </a:schemeClr>
-                </a:lnRef>
-                <a:fillRef idx="1">
-                  <a:schemeClr val="accent1"/>
-                </a:fillRef>
-                <a:effectRef idx="0">
-                  <a:schemeClr val="accent1"/>
-                </a:effectRef>
-                <a:fontRef idx="minor">
-                  <a:schemeClr val="lt1"/>
-                </a:fontRef>
-              </p:style>
-              <p:txBody>
-                <a:bodyPr rtlCol="0" anchor="ctr"/>
-                <a:lstStyle/>
-                <a:p>
-                  <a:pPr algn="ctr"/>
-                  <a:endParaRPr lang="en-US" dirty="0">
-                    <a:solidFill>
-                      <a:srgbClr val="FFFFFF"/>
-                    </a:solidFill>
-                  </a:endParaRPr>
-                </a:p>
-              </p:txBody>
-            </p:sp>
-            <p:cxnSp>
-              <p:nvCxnSpPr>
-                <p:cNvPr id="31" name="Straight Connector 30">
-                  <a:extLst>
-                    <a:ext uri="{FF2B5EF4-FFF2-40B4-BE49-F238E27FC236}">
-                      <a16:creationId xmlns:a16="http://schemas.microsoft.com/office/drawing/2014/main" id="{7E9BB9F7-7101-4BF3-9191-5893E4C582A5}"/>
-                    </a:ext>
-                    <a:ext uri="{C183D7F6-B498-43B3-948B-1728B52AA6E4}">
-                      <adec:decorative xmlns:adec="http://schemas.microsoft.com/office/drawing/2017/decorative" val="1"/>
-                    </a:ext>
-                  </a:extLst>
-                </p:cNvPr>
-                <p:cNvCxnSpPr>
-                  <a:cxnSpLocks/>
-                </p:cNvCxnSpPr>
-                <p:nvPr>
-                  <p:extLst>
-                    <p:ext uri="{386F3935-93C4-4BCD-93E2-E3B085C9AB24}">
-                      <p16:designElem xmlns:p16="http://schemas.microsoft.com/office/powerpoint/2015/main" val="1"/>
-                    </p:ext>
-                  </p:extLst>
-                </p:nvPr>
-              </p:nvCxnSpPr>
-              <p:spPr>
-                <a:xfrm flipV="1">
-                  <a:off x="4742369" y="2470620"/>
-                  <a:ext cx="0" cy="1080000"/>
-                </a:xfrm>
-                <a:prstGeom prst="line">
-                  <a:avLst/>
-                </a:prstGeom>
-                <a:ln w="12700">
-                  <a:solidFill>
-                    <a:srgbClr val="FFFFFF"/>
-                  </a:solidFill>
-                </a:ln>
-              </p:spPr>
-              <p:style>
-                <a:lnRef idx="1">
-                  <a:schemeClr val="accent1"/>
-                </a:lnRef>
-                <a:fillRef idx="0">
-                  <a:schemeClr val="accent1"/>
-                </a:fillRef>
-                <a:effectRef idx="0">
-                  <a:schemeClr val="accent1"/>
-                </a:effectRef>
-                <a:fontRef idx="minor">
-                  <a:schemeClr val="tx1"/>
-                </a:fontRef>
-              </p:style>
-            </p:cxnSp>
-          </p:grpSp>
-          <p:grpSp>
-            <p:nvGrpSpPr>
-              <p:cNvPr id="27" name="Group 26">
-                <a:extLst>
-                  <a:ext uri="{FF2B5EF4-FFF2-40B4-BE49-F238E27FC236}">
-                    <a16:creationId xmlns:a16="http://schemas.microsoft.com/office/drawing/2014/main" id="{D0710A9C-48A5-404F-9EC4-D486FCDFDAB1}"/>
-                  </a:ext>
-                  <a:ext uri="{C183D7F6-B498-43B3-948B-1728B52AA6E4}">
-                    <adec:decorative xmlns:adec="http://schemas.microsoft.com/office/drawing/2017/decorative" val="1"/>
-                  </a:ext>
-                </a:extLst>
-              </p:cNvPr>
-              <p:cNvGrpSpPr/>
-              <p:nvPr>
-                <p:extLst>
-                  <p:ext uri="{386F3935-93C4-4BCD-93E2-E3B085C9AB24}">
-                    <p16:designElem xmlns:p16="http://schemas.microsoft.com/office/powerpoint/2015/main" val="1"/>
-                  </p:ext>
-                </p:extLst>
-              </p:nvPr>
-            </p:nvGrpSpPr>
-            <p:grpSpPr>
-              <a:xfrm rot="8100000" flipH="1">
-                <a:off x="4542572" y="2998323"/>
-                <a:ext cx="464739" cy="1080000"/>
-                <a:chOff x="4511184" y="2470620"/>
-                <a:chExt cx="464739" cy="1080000"/>
-              </a:xfrm>
-            </p:grpSpPr>
-            <p:sp>
-              <p:nvSpPr>
-                <p:cNvPr id="40" name="Freeform: Shape 27">
-                  <a:extLst>
-                    <a:ext uri="{FF2B5EF4-FFF2-40B4-BE49-F238E27FC236}">
-                      <a16:creationId xmlns:a16="http://schemas.microsoft.com/office/drawing/2014/main" id="{5111EC00-4B3D-478C-AD25-F35644013ECD}"/>
-                    </a:ext>
-                    <a:ext uri="{C183D7F6-B498-43B3-948B-1728B52AA6E4}">
-                      <adec:decorative xmlns:adec="http://schemas.microsoft.com/office/drawing/2017/decorative" val="1"/>
-                    </a:ext>
-                  </a:extLst>
-                </p:cNvPr>
-                <p:cNvSpPr/>
-                <p:nvPr>
-                  <p:extLst>
-                    <p:ext uri="{386F3935-93C4-4BCD-93E2-E3B085C9AB24}">
-                      <p16:designElem xmlns:p16="http://schemas.microsoft.com/office/powerpoint/2015/main" val="1"/>
-                    </p:ext>
-                  </p:extLst>
-                </p:nvPr>
-              </p:nvSpPr>
-              <p:spPr>
-                <a:xfrm rot="2700000" flipH="1" flipV="1">
-                  <a:off x="4511184" y="2990814"/>
-                  <a:ext cx="464739" cy="464739"/>
-                </a:xfrm>
-                <a:custGeom>
-                  <a:avLst/>
-                  <a:gdLst>
-                    <a:gd name="connsiteX0" fmla="*/ 464132 w 464739"/>
-                    <a:gd name="connsiteY0" fmla="*/ 463881 h 464739"/>
-                    <a:gd name="connsiteX1" fmla="*/ 463891 w 464739"/>
-                    <a:gd name="connsiteY1" fmla="*/ 463892 h 464739"/>
-                    <a:gd name="connsiteX2" fmla="*/ 463880 w 464739"/>
-                    <a:gd name="connsiteY2" fmla="*/ 464132 h 464739"/>
-                    <a:gd name="connsiteX3" fmla="*/ 463651 w 464739"/>
-                    <a:gd name="connsiteY3" fmla="*/ 463904 h 464739"/>
-                    <a:gd name="connsiteX4" fmla="*/ 446142 w 464739"/>
-                    <a:gd name="connsiteY4" fmla="*/ 464739 h 464739"/>
-                    <a:gd name="connsiteX5" fmla="*/ 130673 w 464739"/>
-                    <a:gd name="connsiteY5" fmla="*/ 334067 h 464739"/>
-                    <a:gd name="connsiteX6" fmla="*/ 0 w 464739"/>
-                    <a:gd name="connsiteY6" fmla="*/ 18597 h 464739"/>
-                    <a:gd name="connsiteX7" fmla="*/ 836 w 464739"/>
-                    <a:gd name="connsiteY7" fmla="*/ 1089 h 464739"/>
-                    <a:gd name="connsiteX8" fmla="*/ 607 w 464739"/>
-                    <a:gd name="connsiteY8" fmla="*/ 859 h 464739"/>
-                    <a:gd name="connsiteX9" fmla="*/ 848 w 464739"/>
-                    <a:gd name="connsiteY9" fmla="*/ 848 h 464739"/>
-                    <a:gd name="connsiteX10" fmla="*/ 859 w 464739"/>
-                    <a:gd name="connsiteY10" fmla="*/ 607 h 464739"/>
-                    <a:gd name="connsiteX11" fmla="*/ 1089 w 464739"/>
-                    <a:gd name="connsiteY11" fmla="*/ 836 h 464739"/>
-                    <a:gd name="connsiteX12" fmla="*/ 18597 w 464739"/>
-                    <a:gd name="connsiteY12" fmla="*/ 0 h 464739"/>
-                    <a:gd name="connsiteX13" fmla="*/ 334067 w 464739"/>
-                    <a:gd name="connsiteY13" fmla="*/ 130672 h 464739"/>
-                    <a:gd name="connsiteX14" fmla="*/ 464739 w 464739"/>
-                    <a:gd name="connsiteY14" fmla="*/ 446142 h 464739"/>
-                    <a:gd name="connsiteX15" fmla="*/ 463903 w 464739"/>
-                    <a:gd name="connsiteY15" fmla="*/ 463652 h 464739"/>
-                  </a:gdLst>
-                  <a:ahLst/>
-                  <a:cxnLst>
-                    <a:cxn ang="0">
-                      <a:pos x="connsiteX0" y="connsiteY0"/>
-                    </a:cxn>
-                    <a:cxn ang="0">
-                      <a:pos x="connsiteX1" y="connsiteY1"/>
-                    </a:cxn>
-                    <a:cxn ang="0">
-                      <a:pos x="connsiteX2" y="connsiteY2"/>
-                    </a:cxn>
-                    <a:cxn ang="0">
-                      <a:pos x="connsiteX3" y="connsiteY3"/>
-                    </a:cxn>
-                    <a:cxn ang="0">
-                      <a:pos x="connsiteX4" y="connsiteY4"/>
-                    </a:cxn>
-                    <a:cxn ang="0">
-                      <a:pos x="connsiteX5" y="connsiteY5"/>
-                    </a:cxn>
-                    <a:cxn ang="0">
-                      <a:pos x="connsiteX6" y="connsiteY6"/>
-                    </a:cxn>
-                    <a:cxn ang="0">
-                      <a:pos x="connsiteX7" y="connsiteY7"/>
-                    </a:cxn>
-                    <a:cxn ang="0">
-                      <a:pos x="connsiteX8" y="connsiteY8"/>
-                    </a:cxn>
-                    <a:cxn ang="0">
-                      <a:pos x="connsiteX9" y="connsiteY9"/>
-                    </a:cxn>
-                    <a:cxn ang="0">
-                      <a:pos x="connsiteX10" y="connsiteY10"/>
-                    </a:cxn>
-                    <a:cxn ang="0">
-                      <a:pos x="connsiteX11" y="connsiteY11"/>
-                    </a:cxn>
-                    <a:cxn ang="0">
-                      <a:pos x="connsiteX12" y="connsiteY12"/>
-                    </a:cxn>
-                    <a:cxn ang="0">
-                      <a:pos x="connsiteX13" y="connsiteY13"/>
-                    </a:cxn>
-                    <a:cxn ang="0">
-                      <a:pos x="connsiteX14" y="connsiteY14"/>
-                    </a:cxn>
-                    <a:cxn ang="0">
-                      <a:pos x="connsiteX15" y="connsiteY15"/>
-                    </a:cxn>
-                  </a:cxnLst>
-                  <a:rect l="l" t="t" r="r" b="b"/>
-                  <a:pathLst>
-                    <a:path w="464739" h="464739">
-                      <a:moveTo>
-                        <a:pt x="464132" y="463881"/>
-                      </a:moveTo>
-                      <a:lnTo>
-                        <a:pt x="463891" y="463892"/>
-                      </a:lnTo>
-                      <a:lnTo>
-                        <a:pt x="463880" y="464132"/>
-                      </a:lnTo>
-                      <a:lnTo>
-                        <a:pt x="463651" y="463904"/>
-                      </a:lnTo>
-                      <a:lnTo>
-                        <a:pt x="446142" y="464739"/>
-                      </a:lnTo>
-                      <a:cubicBezTo>
-                        <a:pt x="331965" y="464739"/>
-                        <a:pt x="217787" y="421182"/>
-                        <a:pt x="130673" y="334067"/>
-                      </a:cubicBezTo>
-                      <a:cubicBezTo>
-                        <a:pt x="43558" y="246953"/>
-                        <a:pt x="1" y="132775"/>
-                        <a:pt x="0" y="18597"/>
-                      </a:cubicBezTo>
-                      <a:lnTo>
-                        <a:pt x="836" y="1089"/>
-                      </a:lnTo>
-                      <a:lnTo>
-                        <a:pt x="607" y="859"/>
-                      </a:lnTo>
-                      <a:lnTo>
-                        <a:pt x="848" y="848"/>
-                      </a:lnTo>
-                      <a:lnTo>
-                        <a:pt x="859" y="607"/>
-                      </a:lnTo>
-                      <a:lnTo>
-                        <a:pt x="1089" y="836"/>
-                      </a:lnTo>
-                      <a:lnTo>
-                        <a:pt x="18597" y="0"/>
-                      </a:lnTo>
-                      <a:cubicBezTo>
-                        <a:pt x="132775" y="0"/>
-                        <a:pt x="246952" y="43557"/>
-                        <a:pt x="334067" y="130672"/>
-                      </a:cubicBezTo>
-                      <a:cubicBezTo>
-                        <a:pt x="421182" y="217787"/>
-                        <a:pt x="464739" y="331964"/>
-                        <a:pt x="464739" y="446142"/>
-                      </a:cubicBezTo>
-                      <a:lnTo>
-                        <a:pt x="463903" y="463652"/>
-                      </a:lnTo>
-                      <a:close/>
-                    </a:path>
-                  </a:pathLst>
-                </a:custGeom>
-                <a:noFill/>
-                <a:ln w="12700">
-                  <a:solidFill>
-                    <a:srgbClr val="FFFFFF"/>
-                  </a:solidFill>
-                </a:ln>
-              </p:spPr>
-              <p:style>
-                <a:lnRef idx="2">
-                  <a:schemeClr val="accent1">
-                    <a:shade val="50000"/>
-                  </a:schemeClr>
-                </a:lnRef>
-                <a:fillRef idx="1">
-                  <a:schemeClr val="accent1"/>
-                </a:fillRef>
-                <a:effectRef idx="0">
-                  <a:schemeClr val="accent1"/>
-                </a:effectRef>
-                <a:fontRef idx="minor">
-                  <a:schemeClr val="lt1"/>
-                </a:fontRef>
-              </p:style>
-              <p:txBody>
-                <a:bodyPr rtlCol="0" anchor="ctr"/>
-                <a:lstStyle/>
-                <a:p>
-                  <a:pPr algn="ctr"/>
-                  <a:endParaRPr lang="en-US" dirty="0">
-                    <a:solidFill>
-                      <a:srgbClr val="FFFFFF"/>
-                    </a:solidFill>
-                  </a:endParaRPr>
-                </a:p>
-              </p:txBody>
-            </p:sp>
-            <p:cxnSp>
-              <p:nvCxnSpPr>
-                <p:cNvPr id="29" name="Straight Connector 28">
-                  <a:extLst>
-                    <a:ext uri="{FF2B5EF4-FFF2-40B4-BE49-F238E27FC236}">
-                      <a16:creationId xmlns:a16="http://schemas.microsoft.com/office/drawing/2014/main" id="{350412DA-ED08-4AFA-AED3-DFB42655D4B6}"/>
-                    </a:ext>
-                    <a:ext uri="{C183D7F6-B498-43B3-948B-1728B52AA6E4}">
-                      <adec:decorative xmlns:adec="http://schemas.microsoft.com/office/drawing/2017/decorative" val="1"/>
-                    </a:ext>
-                  </a:extLst>
-                </p:cNvPr>
-                <p:cNvCxnSpPr>
-                  <a:cxnSpLocks/>
-                </p:cNvCxnSpPr>
-                <p:nvPr>
-                  <p:extLst>
-                    <p:ext uri="{386F3935-93C4-4BCD-93E2-E3B085C9AB24}">
-                      <p16:designElem xmlns:p16="http://schemas.microsoft.com/office/powerpoint/2015/main" val="1"/>
-                    </p:ext>
-                  </p:extLst>
-                </p:nvPr>
-              </p:nvCxnSpPr>
-              <p:spPr>
-                <a:xfrm flipV="1">
-                  <a:off x="4742369" y="2470620"/>
-                  <a:ext cx="0" cy="1080000"/>
-                </a:xfrm>
-                <a:prstGeom prst="line">
-                  <a:avLst/>
-                </a:prstGeom>
-                <a:ln w="12700">
-                  <a:solidFill>
-                    <a:srgbClr val="FFFFFF"/>
-                  </a:solidFill>
-                </a:ln>
-              </p:spPr>
-              <p:style>
-                <a:lnRef idx="1">
-                  <a:schemeClr val="accent1"/>
-                </a:lnRef>
-                <a:fillRef idx="0">
-                  <a:schemeClr val="accent1"/>
-                </a:fillRef>
-                <a:effectRef idx="0">
-                  <a:schemeClr val="accent1"/>
-                </a:effectRef>
-                <a:fontRef idx="minor">
-                  <a:schemeClr val="tx1"/>
-                </a:fontRef>
-              </p:style>
-            </p:cxnSp>
-          </p:grpSp>
-        </p:grpSp>
-      </p:grpSp>
-      <p:sp>
-        <p:nvSpPr>
-          <p:cNvPr id="5" name="TextBox 4">
-            <a:extLst>
-              <a:ext uri="{FF2B5EF4-FFF2-40B4-BE49-F238E27FC236}">
-                <a16:creationId xmlns:a16="http://schemas.microsoft.com/office/drawing/2014/main" id="{C3201FF7-59C9-C74D-9897-3550C06A76CE}"/>
-              </a:ext>
-            </a:extLst>
-          </p:cNvPr>
-          <p:cNvSpPr txBox="1"/>
+          <p:cNvPicPr>
+            <a:picLocks noChangeAspect="1"/>
+          </p:cNvPicPr>
           <p:nvPr/>
-        </p:nvSpPr>
+        </p:nvPicPr>
+        <p:blipFill>
+          <a:blip r:embed="rId2"/>
+          <a:stretch>
+            <a:fillRect/>
+          </a:stretch>
+        </p:blipFill>
         <p:spPr>
           <a:xfrm>
-            <a:off x="6343650" y="3486150"/>
-            <a:ext cx="184731" cy="369332"/>
+            <a:off x="290285" y="2044116"/>
+            <a:ext cx="3436948" cy="4603427"/>
           </a:xfrm>
           <a:prstGeom prst="rect">
             <a:avLst/>
           </a:prstGeom>
-          <a:noFill/>
         </p:spPr>
-        <p:txBody>
-          <a:bodyPr wrap="none" rtlCol="0">
-            <a:spAutoFit/>
-          </a:bodyPr>
-          <a:lstStyle/>
-          <a:p>
-            <a:endParaRPr lang="en-US" dirty="0"/>
-          </a:p>
-        </p:txBody>
-      </p:sp>
+      </p:pic>
     </p:spTree>
     <p:extLst>
       <p:ext uri="{BB962C8B-B14F-4D97-AF65-F5344CB8AC3E}">
-        <p14:creationId xmlns:p14="http://schemas.microsoft.com/office/powerpoint/2010/main" val="1254680320"/>
+        <p14:creationId xmlns:p14="http://schemas.microsoft.com/office/powerpoint/2010/main" val="3059253182"/>
       </p:ext>
     </p:extLst>
   </p:cSld>
   <p:clrMapOvr>
     <a:masterClrMapping/>
   </p:clrMapOvr>
-  <p:timing>
-    <p:tnLst>
-      <p:par>
-        <p:cTn id="1" dur="indefinite" restart="never" nodeType="tmRoot">
-          <p:childTnLst>
-            <p:seq concurrent="1" nextAc="seek">
-              <p:cTn id="2" dur="indefinite" nodeType="mainSeq">
-                <p:childTnLst>
-                  <p:par>
-                    <p:cTn id="3" fill="hold">
-                      <p:stCondLst>
-                        <p:cond delay="indefinite"/>
-                        <p:cond evt="onBegin" delay="0">
-                          <p:tn val="2"/>
-                        </p:cond>
-                      </p:stCondLst>
-                      <p:childTnLst>
-                        <p:par>
-                          <p:cTn id="4" fill="hold">
-                            <p:stCondLst>
-                              <p:cond delay="0"/>
-                            </p:stCondLst>
-                            <p:childTnLst>
-                              <p:par>
-                                <p:cTn id="5" presetID="10" presetClass="entr" presetSubtype="0" fill="hold" grpId="0" nodeType="withEffect">
-                                  <p:stCondLst>
-                                    <p:cond delay="1500"/>
-                                  </p:stCondLst>
-                                  <p:iterate>
-                                    <p:tmPct val="10000"/>
-                                  </p:iterate>
-                                  <p:childTnLst>
-                                    <p:set>
-                                      <p:cBhvr>
-                                        <p:cTn id="6" dur="1" fill="hold">
-                                          <p:stCondLst>
-                                            <p:cond delay="0"/>
-                                          </p:stCondLst>
-                                        </p:cTn>
-                                        <p:tgtEl>
-                                          <p:spTgt spid="3">
-                                            <p:txEl>
-                                              <p:pRg st="0" end="0"/>
-                                            </p:txEl>
-                                          </p:spTgt>
-                                        </p:tgtEl>
-                                        <p:attrNameLst>
-                                          <p:attrName>style.visibility</p:attrName>
-                                        </p:attrNameLst>
-                                      </p:cBhvr>
-                                      <p:to>
-                                        <p:strVal val="visible"/>
-                                      </p:to>
-                                    </p:set>
-                                    <p:animEffect transition="in" filter="fade">
-                                      <p:cBhvr>
-                                        <p:cTn id="7" dur="700"/>
-                                        <p:tgtEl>
-                                          <p:spTgt spid="3">
-                                            <p:txEl>
-                                              <p:pRg st="0" end="0"/>
-                                            </p:txEl>
-                                          </p:spTgt>
-                                        </p:tgtEl>
-                                      </p:cBhvr>
-                                    </p:animEffect>
-                                  </p:childTnLst>
-                                </p:cTn>
-                              </p:par>
-                              <p:par>
-                                <p:cTn id="8" presetID="10" presetClass="entr" presetSubtype="0" fill="hold" grpId="0" nodeType="withEffect">
-                                  <p:stCondLst>
-                                    <p:cond delay="1000"/>
-                                  </p:stCondLst>
-                                  <p:iterate>
-                                    <p:tmPct val="10000"/>
-                                  </p:iterate>
-                                  <p:childTnLst>
-                                    <p:set>
-                                      <p:cBhvr>
-                                        <p:cTn id="9" dur="1" fill="hold">
-                                          <p:stCondLst>
-                                            <p:cond delay="0"/>
-                                          </p:stCondLst>
-                                        </p:cTn>
-                                        <p:tgtEl>
-                                          <p:spTgt spid="2"/>
-                                        </p:tgtEl>
-                                        <p:attrNameLst>
-                                          <p:attrName>style.visibility</p:attrName>
-                                        </p:attrNameLst>
-                                      </p:cBhvr>
-                                      <p:to>
-                                        <p:strVal val="visible"/>
-                                      </p:to>
-                                    </p:set>
-                                    <p:animEffect transition="in" filter="fade">
-                                      <p:cBhvr>
-                                        <p:cTn id="10" dur="700"/>
-                                        <p:tgtEl>
-                                          <p:spTgt spid="2"/>
-                                        </p:tgtEl>
-                                      </p:cBhvr>
-                                    </p:animEffect>
-                                  </p:childTnLst>
-                                </p:cTn>
-                              </p:par>
-                            </p:childTnLst>
-                          </p:cTn>
-                        </p:par>
-                      </p:childTnLst>
-                    </p:cTn>
-                  </p:par>
-                  <p:par>
-                    <p:cTn id="11" fill="hold">
-                      <p:stCondLst>
-                        <p:cond delay="indefinite"/>
-                      </p:stCondLst>
-                      <p:childTnLst>
-                        <p:par>
-                          <p:cTn id="12" fill="hold">
-                            <p:stCondLst>
-                              <p:cond delay="0"/>
-                            </p:stCondLst>
-                            <p:childTnLst>
-                              <p:par>
-                                <p:cTn id="13" presetID="10" presetClass="entr" presetSubtype="0" fill="hold" grpId="0" nodeType="clickEffect">
-                                  <p:stCondLst>
-                                    <p:cond delay="1500"/>
-                                  </p:stCondLst>
-                                  <p:iterate>
-                                    <p:tmPct val="10000"/>
-                                  </p:iterate>
-                                  <p:childTnLst>
-                                    <p:set>
-                                      <p:cBhvr>
-                                        <p:cTn id="14" dur="1" fill="hold">
-                                          <p:stCondLst>
-                                            <p:cond delay="0"/>
-                                          </p:stCondLst>
-                                        </p:cTn>
-                                        <p:tgtEl>
-                                          <p:spTgt spid="3">
-                                            <p:txEl>
-                                              <p:pRg st="1" end="1"/>
-                                            </p:txEl>
-                                          </p:spTgt>
-                                        </p:tgtEl>
-                                        <p:attrNameLst>
-                                          <p:attrName>style.visibility</p:attrName>
-                                        </p:attrNameLst>
-                                      </p:cBhvr>
-                                      <p:to>
-                                        <p:strVal val="visible"/>
-                                      </p:to>
-                                    </p:set>
-                                    <p:animEffect transition="in" filter="fade">
-                                      <p:cBhvr>
-                                        <p:cTn id="15" dur="700"/>
-                                        <p:tgtEl>
-                                          <p:spTgt spid="3">
-                                            <p:txEl>
-                                              <p:pRg st="1" end="1"/>
-                                            </p:txEl>
-                                          </p:spTgt>
-                                        </p:tgtEl>
-                                      </p:cBhvr>
-                                    </p:animEffect>
-                                  </p:childTnLst>
-                                </p:cTn>
-                              </p:par>
-                            </p:childTnLst>
-                          </p:cTn>
-                        </p:par>
-                      </p:childTnLst>
-                    </p:cTn>
-                  </p:par>
-                </p:childTnLst>
-              </p:cTn>
-              <p:prevCondLst>
-                <p:cond evt="onPrev" delay="0">
-                  <p:tgtEl>
-                    <p:sldTgt/>
-                  </p:tgtEl>
-                </p:cond>
-              </p:prevCondLst>
-              <p:nextCondLst>
-                <p:cond evt="onNext" delay="0">
-                  <p:tgtEl>
-                    <p:sldTgt/>
-                  </p:tgtEl>
-                </p:cond>
-              </p:nextCondLst>
-            </p:seq>
-          </p:childTnLst>
-        </p:cTn>
-      </p:par>
-    </p:tnLst>
-    <p:bldLst>
-      <p:bldP spid="2" grpId="0"/>
-      <p:bldP spid="3" grpId="0" uiExpand="1" build="p"/>
-    </p:bldLst>
-  </p:timing>
 </p:sld>
 </file>
 
@@ -7615,7 +5965,7 @@
           <p:cNvPr id="2" name="Title 1">
             <a:extLst>
               <a:ext uri="{FF2B5EF4-FFF2-40B4-BE49-F238E27FC236}">
-                <a16:creationId xmlns:a16="http://schemas.microsoft.com/office/drawing/2014/main" id="{0A1DFFD0-BEC9-1349-89FC-4CB023F53023}"/>
+                <a16:creationId xmlns:a16="http://schemas.microsoft.com/office/drawing/2014/main" id="{6FDF7683-795C-3842-8B4D-27399AD4D3D6}"/>
               </a:ext>
             </a:extLst>
           </p:cNvPr>
@@ -7631,37 +5981,6 @@
           <a:bodyPr/>
           <a:lstStyle/>
           <a:p>
-            <a:endParaRPr lang="en-US" dirty="0">
-              <a:solidFill>
-                <a:schemeClr val="bg1"/>
-              </a:solidFill>
-              <a:latin typeface="Times New Roman" panose="02020603050405020304" pitchFamily="18" charset="0"/>
-              <a:cs typeface="Times New Roman" panose="02020603050405020304" pitchFamily="18" charset="0"/>
-            </a:endParaRPr>
-          </a:p>
-        </p:txBody>
-      </p:sp>
-      <p:sp>
-        <p:nvSpPr>
-          <p:cNvPr id="3" name="Content Placeholder 2">
-            <a:extLst>
-              <a:ext uri="{FF2B5EF4-FFF2-40B4-BE49-F238E27FC236}">
-                <a16:creationId xmlns:a16="http://schemas.microsoft.com/office/drawing/2014/main" id="{0A9256C8-1AC8-C94B-9455-496434735E33}"/>
-              </a:ext>
-            </a:extLst>
-          </p:cNvPr>
-          <p:cNvSpPr>
-            <a:spLocks noGrp="1"/>
-          </p:cNvSpPr>
-          <p:nvPr>
-            <p:ph idx="1"/>
-          </p:nvPr>
-        </p:nvSpPr>
-        <p:spPr/>
-        <p:txBody>
-          <a:bodyPr/>
-          <a:lstStyle/>
-          <a:p>
             <a:r>
               <a:rPr lang="en-US" dirty="0">
                 <a:solidFill>
@@ -7670,15 +5989,3001 @@
                 <a:latin typeface="Times New Roman" panose="02020603050405020304" pitchFamily="18" charset="0"/>
                 <a:cs typeface="Times New Roman" panose="02020603050405020304" pitchFamily="18" charset="0"/>
               </a:rPr>
-              <a:t>n</a:t>
+              <a:t>Schematic</a:t>
             </a:r>
           </a:p>
         </p:txBody>
       </p:sp>
+      <p:grpSp>
+        <p:nvGrpSpPr>
+          <p:cNvPr id="21" name="Group 20">
+            <a:extLst>
+              <a:ext uri="{FF2B5EF4-FFF2-40B4-BE49-F238E27FC236}">
+                <a16:creationId xmlns:a16="http://schemas.microsoft.com/office/drawing/2014/main" id="{7831AB6A-917F-C64E-ACC9-393E9CEDB6F0}"/>
+              </a:ext>
+            </a:extLst>
+          </p:cNvPr>
+          <p:cNvGrpSpPr/>
+          <p:nvPr/>
+        </p:nvGrpSpPr>
+        <p:grpSpPr>
+          <a:xfrm>
+            <a:off x="1079500" y="2324107"/>
+            <a:ext cx="4014651" cy="1506346"/>
+            <a:chOff x="1197429" y="1845135"/>
+            <a:chExt cx="4014651" cy="1506346"/>
+          </a:xfrm>
+        </p:grpSpPr>
+        <p:cxnSp>
+          <p:nvCxnSpPr>
+            <p:cNvPr id="8" name="Straight Connector 7">
+              <a:extLst>
+                <a:ext uri="{FF2B5EF4-FFF2-40B4-BE49-F238E27FC236}">
+                  <a16:creationId xmlns:a16="http://schemas.microsoft.com/office/drawing/2014/main" id="{C7D7C177-9D45-AE46-A1D6-D706C91E8761}"/>
+                </a:ext>
+              </a:extLst>
+            </p:cNvPr>
+            <p:cNvCxnSpPr>
+              <a:cxnSpLocks/>
+            </p:cNvCxnSpPr>
+            <p:nvPr/>
+          </p:nvCxnSpPr>
+          <p:spPr>
+            <a:xfrm>
+              <a:off x="1197429" y="1861457"/>
+              <a:ext cx="947057" cy="0"/>
+            </a:xfrm>
+            <a:prstGeom prst="line">
+              <a:avLst/>
+            </a:prstGeom>
+            <a:ln w="76200">
+              <a:solidFill>
+                <a:srgbClr val="7030A0"/>
+              </a:solidFill>
+            </a:ln>
+          </p:spPr>
+          <p:style>
+            <a:lnRef idx="1">
+              <a:schemeClr val="accent1"/>
+            </a:lnRef>
+            <a:fillRef idx="0">
+              <a:schemeClr val="accent1"/>
+            </a:fillRef>
+            <a:effectRef idx="0">
+              <a:schemeClr val="accent1"/>
+            </a:effectRef>
+            <a:fontRef idx="minor">
+              <a:schemeClr val="tx1"/>
+            </a:fontRef>
+          </p:style>
+        </p:cxnSp>
+        <p:sp>
+          <p:nvSpPr>
+            <p:cNvPr id="11" name="Freeform 10">
+              <a:extLst>
+                <a:ext uri="{FF2B5EF4-FFF2-40B4-BE49-F238E27FC236}">
+                  <a16:creationId xmlns:a16="http://schemas.microsoft.com/office/drawing/2014/main" id="{1268BBEE-6089-B74A-AE2B-CF924A98B184}"/>
+                </a:ext>
+              </a:extLst>
+            </p:cNvPr>
+            <p:cNvSpPr/>
+            <p:nvPr/>
+          </p:nvSpPr>
+          <p:spPr>
+            <a:xfrm>
+              <a:off x="2111828" y="1845135"/>
+              <a:ext cx="653143" cy="664043"/>
+            </a:xfrm>
+            <a:custGeom>
+              <a:avLst/>
+              <a:gdLst>
+                <a:gd name="connsiteX0" fmla="*/ 0 w 653143"/>
+                <a:gd name="connsiteY0" fmla="*/ 0 h 664043"/>
+                <a:gd name="connsiteX1" fmla="*/ 315686 w 653143"/>
+                <a:gd name="connsiteY1" fmla="*/ 664028 h 664043"/>
+                <a:gd name="connsiteX2" fmla="*/ 653143 w 653143"/>
+                <a:gd name="connsiteY2" fmla="*/ 21771 h 664043"/>
+                <a:gd name="connsiteX3" fmla="*/ 653143 w 653143"/>
+                <a:gd name="connsiteY3" fmla="*/ 21771 h 664043"/>
+              </a:gdLst>
+              <a:ahLst/>
+              <a:cxnLst>
+                <a:cxn ang="0">
+                  <a:pos x="connsiteX0" y="connsiteY0"/>
+                </a:cxn>
+                <a:cxn ang="0">
+                  <a:pos x="connsiteX1" y="connsiteY1"/>
+                </a:cxn>
+                <a:cxn ang="0">
+                  <a:pos x="connsiteX2" y="connsiteY2"/>
+                </a:cxn>
+                <a:cxn ang="0">
+                  <a:pos x="connsiteX3" y="connsiteY3"/>
+                </a:cxn>
+              </a:cxnLst>
+              <a:rect l="l" t="t" r="r" b="b"/>
+              <a:pathLst>
+                <a:path w="653143" h="664043">
+                  <a:moveTo>
+                    <a:pt x="0" y="0"/>
+                  </a:moveTo>
+                  <a:cubicBezTo>
+                    <a:pt x="103414" y="330200"/>
+                    <a:pt x="206829" y="660400"/>
+                    <a:pt x="315686" y="664028"/>
+                  </a:cubicBezTo>
+                  <a:cubicBezTo>
+                    <a:pt x="424543" y="667656"/>
+                    <a:pt x="653143" y="21771"/>
+                    <a:pt x="653143" y="21771"/>
+                  </a:cubicBezTo>
+                  <a:lnTo>
+                    <a:pt x="653143" y="21771"/>
+                  </a:lnTo>
+                </a:path>
+              </a:pathLst>
+            </a:custGeom>
+            <a:noFill/>
+            <a:ln w="76200">
+              <a:solidFill>
+                <a:srgbClr val="7030A0"/>
+              </a:solidFill>
+            </a:ln>
+          </p:spPr>
+          <p:style>
+            <a:lnRef idx="2">
+              <a:schemeClr val="accent1">
+                <a:shade val="50000"/>
+              </a:schemeClr>
+            </a:lnRef>
+            <a:fillRef idx="1">
+              <a:schemeClr val="accent1"/>
+            </a:fillRef>
+            <a:effectRef idx="0">
+              <a:schemeClr val="accent1"/>
+            </a:effectRef>
+            <a:fontRef idx="minor">
+              <a:schemeClr val="lt1"/>
+            </a:fontRef>
+          </p:style>
+          <p:txBody>
+            <a:bodyPr rtlCol="0" anchor="ctr"/>
+            <a:lstStyle/>
+            <a:p>
+              <a:pPr algn="ctr"/>
+              <a:endParaRPr lang="en-US"/>
+            </a:p>
+          </p:txBody>
+        </p:sp>
+        <p:cxnSp>
+          <p:nvCxnSpPr>
+            <p:cNvPr id="12" name="Straight Connector 11">
+              <a:extLst>
+                <a:ext uri="{FF2B5EF4-FFF2-40B4-BE49-F238E27FC236}">
+                  <a16:creationId xmlns:a16="http://schemas.microsoft.com/office/drawing/2014/main" id="{B6D0C1DF-3C5F-F044-BF63-DFB36D30B6D5}"/>
+                </a:ext>
+              </a:extLst>
+            </p:cNvPr>
+            <p:cNvCxnSpPr>
+              <a:cxnSpLocks/>
+            </p:cNvCxnSpPr>
+            <p:nvPr/>
+          </p:nvCxnSpPr>
+          <p:spPr>
+            <a:xfrm>
+              <a:off x="2730138" y="1865376"/>
+              <a:ext cx="947057" cy="0"/>
+            </a:xfrm>
+            <a:prstGeom prst="line">
+              <a:avLst/>
+            </a:prstGeom>
+            <a:ln w="76200">
+              <a:solidFill>
+                <a:srgbClr val="7030A0"/>
+              </a:solidFill>
+            </a:ln>
+          </p:spPr>
+          <p:style>
+            <a:lnRef idx="1">
+              <a:schemeClr val="accent1"/>
+            </a:lnRef>
+            <a:fillRef idx="0">
+              <a:schemeClr val="accent1"/>
+            </a:fillRef>
+            <a:effectRef idx="0">
+              <a:schemeClr val="accent1"/>
+            </a:effectRef>
+            <a:fontRef idx="minor">
+              <a:schemeClr val="tx1"/>
+            </a:fontRef>
+          </p:style>
+        </p:cxnSp>
+        <p:cxnSp>
+          <p:nvCxnSpPr>
+            <p:cNvPr id="13" name="Straight Connector 12">
+              <a:extLst>
+                <a:ext uri="{FF2B5EF4-FFF2-40B4-BE49-F238E27FC236}">
+                  <a16:creationId xmlns:a16="http://schemas.microsoft.com/office/drawing/2014/main" id="{C8500EBC-F6C4-E843-8FD7-87485F118C7B}"/>
+                </a:ext>
+              </a:extLst>
+            </p:cNvPr>
+            <p:cNvCxnSpPr>
+              <a:cxnSpLocks/>
+            </p:cNvCxnSpPr>
+            <p:nvPr/>
+          </p:nvCxnSpPr>
+          <p:spPr>
+            <a:xfrm flipV="1">
+              <a:off x="1197864" y="3335159"/>
+              <a:ext cx="947057" cy="0"/>
+            </a:xfrm>
+            <a:prstGeom prst="line">
+              <a:avLst/>
+            </a:prstGeom>
+            <a:ln w="76200">
+              <a:solidFill>
+                <a:srgbClr val="7030A0"/>
+              </a:solidFill>
+            </a:ln>
+          </p:spPr>
+          <p:style>
+            <a:lnRef idx="1">
+              <a:schemeClr val="accent1"/>
+            </a:lnRef>
+            <a:fillRef idx="0">
+              <a:schemeClr val="accent1"/>
+            </a:fillRef>
+            <a:effectRef idx="0">
+              <a:schemeClr val="accent1"/>
+            </a:effectRef>
+            <a:fontRef idx="minor">
+              <a:schemeClr val="tx1"/>
+            </a:fontRef>
+          </p:style>
+        </p:cxnSp>
+        <p:sp>
+          <p:nvSpPr>
+            <p:cNvPr id="14" name="Freeform 13">
+              <a:extLst>
+                <a:ext uri="{FF2B5EF4-FFF2-40B4-BE49-F238E27FC236}">
+                  <a16:creationId xmlns:a16="http://schemas.microsoft.com/office/drawing/2014/main" id="{460154C9-794D-374A-AFDC-3B6E4921A5D9}"/>
+                </a:ext>
+              </a:extLst>
+            </p:cNvPr>
+            <p:cNvSpPr/>
+            <p:nvPr/>
+          </p:nvSpPr>
+          <p:spPr>
+            <a:xfrm flipV="1">
+              <a:off x="2112264" y="2687438"/>
+              <a:ext cx="653143" cy="664043"/>
+            </a:xfrm>
+            <a:custGeom>
+              <a:avLst/>
+              <a:gdLst>
+                <a:gd name="connsiteX0" fmla="*/ 0 w 653143"/>
+                <a:gd name="connsiteY0" fmla="*/ 0 h 664043"/>
+                <a:gd name="connsiteX1" fmla="*/ 315686 w 653143"/>
+                <a:gd name="connsiteY1" fmla="*/ 664028 h 664043"/>
+                <a:gd name="connsiteX2" fmla="*/ 653143 w 653143"/>
+                <a:gd name="connsiteY2" fmla="*/ 21771 h 664043"/>
+                <a:gd name="connsiteX3" fmla="*/ 653143 w 653143"/>
+                <a:gd name="connsiteY3" fmla="*/ 21771 h 664043"/>
+              </a:gdLst>
+              <a:ahLst/>
+              <a:cxnLst>
+                <a:cxn ang="0">
+                  <a:pos x="connsiteX0" y="connsiteY0"/>
+                </a:cxn>
+                <a:cxn ang="0">
+                  <a:pos x="connsiteX1" y="connsiteY1"/>
+                </a:cxn>
+                <a:cxn ang="0">
+                  <a:pos x="connsiteX2" y="connsiteY2"/>
+                </a:cxn>
+                <a:cxn ang="0">
+                  <a:pos x="connsiteX3" y="connsiteY3"/>
+                </a:cxn>
+              </a:cxnLst>
+              <a:rect l="l" t="t" r="r" b="b"/>
+              <a:pathLst>
+                <a:path w="653143" h="664043">
+                  <a:moveTo>
+                    <a:pt x="0" y="0"/>
+                  </a:moveTo>
+                  <a:cubicBezTo>
+                    <a:pt x="103414" y="330200"/>
+                    <a:pt x="206829" y="660400"/>
+                    <a:pt x="315686" y="664028"/>
+                  </a:cubicBezTo>
+                  <a:cubicBezTo>
+                    <a:pt x="424543" y="667656"/>
+                    <a:pt x="653143" y="21771"/>
+                    <a:pt x="653143" y="21771"/>
+                  </a:cubicBezTo>
+                  <a:lnTo>
+                    <a:pt x="653143" y="21771"/>
+                  </a:lnTo>
+                </a:path>
+              </a:pathLst>
+            </a:custGeom>
+            <a:noFill/>
+            <a:ln w="76200">
+              <a:solidFill>
+                <a:srgbClr val="7030A0"/>
+              </a:solidFill>
+            </a:ln>
+          </p:spPr>
+          <p:style>
+            <a:lnRef idx="2">
+              <a:schemeClr val="accent1">
+                <a:shade val="50000"/>
+              </a:schemeClr>
+            </a:lnRef>
+            <a:fillRef idx="1">
+              <a:schemeClr val="accent1"/>
+            </a:fillRef>
+            <a:effectRef idx="0">
+              <a:schemeClr val="accent1"/>
+            </a:effectRef>
+            <a:fontRef idx="minor">
+              <a:schemeClr val="lt1"/>
+            </a:fontRef>
+          </p:style>
+          <p:txBody>
+            <a:bodyPr rtlCol="0" anchor="ctr"/>
+            <a:lstStyle/>
+            <a:p>
+              <a:pPr algn="ctr"/>
+              <a:endParaRPr lang="en-US" dirty="0"/>
+            </a:p>
+          </p:txBody>
+        </p:sp>
+        <p:cxnSp>
+          <p:nvCxnSpPr>
+            <p:cNvPr id="15" name="Straight Connector 14">
+              <a:extLst>
+                <a:ext uri="{FF2B5EF4-FFF2-40B4-BE49-F238E27FC236}">
+                  <a16:creationId xmlns:a16="http://schemas.microsoft.com/office/drawing/2014/main" id="{59DE1D13-179E-174E-840C-4AB2C84F66BB}"/>
+                </a:ext>
+              </a:extLst>
+            </p:cNvPr>
+            <p:cNvCxnSpPr>
+              <a:cxnSpLocks/>
+            </p:cNvCxnSpPr>
+            <p:nvPr/>
+          </p:nvCxnSpPr>
+          <p:spPr>
+            <a:xfrm flipV="1">
+              <a:off x="2734056" y="3331240"/>
+              <a:ext cx="947057" cy="0"/>
+            </a:xfrm>
+            <a:prstGeom prst="line">
+              <a:avLst/>
+            </a:prstGeom>
+            <a:ln w="76200">
+              <a:solidFill>
+                <a:srgbClr val="7030A0"/>
+              </a:solidFill>
+            </a:ln>
+          </p:spPr>
+          <p:style>
+            <a:lnRef idx="1">
+              <a:schemeClr val="accent1"/>
+            </a:lnRef>
+            <a:fillRef idx="0">
+              <a:schemeClr val="accent1"/>
+            </a:fillRef>
+            <a:effectRef idx="0">
+              <a:schemeClr val="accent1"/>
+            </a:effectRef>
+            <a:fontRef idx="minor">
+              <a:schemeClr val="tx1"/>
+            </a:fontRef>
+          </p:style>
+        </p:cxnSp>
+        <p:sp>
+          <p:nvSpPr>
+            <p:cNvPr id="17" name="Freeform 16">
+              <a:extLst>
+                <a:ext uri="{FF2B5EF4-FFF2-40B4-BE49-F238E27FC236}">
+                  <a16:creationId xmlns:a16="http://schemas.microsoft.com/office/drawing/2014/main" id="{9798BA84-404B-7343-B960-704A2A35B4B0}"/>
+                </a:ext>
+              </a:extLst>
+            </p:cNvPr>
+            <p:cNvSpPr/>
+            <p:nvPr/>
+          </p:nvSpPr>
+          <p:spPr>
+            <a:xfrm flipV="1">
+              <a:off x="3648456" y="2687438"/>
+              <a:ext cx="653143" cy="664043"/>
+            </a:xfrm>
+            <a:custGeom>
+              <a:avLst/>
+              <a:gdLst>
+                <a:gd name="connsiteX0" fmla="*/ 0 w 653143"/>
+                <a:gd name="connsiteY0" fmla="*/ 0 h 664043"/>
+                <a:gd name="connsiteX1" fmla="*/ 315686 w 653143"/>
+                <a:gd name="connsiteY1" fmla="*/ 664028 h 664043"/>
+                <a:gd name="connsiteX2" fmla="*/ 653143 w 653143"/>
+                <a:gd name="connsiteY2" fmla="*/ 21771 h 664043"/>
+                <a:gd name="connsiteX3" fmla="*/ 653143 w 653143"/>
+                <a:gd name="connsiteY3" fmla="*/ 21771 h 664043"/>
+              </a:gdLst>
+              <a:ahLst/>
+              <a:cxnLst>
+                <a:cxn ang="0">
+                  <a:pos x="connsiteX0" y="connsiteY0"/>
+                </a:cxn>
+                <a:cxn ang="0">
+                  <a:pos x="connsiteX1" y="connsiteY1"/>
+                </a:cxn>
+                <a:cxn ang="0">
+                  <a:pos x="connsiteX2" y="connsiteY2"/>
+                </a:cxn>
+                <a:cxn ang="0">
+                  <a:pos x="connsiteX3" y="connsiteY3"/>
+                </a:cxn>
+              </a:cxnLst>
+              <a:rect l="l" t="t" r="r" b="b"/>
+              <a:pathLst>
+                <a:path w="653143" h="664043">
+                  <a:moveTo>
+                    <a:pt x="0" y="0"/>
+                  </a:moveTo>
+                  <a:cubicBezTo>
+                    <a:pt x="103414" y="330200"/>
+                    <a:pt x="206829" y="660400"/>
+                    <a:pt x="315686" y="664028"/>
+                  </a:cubicBezTo>
+                  <a:cubicBezTo>
+                    <a:pt x="424543" y="667656"/>
+                    <a:pt x="653143" y="21771"/>
+                    <a:pt x="653143" y="21771"/>
+                  </a:cubicBezTo>
+                  <a:lnTo>
+                    <a:pt x="653143" y="21771"/>
+                  </a:lnTo>
+                </a:path>
+              </a:pathLst>
+            </a:custGeom>
+            <a:noFill/>
+            <a:ln w="76200">
+              <a:solidFill>
+                <a:srgbClr val="7030A0"/>
+              </a:solidFill>
+            </a:ln>
+          </p:spPr>
+          <p:style>
+            <a:lnRef idx="2">
+              <a:schemeClr val="accent1">
+                <a:shade val="50000"/>
+              </a:schemeClr>
+            </a:lnRef>
+            <a:fillRef idx="1">
+              <a:schemeClr val="accent1"/>
+            </a:fillRef>
+            <a:effectRef idx="0">
+              <a:schemeClr val="accent1"/>
+            </a:effectRef>
+            <a:fontRef idx="minor">
+              <a:schemeClr val="lt1"/>
+            </a:fontRef>
+          </p:style>
+          <p:txBody>
+            <a:bodyPr rtlCol="0" anchor="ctr"/>
+            <a:lstStyle/>
+            <a:p>
+              <a:pPr algn="ctr"/>
+              <a:endParaRPr lang="en-US"/>
+            </a:p>
+          </p:txBody>
+        </p:sp>
+        <p:sp>
+          <p:nvSpPr>
+            <p:cNvPr id="18" name="Freeform 17">
+              <a:extLst>
+                <a:ext uri="{FF2B5EF4-FFF2-40B4-BE49-F238E27FC236}">
+                  <a16:creationId xmlns:a16="http://schemas.microsoft.com/office/drawing/2014/main" id="{0A85271A-7BBE-AE4C-B7BC-BD0720099C5D}"/>
+                </a:ext>
+              </a:extLst>
+            </p:cNvPr>
+            <p:cNvSpPr/>
+            <p:nvPr/>
+          </p:nvSpPr>
+          <p:spPr>
+            <a:xfrm>
+              <a:off x="3644538" y="1845135"/>
+              <a:ext cx="653143" cy="664043"/>
+            </a:xfrm>
+            <a:custGeom>
+              <a:avLst/>
+              <a:gdLst>
+                <a:gd name="connsiteX0" fmla="*/ 0 w 653143"/>
+                <a:gd name="connsiteY0" fmla="*/ 0 h 664043"/>
+                <a:gd name="connsiteX1" fmla="*/ 315686 w 653143"/>
+                <a:gd name="connsiteY1" fmla="*/ 664028 h 664043"/>
+                <a:gd name="connsiteX2" fmla="*/ 653143 w 653143"/>
+                <a:gd name="connsiteY2" fmla="*/ 21771 h 664043"/>
+                <a:gd name="connsiteX3" fmla="*/ 653143 w 653143"/>
+                <a:gd name="connsiteY3" fmla="*/ 21771 h 664043"/>
+              </a:gdLst>
+              <a:ahLst/>
+              <a:cxnLst>
+                <a:cxn ang="0">
+                  <a:pos x="connsiteX0" y="connsiteY0"/>
+                </a:cxn>
+                <a:cxn ang="0">
+                  <a:pos x="connsiteX1" y="connsiteY1"/>
+                </a:cxn>
+                <a:cxn ang="0">
+                  <a:pos x="connsiteX2" y="connsiteY2"/>
+                </a:cxn>
+                <a:cxn ang="0">
+                  <a:pos x="connsiteX3" y="connsiteY3"/>
+                </a:cxn>
+              </a:cxnLst>
+              <a:rect l="l" t="t" r="r" b="b"/>
+              <a:pathLst>
+                <a:path w="653143" h="664043">
+                  <a:moveTo>
+                    <a:pt x="0" y="0"/>
+                  </a:moveTo>
+                  <a:cubicBezTo>
+                    <a:pt x="103414" y="330200"/>
+                    <a:pt x="206829" y="660400"/>
+                    <a:pt x="315686" y="664028"/>
+                  </a:cubicBezTo>
+                  <a:cubicBezTo>
+                    <a:pt x="424543" y="667656"/>
+                    <a:pt x="653143" y="21771"/>
+                    <a:pt x="653143" y="21771"/>
+                  </a:cubicBezTo>
+                  <a:lnTo>
+                    <a:pt x="653143" y="21771"/>
+                  </a:lnTo>
+                </a:path>
+              </a:pathLst>
+            </a:custGeom>
+            <a:noFill/>
+            <a:ln w="76200">
+              <a:solidFill>
+                <a:srgbClr val="7030A0"/>
+              </a:solidFill>
+            </a:ln>
+          </p:spPr>
+          <p:style>
+            <a:lnRef idx="2">
+              <a:schemeClr val="accent1">
+                <a:shade val="50000"/>
+              </a:schemeClr>
+            </a:lnRef>
+            <a:fillRef idx="1">
+              <a:schemeClr val="accent1"/>
+            </a:fillRef>
+            <a:effectRef idx="0">
+              <a:schemeClr val="accent1"/>
+            </a:effectRef>
+            <a:fontRef idx="minor">
+              <a:schemeClr val="lt1"/>
+            </a:fontRef>
+          </p:style>
+          <p:txBody>
+            <a:bodyPr rtlCol="0" anchor="ctr"/>
+            <a:lstStyle/>
+            <a:p>
+              <a:pPr algn="ctr"/>
+              <a:endParaRPr lang="en-US"/>
+            </a:p>
+          </p:txBody>
+        </p:sp>
+        <p:cxnSp>
+          <p:nvCxnSpPr>
+            <p:cNvPr id="19" name="Straight Connector 18">
+              <a:extLst>
+                <a:ext uri="{FF2B5EF4-FFF2-40B4-BE49-F238E27FC236}">
+                  <a16:creationId xmlns:a16="http://schemas.microsoft.com/office/drawing/2014/main" id="{DA7E9D94-7684-1E48-BFE8-019006B85B09}"/>
+                </a:ext>
+              </a:extLst>
+            </p:cNvPr>
+            <p:cNvCxnSpPr>
+              <a:cxnSpLocks/>
+            </p:cNvCxnSpPr>
+            <p:nvPr/>
+          </p:nvCxnSpPr>
+          <p:spPr>
+            <a:xfrm>
+              <a:off x="4265023" y="1861457"/>
+              <a:ext cx="947057" cy="0"/>
+            </a:xfrm>
+            <a:prstGeom prst="line">
+              <a:avLst/>
+            </a:prstGeom>
+            <a:ln w="76200">
+              <a:solidFill>
+                <a:srgbClr val="7030A0"/>
+              </a:solidFill>
+            </a:ln>
+          </p:spPr>
+          <p:style>
+            <a:lnRef idx="1">
+              <a:schemeClr val="accent1"/>
+            </a:lnRef>
+            <a:fillRef idx="0">
+              <a:schemeClr val="accent1"/>
+            </a:fillRef>
+            <a:effectRef idx="0">
+              <a:schemeClr val="accent1"/>
+            </a:effectRef>
+            <a:fontRef idx="minor">
+              <a:schemeClr val="tx1"/>
+            </a:fontRef>
+          </p:style>
+        </p:cxnSp>
+        <p:cxnSp>
+          <p:nvCxnSpPr>
+            <p:cNvPr id="20" name="Straight Connector 19">
+              <a:extLst>
+                <a:ext uri="{FF2B5EF4-FFF2-40B4-BE49-F238E27FC236}">
+                  <a16:creationId xmlns:a16="http://schemas.microsoft.com/office/drawing/2014/main" id="{196998A7-B929-454F-BBAE-49CA2A843481}"/>
+                </a:ext>
+              </a:extLst>
+            </p:cNvPr>
+            <p:cNvCxnSpPr>
+              <a:cxnSpLocks/>
+            </p:cNvCxnSpPr>
+            <p:nvPr/>
+          </p:nvCxnSpPr>
+          <p:spPr>
+            <a:xfrm>
+              <a:off x="4261104" y="3331240"/>
+              <a:ext cx="947057" cy="0"/>
+            </a:xfrm>
+            <a:prstGeom prst="line">
+              <a:avLst/>
+            </a:prstGeom>
+            <a:ln w="76200">
+              <a:solidFill>
+                <a:srgbClr val="7030A0"/>
+              </a:solidFill>
+            </a:ln>
+          </p:spPr>
+          <p:style>
+            <a:lnRef idx="1">
+              <a:schemeClr val="accent1"/>
+            </a:lnRef>
+            <a:fillRef idx="0">
+              <a:schemeClr val="accent1"/>
+            </a:fillRef>
+            <a:effectRef idx="0">
+              <a:schemeClr val="accent1"/>
+            </a:effectRef>
+            <a:fontRef idx="minor">
+              <a:schemeClr val="tx1"/>
+            </a:fontRef>
+          </p:style>
+        </p:cxnSp>
+      </p:grpSp>
+      <mc:AlternateContent xmlns:mc="http://schemas.openxmlformats.org/markup-compatibility/2006" xmlns:a14="http://schemas.microsoft.com/office/drawing/2010/main">
+        <mc:Choice Requires="a14">
+          <p:sp>
+            <p:nvSpPr>
+              <p:cNvPr id="22" name="TextBox 21">
+                <a:extLst>
+                  <a:ext uri="{FF2B5EF4-FFF2-40B4-BE49-F238E27FC236}">
+                    <a16:creationId xmlns:a16="http://schemas.microsoft.com/office/drawing/2014/main" id="{8F235F59-F48E-2D42-A8A0-C0F8FF07034C}"/>
+                  </a:ext>
+                </a:extLst>
+              </p:cNvPr>
+              <p:cNvSpPr txBox="1"/>
+              <p:nvPr/>
+            </p:nvSpPr>
+            <p:spPr>
+              <a:xfrm>
+                <a:off x="2573321" y="1780647"/>
+                <a:ext cx="1024832" cy="523220"/>
+              </a:xfrm>
+              <a:prstGeom prst="rect">
+                <a:avLst/>
+              </a:prstGeom>
+              <a:noFill/>
+            </p:spPr>
+            <p:txBody>
+              <a:bodyPr wrap="none" rtlCol="0">
+                <a:spAutoFit/>
+              </a:bodyPr>
+              <a:lstStyle/>
+              <a:p>
+                <a:pPr/>
+                <a14:m>
+                  <m:oMathPara xmlns:m="http://schemas.openxmlformats.org/officeDocument/2006/math">
+                    <m:oMathParaPr>
+                      <m:jc m:val="centerGroup"/>
+                    </m:oMathParaPr>
+                    <m:oMath xmlns:m="http://schemas.openxmlformats.org/officeDocument/2006/math">
+                      <m:r>
+                        <a:rPr lang="en-US" sz="2800" b="0" i="1" smtClean="0">
+                          <a:solidFill>
+                            <a:schemeClr val="bg1"/>
+                          </a:solidFill>
+                          <a:latin typeface="Cambria Math" panose="02040503050406030204" pitchFamily="18" charset="0"/>
+                        </a:rPr>
+                        <m:t>𝑅</m:t>
+                      </m:r>
+                      <m:r>
+                        <a:rPr lang="en-US" sz="2800" b="0" i="1" smtClean="0">
+                          <a:solidFill>
+                            <a:schemeClr val="bg1"/>
+                          </a:solidFill>
+                          <a:latin typeface="Cambria Math" panose="02040503050406030204" pitchFamily="18" charset="0"/>
+                        </a:rPr>
+                        <m:t>(</m:t>
+                      </m:r>
+                      <m:r>
+                        <a:rPr lang="en-US" sz="2800" b="0" i="1" smtClean="0">
+                          <a:solidFill>
+                            <a:schemeClr val="bg1"/>
+                          </a:solidFill>
+                          <a:latin typeface="Cambria Math" panose="02040503050406030204" pitchFamily="18" charset="0"/>
+                          <a:ea typeface="Cambria Math" panose="02040503050406030204" pitchFamily="18" charset="0"/>
+                        </a:rPr>
+                        <m:t>𝜃</m:t>
+                      </m:r>
+                      <m:r>
+                        <a:rPr lang="en-US" sz="2800" b="0" i="1" smtClean="0">
+                          <a:solidFill>
+                            <a:schemeClr val="bg1"/>
+                          </a:solidFill>
+                          <a:latin typeface="Cambria Math" panose="02040503050406030204" pitchFamily="18" charset="0"/>
+                        </a:rPr>
+                        <m:t>)</m:t>
+                      </m:r>
+                    </m:oMath>
+                  </m:oMathPara>
+                </a14:m>
+                <a:endParaRPr lang="en-US" sz="2800" dirty="0">
+                  <a:solidFill>
+                    <a:schemeClr val="bg1"/>
+                  </a:solidFill>
+                </a:endParaRPr>
+              </a:p>
+            </p:txBody>
+          </p:sp>
+        </mc:Choice>
+        <mc:Fallback xmlns="">
+          <p:sp>
+            <p:nvSpPr>
+              <p:cNvPr id="22" name="TextBox 21">
+                <a:extLst>
+                  <a:ext uri="{FF2B5EF4-FFF2-40B4-BE49-F238E27FC236}">
+                    <a16:creationId xmlns:a16="http://schemas.microsoft.com/office/drawing/2014/main" id="{8F235F59-F48E-2D42-A8A0-C0F8FF07034C}"/>
+                  </a:ext>
+                </a:extLst>
+              </p:cNvPr>
+              <p:cNvSpPr txBox="1">
+                <a:spLocks noRot="1" noChangeAspect="1" noMove="1" noResize="1" noEditPoints="1" noAdjustHandles="1" noChangeArrowheads="1" noChangeShapeType="1" noTextEdit="1"/>
+              </p:cNvSpPr>
+              <p:nvPr/>
+            </p:nvSpPr>
+            <p:spPr>
+              <a:xfrm>
+                <a:off x="2573321" y="1780647"/>
+                <a:ext cx="1024832" cy="523220"/>
+              </a:xfrm>
+              <a:prstGeom prst="rect">
+                <a:avLst/>
+              </a:prstGeom>
+              <a:blipFill>
+                <a:blip r:embed="rId2"/>
+                <a:stretch>
+                  <a:fillRect r="-2439" b="-21429"/>
+                </a:stretch>
+              </a:blipFill>
+            </p:spPr>
+            <p:txBody>
+              <a:bodyPr/>
+              <a:lstStyle/>
+              <a:p>
+                <a:r>
+                  <a:rPr lang="en-US">
+                    <a:noFill/>
+                  </a:rPr>
+                  <a:t> </a:t>
+                </a:r>
+              </a:p>
+            </p:txBody>
+          </p:sp>
+        </mc:Fallback>
+      </mc:AlternateContent>
+      <mc:AlternateContent xmlns:mc="http://schemas.openxmlformats.org/markup-compatibility/2006" xmlns:a14="http://schemas.microsoft.com/office/drawing/2010/main">
+        <mc:Choice Requires="a14">
+          <p:sp>
+            <p:nvSpPr>
+              <p:cNvPr id="23" name="TextBox 22">
+                <a:extLst>
+                  <a:ext uri="{FF2B5EF4-FFF2-40B4-BE49-F238E27FC236}">
+                    <a16:creationId xmlns:a16="http://schemas.microsoft.com/office/drawing/2014/main" id="{876816B4-2E4C-AB48-A809-836A459B4453}"/>
+                  </a:ext>
+                </a:extLst>
+              </p:cNvPr>
+              <p:cNvSpPr txBox="1"/>
+              <p:nvPr/>
+            </p:nvSpPr>
+            <p:spPr>
+              <a:xfrm>
+                <a:off x="4143175" y="1780647"/>
+                <a:ext cx="1065292" cy="523220"/>
+              </a:xfrm>
+              <a:prstGeom prst="rect">
+                <a:avLst/>
+              </a:prstGeom>
+              <a:noFill/>
+            </p:spPr>
+            <p:txBody>
+              <a:bodyPr wrap="none" rtlCol="0">
+                <a:spAutoFit/>
+              </a:bodyPr>
+              <a:lstStyle/>
+              <a:p>
+                <a:pPr/>
+                <a14:m>
+                  <m:oMathPara xmlns:m="http://schemas.openxmlformats.org/officeDocument/2006/math">
+                    <m:oMathParaPr>
+                      <m:jc m:val="centerGroup"/>
+                    </m:oMathParaPr>
+                    <m:oMath xmlns:m="http://schemas.openxmlformats.org/officeDocument/2006/math">
+                      <m:r>
+                        <a:rPr lang="en-US" sz="2800" b="0" i="1" smtClean="0">
+                          <a:solidFill>
+                            <a:schemeClr val="bg1"/>
+                          </a:solidFill>
+                          <a:latin typeface="Cambria Math" panose="02040503050406030204" pitchFamily="18" charset="0"/>
+                        </a:rPr>
+                        <m:t>𝑅</m:t>
+                      </m:r>
+                      <m:r>
+                        <a:rPr lang="en-US" sz="2800" b="0" i="1" smtClean="0">
+                          <a:solidFill>
+                            <a:schemeClr val="bg1"/>
+                          </a:solidFill>
+                          <a:latin typeface="Cambria Math" panose="02040503050406030204" pitchFamily="18" charset="0"/>
+                        </a:rPr>
+                        <m:t>(</m:t>
+                      </m:r>
+                      <m:r>
+                        <a:rPr lang="en-US" sz="2800" b="0" i="1" smtClean="0">
+                          <a:solidFill>
+                            <a:schemeClr val="bg1"/>
+                          </a:solidFill>
+                          <a:latin typeface="Cambria Math" panose="02040503050406030204" pitchFamily="18" charset="0"/>
+                          <a:ea typeface="Cambria Math" panose="02040503050406030204" pitchFamily="18" charset="0"/>
+                        </a:rPr>
+                        <m:t>𝜙</m:t>
+                      </m:r>
+                      <m:r>
+                        <a:rPr lang="en-US" sz="2800" b="0" i="1" smtClean="0">
+                          <a:solidFill>
+                            <a:schemeClr val="bg1"/>
+                          </a:solidFill>
+                          <a:latin typeface="Cambria Math" panose="02040503050406030204" pitchFamily="18" charset="0"/>
+                        </a:rPr>
+                        <m:t>)</m:t>
+                      </m:r>
+                    </m:oMath>
+                  </m:oMathPara>
+                </a14:m>
+                <a:endParaRPr lang="en-US" sz="2800" dirty="0">
+                  <a:solidFill>
+                    <a:schemeClr val="bg1"/>
+                  </a:solidFill>
+                </a:endParaRPr>
+              </a:p>
+            </p:txBody>
+          </p:sp>
+        </mc:Choice>
+        <mc:Fallback xmlns="">
+          <p:sp>
+            <p:nvSpPr>
+              <p:cNvPr id="23" name="TextBox 22">
+                <a:extLst>
+                  <a:ext uri="{FF2B5EF4-FFF2-40B4-BE49-F238E27FC236}">
+                    <a16:creationId xmlns:a16="http://schemas.microsoft.com/office/drawing/2014/main" id="{876816B4-2E4C-AB48-A809-836A459B4453}"/>
+                  </a:ext>
+                </a:extLst>
+              </p:cNvPr>
+              <p:cNvSpPr txBox="1">
+                <a:spLocks noRot="1" noChangeAspect="1" noMove="1" noResize="1" noEditPoints="1" noAdjustHandles="1" noChangeArrowheads="1" noChangeShapeType="1" noTextEdit="1"/>
+              </p:cNvSpPr>
+              <p:nvPr/>
+            </p:nvSpPr>
+            <p:spPr>
+              <a:xfrm>
+                <a:off x="4143175" y="1780647"/>
+                <a:ext cx="1065292" cy="523220"/>
+              </a:xfrm>
+              <a:prstGeom prst="rect">
+                <a:avLst/>
+              </a:prstGeom>
+              <a:blipFill>
+                <a:blip r:embed="rId3"/>
+                <a:stretch>
+                  <a:fillRect r="-3571" b="-21429"/>
+                </a:stretch>
+              </a:blipFill>
+            </p:spPr>
+            <p:txBody>
+              <a:bodyPr/>
+              <a:lstStyle/>
+              <a:p>
+                <a:r>
+                  <a:rPr lang="en-US">
+                    <a:noFill/>
+                  </a:rPr>
+                  <a:t> </a:t>
+                </a:r>
+              </a:p>
+            </p:txBody>
+          </p:sp>
+        </mc:Fallback>
+      </mc:AlternateContent>
+      <mc:AlternateContent xmlns:mc="http://schemas.openxmlformats.org/markup-compatibility/2006" xmlns:a14="http://schemas.microsoft.com/office/drawing/2010/main">
+        <mc:Choice Requires="a14">
+          <p:sp>
+            <p:nvSpPr>
+              <p:cNvPr id="24" name="TextBox 23">
+                <a:extLst>
+                  <a:ext uri="{FF2B5EF4-FFF2-40B4-BE49-F238E27FC236}">
+                    <a16:creationId xmlns:a16="http://schemas.microsoft.com/office/drawing/2014/main" id="{EE5121FB-628F-5F41-A42C-C0720F776652}"/>
+                  </a:ext>
+                </a:extLst>
+              </p:cNvPr>
+              <p:cNvSpPr txBox="1"/>
+              <p:nvPr/>
+            </p:nvSpPr>
+            <p:spPr>
+              <a:xfrm>
+                <a:off x="1993899" y="1780647"/>
+                <a:ext cx="519694" cy="523220"/>
+              </a:xfrm>
+              <a:prstGeom prst="rect">
+                <a:avLst/>
+              </a:prstGeom>
+              <a:noFill/>
+            </p:spPr>
+            <p:txBody>
+              <a:bodyPr wrap="none" rtlCol="0">
+                <a:spAutoFit/>
+              </a:bodyPr>
+              <a:lstStyle/>
+              <a:p>
+                <a:pPr/>
+                <a14:m>
+                  <m:oMathPara xmlns:m="http://schemas.openxmlformats.org/officeDocument/2006/math">
+                    <m:oMathParaPr>
+                      <m:jc m:val="centerGroup"/>
+                    </m:oMathParaPr>
+                    <m:oMath xmlns:m="http://schemas.openxmlformats.org/officeDocument/2006/math">
+                      <m:r>
+                        <a:rPr lang="en-US" sz="2800" b="0" i="1" smtClean="0">
+                          <a:solidFill>
+                            <a:schemeClr val="bg1"/>
+                          </a:solidFill>
+                          <a:latin typeface="Cambria Math" panose="02040503050406030204" pitchFamily="18" charset="0"/>
+                        </a:rPr>
+                        <m:t>𝐵</m:t>
+                      </m:r>
+                    </m:oMath>
+                  </m:oMathPara>
+                </a14:m>
+                <a:endParaRPr lang="en-US" sz="2800" dirty="0">
+                  <a:solidFill>
+                    <a:schemeClr val="bg1"/>
+                  </a:solidFill>
+                </a:endParaRPr>
+              </a:p>
+            </p:txBody>
+          </p:sp>
+        </mc:Choice>
+        <mc:Fallback xmlns="">
+          <p:sp>
+            <p:nvSpPr>
+              <p:cNvPr id="24" name="TextBox 23">
+                <a:extLst>
+                  <a:ext uri="{FF2B5EF4-FFF2-40B4-BE49-F238E27FC236}">
+                    <a16:creationId xmlns:a16="http://schemas.microsoft.com/office/drawing/2014/main" id="{EE5121FB-628F-5F41-A42C-C0720F776652}"/>
+                  </a:ext>
+                </a:extLst>
+              </p:cNvPr>
+              <p:cNvSpPr txBox="1">
+                <a:spLocks noRot="1" noChangeAspect="1" noMove="1" noResize="1" noEditPoints="1" noAdjustHandles="1" noChangeArrowheads="1" noChangeShapeType="1" noTextEdit="1"/>
+              </p:cNvSpPr>
+              <p:nvPr/>
+            </p:nvSpPr>
+            <p:spPr>
+              <a:xfrm>
+                <a:off x="1993899" y="1780647"/>
+                <a:ext cx="519694" cy="523220"/>
+              </a:xfrm>
+              <a:prstGeom prst="rect">
+                <a:avLst/>
+              </a:prstGeom>
+              <a:blipFill>
+                <a:blip r:embed="rId4"/>
+                <a:stretch>
+                  <a:fillRect/>
+                </a:stretch>
+              </a:blipFill>
+            </p:spPr>
+            <p:txBody>
+              <a:bodyPr/>
+              <a:lstStyle/>
+              <a:p>
+                <a:r>
+                  <a:rPr lang="en-US">
+                    <a:noFill/>
+                  </a:rPr>
+                  <a:t> </a:t>
+                </a:r>
+              </a:p>
+            </p:txBody>
+          </p:sp>
+        </mc:Fallback>
+      </mc:AlternateContent>
+      <mc:AlternateContent xmlns:mc="http://schemas.openxmlformats.org/markup-compatibility/2006" xmlns:a14="http://schemas.microsoft.com/office/drawing/2010/main">
+        <mc:Choice Requires="a14">
+          <p:sp>
+            <p:nvSpPr>
+              <p:cNvPr id="25" name="TextBox 24">
+                <a:extLst>
+                  <a:ext uri="{FF2B5EF4-FFF2-40B4-BE49-F238E27FC236}">
+                    <a16:creationId xmlns:a16="http://schemas.microsoft.com/office/drawing/2014/main" id="{54859252-7C0C-4B46-B7F6-4142067CEFA7}"/>
+                  </a:ext>
+                </a:extLst>
+              </p:cNvPr>
+              <p:cNvSpPr txBox="1"/>
+              <p:nvPr/>
+            </p:nvSpPr>
+            <p:spPr>
+              <a:xfrm>
+                <a:off x="3623481" y="1790767"/>
+                <a:ext cx="519694" cy="523220"/>
+              </a:xfrm>
+              <a:prstGeom prst="rect">
+                <a:avLst/>
+              </a:prstGeom>
+              <a:noFill/>
+            </p:spPr>
+            <p:txBody>
+              <a:bodyPr wrap="none" rtlCol="0">
+                <a:spAutoFit/>
+              </a:bodyPr>
+              <a:lstStyle/>
+              <a:p>
+                <a:pPr/>
+                <a14:m>
+                  <m:oMathPara xmlns:m="http://schemas.openxmlformats.org/officeDocument/2006/math">
+                    <m:oMathParaPr>
+                      <m:jc m:val="centerGroup"/>
+                    </m:oMathParaPr>
+                    <m:oMath xmlns:m="http://schemas.openxmlformats.org/officeDocument/2006/math">
+                      <m:r>
+                        <a:rPr lang="en-US" sz="2800" b="0" i="1" smtClean="0">
+                          <a:solidFill>
+                            <a:schemeClr val="bg1"/>
+                          </a:solidFill>
+                          <a:latin typeface="Cambria Math" panose="02040503050406030204" pitchFamily="18" charset="0"/>
+                        </a:rPr>
+                        <m:t>𝐵</m:t>
+                      </m:r>
+                    </m:oMath>
+                  </m:oMathPara>
+                </a14:m>
+                <a:endParaRPr lang="en-US" sz="2800" dirty="0">
+                  <a:solidFill>
+                    <a:schemeClr val="bg1"/>
+                  </a:solidFill>
+                </a:endParaRPr>
+              </a:p>
+            </p:txBody>
+          </p:sp>
+        </mc:Choice>
+        <mc:Fallback xmlns="">
+          <p:sp>
+            <p:nvSpPr>
+              <p:cNvPr id="25" name="TextBox 24">
+                <a:extLst>
+                  <a:ext uri="{FF2B5EF4-FFF2-40B4-BE49-F238E27FC236}">
+                    <a16:creationId xmlns:a16="http://schemas.microsoft.com/office/drawing/2014/main" id="{54859252-7C0C-4B46-B7F6-4142067CEFA7}"/>
+                  </a:ext>
+                </a:extLst>
+              </p:cNvPr>
+              <p:cNvSpPr txBox="1">
+                <a:spLocks noRot="1" noChangeAspect="1" noMove="1" noResize="1" noEditPoints="1" noAdjustHandles="1" noChangeArrowheads="1" noChangeShapeType="1" noTextEdit="1"/>
+              </p:cNvSpPr>
+              <p:nvPr/>
+            </p:nvSpPr>
+            <p:spPr>
+              <a:xfrm>
+                <a:off x="3623481" y="1790767"/>
+                <a:ext cx="519694" cy="523220"/>
+              </a:xfrm>
+              <a:prstGeom prst="rect">
+                <a:avLst/>
+              </a:prstGeom>
+              <a:blipFill>
+                <a:blip r:embed="rId5"/>
+                <a:stretch>
+                  <a:fillRect/>
+                </a:stretch>
+              </a:blipFill>
+            </p:spPr>
+            <p:txBody>
+              <a:bodyPr/>
+              <a:lstStyle/>
+              <a:p>
+                <a:r>
+                  <a:rPr lang="en-US">
+                    <a:noFill/>
+                  </a:rPr>
+                  <a:t> </a:t>
+                </a:r>
+              </a:p>
+            </p:txBody>
+          </p:sp>
+        </mc:Fallback>
+      </mc:AlternateContent>
+      <mc:AlternateContent xmlns:mc="http://schemas.openxmlformats.org/markup-compatibility/2006" xmlns:a14="http://schemas.microsoft.com/office/drawing/2010/main">
+        <mc:Choice Requires="a14">
+          <p:sp>
+            <p:nvSpPr>
+              <p:cNvPr id="27" name="TextBox 26">
+                <a:extLst>
+                  <a:ext uri="{FF2B5EF4-FFF2-40B4-BE49-F238E27FC236}">
+                    <a16:creationId xmlns:a16="http://schemas.microsoft.com/office/drawing/2014/main" id="{93393785-D57D-2B43-AF8A-FACC3B9B1FCD}"/>
+                  </a:ext>
+                </a:extLst>
+              </p:cNvPr>
+              <p:cNvSpPr txBox="1"/>
+              <p:nvPr/>
+            </p:nvSpPr>
+            <p:spPr>
+              <a:xfrm>
+                <a:off x="2547960" y="2354022"/>
+                <a:ext cx="1077731" cy="523220"/>
+              </a:xfrm>
+              <a:prstGeom prst="rect">
+                <a:avLst/>
+              </a:prstGeom>
+              <a:noFill/>
+            </p:spPr>
+            <p:txBody>
+              <a:bodyPr wrap="none" rtlCol="0">
+                <a:spAutoFit/>
+              </a:bodyPr>
+              <a:lstStyle/>
+              <a:p>
+                <a:pPr/>
+                <a14:m>
+                  <m:oMathPara xmlns:m="http://schemas.openxmlformats.org/officeDocument/2006/math">
+                    <m:oMathParaPr>
+                      <m:jc m:val="centerGroup"/>
+                    </m:oMathParaPr>
+                    <m:oMath xmlns:m="http://schemas.openxmlformats.org/officeDocument/2006/math">
+                      <m:r>
+                        <a:rPr lang="en-US" sz="2800" b="0" i="1" smtClean="0">
+                          <a:solidFill>
+                            <a:schemeClr val="bg1"/>
+                          </a:solidFill>
+                          <a:latin typeface="Cambria Math" panose="02040503050406030204" pitchFamily="18" charset="0"/>
+                        </a:rPr>
+                        <m:t>[0,</m:t>
+                      </m:r>
+                      <m:r>
+                        <a:rPr lang="en-US" sz="2800" b="0" i="1" smtClean="0">
+                          <a:solidFill>
+                            <a:schemeClr val="bg1"/>
+                          </a:solidFill>
+                          <a:latin typeface="Cambria Math" panose="02040503050406030204" pitchFamily="18" charset="0"/>
+                          <a:ea typeface="Cambria Math" panose="02040503050406030204" pitchFamily="18" charset="0"/>
+                        </a:rPr>
+                        <m:t>𝜋</m:t>
+                      </m:r>
+                      <m:r>
+                        <a:rPr lang="en-US" sz="2800" b="0" i="1" smtClean="0">
+                          <a:solidFill>
+                            <a:schemeClr val="bg1"/>
+                          </a:solidFill>
+                          <a:latin typeface="Cambria Math" panose="02040503050406030204" pitchFamily="18" charset="0"/>
+                        </a:rPr>
+                        <m:t>]</m:t>
+                      </m:r>
+                    </m:oMath>
+                  </m:oMathPara>
+                </a14:m>
+                <a:endParaRPr lang="en-US" sz="2800" dirty="0">
+                  <a:solidFill>
+                    <a:schemeClr val="bg1"/>
+                  </a:solidFill>
+                </a:endParaRPr>
+              </a:p>
+            </p:txBody>
+          </p:sp>
+        </mc:Choice>
+        <mc:Fallback xmlns="">
+          <p:sp>
+            <p:nvSpPr>
+              <p:cNvPr id="27" name="TextBox 26">
+                <a:extLst>
+                  <a:ext uri="{FF2B5EF4-FFF2-40B4-BE49-F238E27FC236}">
+                    <a16:creationId xmlns:a16="http://schemas.microsoft.com/office/drawing/2014/main" id="{93393785-D57D-2B43-AF8A-FACC3B9B1FCD}"/>
+                  </a:ext>
+                </a:extLst>
+              </p:cNvPr>
+              <p:cNvSpPr txBox="1">
+                <a:spLocks noRot="1" noChangeAspect="1" noMove="1" noResize="1" noEditPoints="1" noAdjustHandles="1" noChangeArrowheads="1" noChangeShapeType="1" noTextEdit="1"/>
+              </p:cNvSpPr>
+              <p:nvPr/>
+            </p:nvSpPr>
+            <p:spPr>
+              <a:xfrm>
+                <a:off x="2547960" y="2354022"/>
+                <a:ext cx="1077731" cy="523220"/>
+              </a:xfrm>
+              <a:prstGeom prst="rect">
+                <a:avLst/>
+              </a:prstGeom>
+              <a:blipFill>
+                <a:blip r:embed="rId6"/>
+                <a:stretch>
+                  <a:fillRect l="-2326" r="-2326" b="-21429"/>
+                </a:stretch>
+              </a:blipFill>
+            </p:spPr>
+            <p:txBody>
+              <a:bodyPr/>
+              <a:lstStyle/>
+              <a:p>
+                <a:r>
+                  <a:rPr lang="en-US">
+                    <a:noFill/>
+                  </a:rPr>
+                  <a:t> </a:t>
+                </a:r>
+              </a:p>
+            </p:txBody>
+          </p:sp>
+        </mc:Fallback>
+      </mc:AlternateContent>
+      <mc:AlternateContent xmlns:mc="http://schemas.openxmlformats.org/markup-compatibility/2006" xmlns:a14="http://schemas.microsoft.com/office/drawing/2010/main">
+        <mc:Choice Requires="a14">
+          <p:sp>
+            <p:nvSpPr>
+              <p:cNvPr id="28" name="TextBox 27">
+                <a:extLst>
+                  <a:ext uri="{FF2B5EF4-FFF2-40B4-BE49-F238E27FC236}">
+                    <a16:creationId xmlns:a16="http://schemas.microsoft.com/office/drawing/2014/main" id="{F9831965-C477-9949-B071-7AEE91BBEEB3}"/>
+                  </a:ext>
+                </a:extLst>
+              </p:cNvPr>
+              <p:cNvSpPr txBox="1"/>
+              <p:nvPr/>
+            </p:nvSpPr>
+            <p:spPr>
+              <a:xfrm>
+                <a:off x="4098086" y="2354022"/>
+                <a:ext cx="1240724" cy="523220"/>
+              </a:xfrm>
+              <a:prstGeom prst="rect">
+                <a:avLst/>
+              </a:prstGeom>
+              <a:noFill/>
+            </p:spPr>
+            <p:txBody>
+              <a:bodyPr wrap="none" rtlCol="0">
+                <a:spAutoFit/>
+              </a:bodyPr>
+              <a:lstStyle/>
+              <a:p>
+                <a:pPr/>
+                <a14:m>
+                  <m:oMathPara xmlns:m="http://schemas.openxmlformats.org/officeDocument/2006/math">
+                    <m:oMathParaPr>
+                      <m:jc m:val="centerGroup"/>
+                    </m:oMathParaPr>
+                    <m:oMath xmlns:m="http://schemas.openxmlformats.org/officeDocument/2006/math">
+                      <m:r>
+                        <a:rPr lang="en-US" sz="2800" b="0" i="1" smtClean="0">
+                          <a:solidFill>
+                            <a:schemeClr val="bg1"/>
+                          </a:solidFill>
+                          <a:latin typeface="Cambria Math" panose="02040503050406030204" pitchFamily="18" charset="0"/>
+                        </a:rPr>
+                        <m:t>[0,2</m:t>
+                      </m:r>
+                      <m:r>
+                        <a:rPr lang="en-US" sz="2800" b="0" i="1" smtClean="0">
+                          <a:solidFill>
+                            <a:schemeClr val="bg1"/>
+                          </a:solidFill>
+                          <a:latin typeface="Cambria Math" panose="02040503050406030204" pitchFamily="18" charset="0"/>
+                          <a:ea typeface="Cambria Math" panose="02040503050406030204" pitchFamily="18" charset="0"/>
+                        </a:rPr>
+                        <m:t>𝜋</m:t>
+                      </m:r>
+                      <m:r>
+                        <a:rPr lang="en-US" sz="2800" b="0" i="1" smtClean="0">
+                          <a:solidFill>
+                            <a:schemeClr val="bg1"/>
+                          </a:solidFill>
+                          <a:latin typeface="Cambria Math" panose="02040503050406030204" pitchFamily="18" charset="0"/>
+                          <a:ea typeface="Cambria Math" panose="02040503050406030204" pitchFamily="18" charset="0"/>
+                        </a:rPr>
+                        <m:t>)</m:t>
+                      </m:r>
+                    </m:oMath>
+                  </m:oMathPara>
+                </a14:m>
+                <a:endParaRPr lang="en-US" sz="2800" dirty="0">
+                  <a:solidFill>
+                    <a:schemeClr val="bg1"/>
+                  </a:solidFill>
+                </a:endParaRPr>
+              </a:p>
+            </p:txBody>
+          </p:sp>
+        </mc:Choice>
+        <mc:Fallback xmlns="">
+          <p:sp>
+            <p:nvSpPr>
+              <p:cNvPr id="28" name="TextBox 27">
+                <a:extLst>
+                  <a:ext uri="{FF2B5EF4-FFF2-40B4-BE49-F238E27FC236}">
+                    <a16:creationId xmlns:a16="http://schemas.microsoft.com/office/drawing/2014/main" id="{F9831965-C477-9949-B071-7AEE91BBEEB3}"/>
+                  </a:ext>
+                </a:extLst>
+              </p:cNvPr>
+              <p:cNvSpPr txBox="1">
+                <a:spLocks noRot="1" noChangeAspect="1" noMove="1" noResize="1" noEditPoints="1" noAdjustHandles="1" noChangeArrowheads="1" noChangeShapeType="1" noTextEdit="1"/>
+              </p:cNvSpPr>
+              <p:nvPr/>
+            </p:nvSpPr>
+            <p:spPr>
+              <a:xfrm>
+                <a:off x="4098086" y="2354022"/>
+                <a:ext cx="1240724" cy="523220"/>
+              </a:xfrm>
+              <a:prstGeom prst="rect">
+                <a:avLst/>
+              </a:prstGeom>
+              <a:blipFill>
+                <a:blip r:embed="rId7"/>
+                <a:stretch>
+                  <a:fillRect l="-2020" r="-2020" b="-21429"/>
+                </a:stretch>
+              </a:blipFill>
+            </p:spPr>
+            <p:txBody>
+              <a:bodyPr/>
+              <a:lstStyle/>
+              <a:p>
+                <a:r>
+                  <a:rPr lang="en-US">
+                    <a:noFill/>
+                  </a:rPr>
+                  <a:t> </a:t>
+                </a:r>
+              </a:p>
+            </p:txBody>
+          </p:sp>
+        </mc:Fallback>
+      </mc:AlternateContent>
+      <p:cxnSp>
+        <p:nvCxnSpPr>
+          <p:cNvPr id="30" name="Straight Connector 29">
+            <a:extLst>
+              <a:ext uri="{FF2B5EF4-FFF2-40B4-BE49-F238E27FC236}">
+                <a16:creationId xmlns:a16="http://schemas.microsoft.com/office/drawing/2014/main" id="{FF988035-9659-6B4B-B837-08FA98143B11}"/>
+              </a:ext>
+            </a:extLst>
+          </p:cNvPr>
+          <p:cNvCxnSpPr>
+            <a:cxnSpLocks/>
+          </p:cNvCxnSpPr>
+          <p:nvPr/>
+        </p:nvCxnSpPr>
+        <p:spPr>
+          <a:xfrm>
+            <a:off x="7720276" y="2586923"/>
+            <a:ext cx="1490883" cy="1223289"/>
+          </a:xfrm>
+          <a:prstGeom prst="line">
+            <a:avLst/>
+          </a:prstGeom>
+          <a:ln w="76200">
+            <a:solidFill>
+              <a:srgbClr val="7030A0"/>
+            </a:solidFill>
+          </a:ln>
+        </p:spPr>
+        <p:style>
+          <a:lnRef idx="1">
+            <a:schemeClr val="accent1"/>
+          </a:lnRef>
+          <a:fillRef idx="0">
+            <a:schemeClr val="accent1"/>
+          </a:fillRef>
+          <a:effectRef idx="0">
+            <a:schemeClr val="accent1"/>
+          </a:effectRef>
+          <a:fontRef idx="minor">
+            <a:schemeClr val="tx1"/>
+          </a:fontRef>
+        </p:style>
+      </p:cxnSp>
+      <p:cxnSp>
+        <p:nvCxnSpPr>
+          <p:cNvPr id="32" name="Straight Connector 31">
+            <a:extLst>
+              <a:ext uri="{FF2B5EF4-FFF2-40B4-BE49-F238E27FC236}">
+                <a16:creationId xmlns:a16="http://schemas.microsoft.com/office/drawing/2014/main" id="{B1ECF84F-B319-D84A-9C3C-B45B1DFACD7E}"/>
+              </a:ext>
+            </a:extLst>
+          </p:cNvPr>
+          <p:cNvCxnSpPr>
+            <a:cxnSpLocks/>
+          </p:cNvCxnSpPr>
+          <p:nvPr/>
+        </p:nvCxnSpPr>
+        <p:spPr>
+          <a:xfrm flipH="1">
+            <a:off x="7716358" y="2548078"/>
+            <a:ext cx="1490883" cy="1223289"/>
+          </a:xfrm>
+          <a:prstGeom prst="line">
+            <a:avLst/>
+          </a:prstGeom>
+          <a:ln w="76200">
+            <a:solidFill>
+              <a:srgbClr val="7030A0"/>
+            </a:solidFill>
+          </a:ln>
+        </p:spPr>
+        <p:style>
+          <a:lnRef idx="1">
+            <a:schemeClr val="accent1"/>
+          </a:lnRef>
+          <a:fillRef idx="0">
+            <a:schemeClr val="accent1"/>
+          </a:fillRef>
+          <a:effectRef idx="0">
+            <a:schemeClr val="accent1"/>
+          </a:effectRef>
+          <a:fontRef idx="minor">
+            <a:schemeClr val="tx1"/>
+          </a:fontRef>
+        </p:style>
+      </p:cxnSp>
+      <p:sp>
+        <p:nvSpPr>
+          <p:cNvPr id="33" name="Oval 32">
+            <a:extLst>
+              <a:ext uri="{FF2B5EF4-FFF2-40B4-BE49-F238E27FC236}">
+                <a16:creationId xmlns:a16="http://schemas.microsoft.com/office/drawing/2014/main" id="{3F1F8FE4-E431-A74C-B0B3-74CE14CDD1BB}"/>
+              </a:ext>
+            </a:extLst>
+          </p:cNvPr>
+          <p:cNvSpPr/>
+          <p:nvPr/>
+        </p:nvSpPr>
+        <p:spPr>
+          <a:xfrm>
+            <a:off x="8295100" y="3027022"/>
+            <a:ext cx="293915" cy="293915"/>
+          </a:xfrm>
+          <a:prstGeom prst="ellipse">
+            <a:avLst/>
+          </a:prstGeom>
+        </p:spPr>
+        <p:style>
+          <a:lnRef idx="2">
+            <a:schemeClr val="accent1">
+              <a:shade val="50000"/>
+            </a:schemeClr>
+          </a:lnRef>
+          <a:fillRef idx="1">
+            <a:schemeClr val="accent1"/>
+          </a:fillRef>
+          <a:effectRef idx="0">
+            <a:schemeClr val="accent1"/>
+          </a:effectRef>
+          <a:fontRef idx="minor">
+            <a:schemeClr val="lt1"/>
+          </a:fontRef>
+        </p:style>
+        <p:txBody>
+          <a:bodyPr rtlCol="0" anchor="ctr"/>
+          <a:lstStyle/>
+          <a:p>
+            <a:pPr algn="ctr"/>
+            <a:endParaRPr lang="en-US"/>
+          </a:p>
+        </p:txBody>
+      </p:sp>
+      <mc:AlternateContent xmlns:mc="http://schemas.openxmlformats.org/markup-compatibility/2006" xmlns:a14="http://schemas.microsoft.com/office/drawing/2010/main">
+        <mc:Choice Requires="a14">
+          <p:sp>
+            <p:nvSpPr>
+              <p:cNvPr id="34" name="TextBox 33">
+                <a:extLst>
+                  <a:ext uri="{FF2B5EF4-FFF2-40B4-BE49-F238E27FC236}">
+                    <a16:creationId xmlns:a16="http://schemas.microsoft.com/office/drawing/2014/main" id="{CD34DF91-BA38-9945-A360-D22DD0CF742B}"/>
+                  </a:ext>
+                </a:extLst>
+              </p:cNvPr>
+              <p:cNvSpPr txBox="1"/>
+              <p:nvPr/>
+            </p:nvSpPr>
+            <p:spPr>
+              <a:xfrm>
+                <a:off x="6953685" y="2186067"/>
+                <a:ext cx="768608" cy="646331"/>
+              </a:xfrm>
+              <a:prstGeom prst="rect">
+                <a:avLst/>
+              </a:prstGeom>
+              <a:noFill/>
+            </p:spPr>
+            <p:txBody>
+              <a:bodyPr wrap="none" rtlCol="0">
+                <a:spAutoFit/>
+              </a:bodyPr>
+              <a:lstStyle/>
+              <a:p>
+                <a:pPr/>
+                <a14:m>
+                  <m:oMathPara xmlns:m="http://schemas.openxmlformats.org/officeDocument/2006/math">
+                    <m:oMathParaPr>
+                      <m:jc m:val="centerGroup"/>
+                    </m:oMathParaPr>
+                    <m:oMath xmlns:m="http://schemas.openxmlformats.org/officeDocument/2006/math">
+                      <m:sSub>
+                        <m:sSubPr>
+                          <m:ctrlPr>
+                            <a:rPr lang="en-US" sz="3600" i="1" dirty="0" smtClean="0">
+                              <a:solidFill>
+                                <a:schemeClr val="bg1"/>
+                              </a:solidFill>
+                              <a:latin typeface="Cambria Math" panose="02040503050406030204" pitchFamily="18" charset="0"/>
+                            </a:rPr>
+                          </m:ctrlPr>
+                        </m:sSubPr>
+                        <m:e>
+                          <m:r>
+                            <a:rPr lang="en-US" sz="3600" b="0" i="1" dirty="0" smtClean="0">
+                              <a:solidFill>
+                                <a:schemeClr val="bg1"/>
+                              </a:solidFill>
+                              <a:latin typeface="Cambria Math" panose="02040503050406030204" pitchFamily="18" charset="0"/>
+                            </a:rPr>
+                            <m:t>𝑢</m:t>
+                          </m:r>
+                        </m:e>
+                        <m:sub>
+                          <m:r>
+                            <a:rPr lang="en-US" sz="3600" b="0" i="1" dirty="0" smtClean="0">
+                              <a:solidFill>
+                                <a:schemeClr val="bg1"/>
+                              </a:solidFill>
+                              <a:latin typeface="Cambria Math" panose="02040503050406030204" pitchFamily="18" charset="0"/>
+                            </a:rPr>
+                            <m:t>1</m:t>
+                          </m:r>
+                        </m:sub>
+                      </m:sSub>
+                    </m:oMath>
+                  </m:oMathPara>
+                </a14:m>
+                <a:endParaRPr lang="en-US" sz="3600" dirty="0">
+                  <a:solidFill>
+                    <a:schemeClr val="bg1"/>
+                  </a:solidFill>
+                </a:endParaRPr>
+              </a:p>
+            </p:txBody>
+          </p:sp>
+        </mc:Choice>
+        <mc:Fallback xmlns="">
+          <p:sp>
+            <p:nvSpPr>
+              <p:cNvPr id="34" name="TextBox 33">
+                <a:extLst>
+                  <a:ext uri="{FF2B5EF4-FFF2-40B4-BE49-F238E27FC236}">
+                    <a16:creationId xmlns:a16="http://schemas.microsoft.com/office/drawing/2014/main" id="{CD34DF91-BA38-9945-A360-D22DD0CF742B}"/>
+                  </a:ext>
+                </a:extLst>
+              </p:cNvPr>
+              <p:cNvSpPr txBox="1">
+                <a:spLocks noRot="1" noChangeAspect="1" noMove="1" noResize="1" noEditPoints="1" noAdjustHandles="1" noChangeArrowheads="1" noChangeShapeType="1" noTextEdit="1"/>
+              </p:cNvSpPr>
+              <p:nvPr/>
+            </p:nvSpPr>
+            <p:spPr>
+              <a:xfrm>
+                <a:off x="6953685" y="2186067"/>
+                <a:ext cx="768608" cy="646331"/>
+              </a:xfrm>
+              <a:prstGeom prst="rect">
+                <a:avLst/>
+              </a:prstGeom>
+              <a:blipFill>
+                <a:blip r:embed="rId8"/>
+                <a:stretch>
+                  <a:fillRect b="-3846"/>
+                </a:stretch>
+              </a:blipFill>
+            </p:spPr>
+            <p:txBody>
+              <a:bodyPr/>
+              <a:lstStyle/>
+              <a:p>
+                <a:r>
+                  <a:rPr lang="en-US">
+                    <a:noFill/>
+                  </a:rPr>
+                  <a:t> </a:t>
+                </a:r>
+              </a:p>
+            </p:txBody>
+          </p:sp>
+        </mc:Fallback>
+      </mc:AlternateContent>
+      <mc:AlternateContent xmlns:mc="http://schemas.openxmlformats.org/markup-compatibility/2006" xmlns:a14="http://schemas.microsoft.com/office/drawing/2010/main">
+        <mc:Choice Requires="a14">
+          <p:sp>
+            <p:nvSpPr>
+              <p:cNvPr id="35" name="TextBox 34">
+                <a:extLst>
+                  <a:ext uri="{FF2B5EF4-FFF2-40B4-BE49-F238E27FC236}">
+                    <a16:creationId xmlns:a16="http://schemas.microsoft.com/office/drawing/2014/main" id="{DD6DEB34-E9AA-0242-8349-28B6DD7A856D}"/>
+                  </a:ext>
+                </a:extLst>
+              </p:cNvPr>
+              <p:cNvSpPr txBox="1"/>
+              <p:nvPr/>
+            </p:nvSpPr>
+            <p:spPr>
+              <a:xfrm>
+                <a:off x="6943832" y="3298953"/>
+                <a:ext cx="779316" cy="646331"/>
+              </a:xfrm>
+              <a:prstGeom prst="rect">
+                <a:avLst/>
+              </a:prstGeom>
+              <a:noFill/>
+            </p:spPr>
+            <p:txBody>
+              <a:bodyPr wrap="none" rtlCol="0">
+                <a:spAutoFit/>
+              </a:bodyPr>
+              <a:lstStyle/>
+              <a:p>
+                <a:pPr/>
+                <a14:m>
+                  <m:oMathPara xmlns:m="http://schemas.openxmlformats.org/officeDocument/2006/math">
+                    <m:oMathParaPr>
+                      <m:jc m:val="centerGroup"/>
+                    </m:oMathParaPr>
+                    <m:oMath xmlns:m="http://schemas.openxmlformats.org/officeDocument/2006/math">
+                      <m:sSub>
+                        <m:sSubPr>
+                          <m:ctrlPr>
+                            <a:rPr lang="en-US" sz="3600" i="1" dirty="0" smtClean="0">
+                              <a:solidFill>
+                                <a:schemeClr val="bg1"/>
+                              </a:solidFill>
+                              <a:latin typeface="Cambria Math" panose="02040503050406030204" pitchFamily="18" charset="0"/>
+                            </a:rPr>
+                          </m:ctrlPr>
+                        </m:sSubPr>
+                        <m:e>
+                          <m:r>
+                            <a:rPr lang="en-US" sz="3600" b="0" i="1" dirty="0" smtClean="0">
+                              <a:solidFill>
+                                <a:schemeClr val="bg1"/>
+                              </a:solidFill>
+                              <a:latin typeface="Cambria Math" panose="02040503050406030204" pitchFamily="18" charset="0"/>
+                            </a:rPr>
+                            <m:t>𝑢</m:t>
+                          </m:r>
+                        </m:e>
+                        <m:sub>
+                          <m:r>
+                            <a:rPr lang="en-US" sz="3600" b="0" i="1" dirty="0" smtClean="0">
+                              <a:solidFill>
+                                <a:schemeClr val="bg1"/>
+                              </a:solidFill>
+                              <a:latin typeface="Cambria Math" panose="02040503050406030204" pitchFamily="18" charset="0"/>
+                            </a:rPr>
+                            <m:t>2</m:t>
+                          </m:r>
+                        </m:sub>
+                      </m:sSub>
+                    </m:oMath>
+                  </m:oMathPara>
+                </a14:m>
+                <a:endParaRPr lang="en-US" sz="3600" dirty="0">
+                  <a:solidFill>
+                    <a:schemeClr val="bg1"/>
+                  </a:solidFill>
+                </a:endParaRPr>
+              </a:p>
+            </p:txBody>
+          </p:sp>
+        </mc:Choice>
+        <mc:Fallback xmlns="">
+          <p:sp>
+            <p:nvSpPr>
+              <p:cNvPr id="35" name="TextBox 34">
+                <a:extLst>
+                  <a:ext uri="{FF2B5EF4-FFF2-40B4-BE49-F238E27FC236}">
+                    <a16:creationId xmlns:a16="http://schemas.microsoft.com/office/drawing/2014/main" id="{DD6DEB34-E9AA-0242-8349-28B6DD7A856D}"/>
+                  </a:ext>
+                </a:extLst>
+              </p:cNvPr>
+              <p:cNvSpPr txBox="1">
+                <a:spLocks noRot="1" noChangeAspect="1" noMove="1" noResize="1" noEditPoints="1" noAdjustHandles="1" noChangeArrowheads="1" noChangeShapeType="1" noTextEdit="1"/>
+              </p:cNvSpPr>
+              <p:nvPr/>
+            </p:nvSpPr>
+            <p:spPr>
+              <a:xfrm>
+                <a:off x="6943832" y="3298953"/>
+                <a:ext cx="779316" cy="646331"/>
+              </a:xfrm>
+              <a:prstGeom prst="rect">
+                <a:avLst/>
+              </a:prstGeom>
+              <a:blipFill>
+                <a:blip r:embed="rId9"/>
+                <a:stretch>
+                  <a:fillRect b="-5769"/>
+                </a:stretch>
+              </a:blipFill>
+            </p:spPr>
+            <p:txBody>
+              <a:bodyPr/>
+              <a:lstStyle/>
+              <a:p>
+                <a:r>
+                  <a:rPr lang="en-US">
+                    <a:noFill/>
+                  </a:rPr>
+                  <a:t> </a:t>
+                </a:r>
+              </a:p>
+            </p:txBody>
+          </p:sp>
+        </mc:Fallback>
+      </mc:AlternateContent>
+      <mc:AlternateContent xmlns:mc="http://schemas.openxmlformats.org/markup-compatibility/2006" xmlns:a14="http://schemas.microsoft.com/office/drawing/2010/main">
+        <mc:Choice Requires="a14">
+          <p:sp>
+            <p:nvSpPr>
+              <p:cNvPr id="36" name="TextBox 35">
+                <a:extLst>
+                  <a:ext uri="{FF2B5EF4-FFF2-40B4-BE49-F238E27FC236}">
+                    <a16:creationId xmlns:a16="http://schemas.microsoft.com/office/drawing/2014/main" id="{017B208B-317D-1B4D-B5C5-043B826B9543}"/>
+                  </a:ext>
+                </a:extLst>
+              </p:cNvPr>
+              <p:cNvSpPr txBox="1"/>
+              <p:nvPr/>
+            </p:nvSpPr>
+            <p:spPr>
+              <a:xfrm>
+                <a:off x="9170820" y="2186067"/>
+                <a:ext cx="768608" cy="646331"/>
+              </a:xfrm>
+              <a:prstGeom prst="rect">
+                <a:avLst/>
+              </a:prstGeom>
+              <a:noFill/>
+            </p:spPr>
+            <p:txBody>
+              <a:bodyPr wrap="none" rtlCol="0">
+                <a:spAutoFit/>
+              </a:bodyPr>
+              <a:lstStyle/>
+              <a:p>
+                <a:pPr/>
+                <a14:m>
+                  <m:oMathPara xmlns:m="http://schemas.openxmlformats.org/officeDocument/2006/math">
+                    <m:oMathParaPr>
+                      <m:jc m:val="centerGroup"/>
+                    </m:oMathParaPr>
+                    <m:oMath xmlns:m="http://schemas.openxmlformats.org/officeDocument/2006/math">
+                      <m:sSub>
+                        <m:sSubPr>
+                          <m:ctrlPr>
+                            <a:rPr lang="en-US" sz="3600" i="1" dirty="0" smtClean="0">
+                              <a:solidFill>
+                                <a:schemeClr val="bg1"/>
+                              </a:solidFill>
+                              <a:latin typeface="Cambria Math" panose="02040503050406030204" pitchFamily="18" charset="0"/>
+                            </a:rPr>
+                          </m:ctrlPr>
+                        </m:sSubPr>
+                        <m:e>
+                          <m:r>
+                            <a:rPr lang="en-US" sz="3600" b="0" i="1" dirty="0" smtClean="0">
+                              <a:solidFill>
+                                <a:schemeClr val="bg1"/>
+                              </a:solidFill>
+                              <a:latin typeface="Cambria Math" panose="02040503050406030204" pitchFamily="18" charset="0"/>
+                            </a:rPr>
+                            <m:t>𝑣</m:t>
+                          </m:r>
+                        </m:e>
+                        <m:sub>
+                          <m:r>
+                            <a:rPr lang="en-US" sz="3600" b="0" i="1" dirty="0" smtClean="0">
+                              <a:solidFill>
+                                <a:schemeClr val="bg1"/>
+                              </a:solidFill>
+                              <a:latin typeface="Cambria Math" panose="02040503050406030204" pitchFamily="18" charset="0"/>
+                            </a:rPr>
+                            <m:t>1</m:t>
+                          </m:r>
+                        </m:sub>
+                      </m:sSub>
+                    </m:oMath>
+                  </m:oMathPara>
+                </a14:m>
+                <a:endParaRPr lang="en-US" sz="3600" dirty="0">
+                  <a:solidFill>
+                    <a:schemeClr val="bg1"/>
+                  </a:solidFill>
+                </a:endParaRPr>
+              </a:p>
+            </p:txBody>
+          </p:sp>
+        </mc:Choice>
+        <mc:Fallback xmlns="">
+          <p:sp>
+            <p:nvSpPr>
+              <p:cNvPr id="36" name="TextBox 35">
+                <a:extLst>
+                  <a:ext uri="{FF2B5EF4-FFF2-40B4-BE49-F238E27FC236}">
+                    <a16:creationId xmlns:a16="http://schemas.microsoft.com/office/drawing/2014/main" id="{017B208B-317D-1B4D-B5C5-043B826B9543}"/>
+                  </a:ext>
+                </a:extLst>
+              </p:cNvPr>
+              <p:cNvSpPr txBox="1">
+                <a:spLocks noRot="1" noChangeAspect="1" noMove="1" noResize="1" noEditPoints="1" noAdjustHandles="1" noChangeArrowheads="1" noChangeShapeType="1" noTextEdit="1"/>
+              </p:cNvSpPr>
+              <p:nvPr/>
+            </p:nvSpPr>
+            <p:spPr>
+              <a:xfrm>
+                <a:off x="9170820" y="2186067"/>
+                <a:ext cx="768608" cy="646331"/>
+              </a:xfrm>
+              <a:prstGeom prst="rect">
+                <a:avLst/>
+              </a:prstGeom>
+              <a:blipFill>
+                <a:blip r:embed="rId10"/>
+                <a:stretch>
+                  <a:fillRect b="-3846"/>
+                </a:stretch>
+              </a:blipFill>
+            </p:spPr>
+            <p:txBody>
+              <a:bodyPr/>
+              <a:lstStyle/>
+              <a:p>
+                <a:r>
+                  <a:rPr lang="en-US">
+                    <a:noFill/>
+                  </a:rPr>
+                  <a:t> </a:t>
+                </a:r>
+              </a:p>
+            </p:txBody>
+          </p:sp>
+        </mc:Fallback>
+      </mc:AlternateContent>
+      <mc:AlternateContent xmlns:mc="http://schemas.openxmlformats.org/markup-compatibility/2006" xmlns:a14="http://schemas.microsoft.com/office/drawing/2010/main">
+        <mc:Choice Requires="a14">
+          <p:sp>
+            <p:nvSpPr>
+              <p:cNvPr id="37" name="TextBox 36">
+                <a:extLst>
+                  <a:ext uri="{FF2B5EF4-FFF2-40B4-BE49-F238E27FC236}">
+                    <a16:creationId xmlns:a16="http://schemas.microsoft.com/office/drawing/2014/main" id="{C91D7DC9-A6AF-AF48-A4CF-731B84203887}"/>
+                  </a:ext>
+                </a:extLst>
+              </p:cNvPr>
+              <p:cNvSpPr txBox="1"/>
+              <p:nvPr/>
+            </p:nvSpPr>
+            <p:spPr>
+              <a:xfrm>
+                <a:off x="9160967" y="3298953"/>
+                <a:ext cx="779316" cy="646331"/>
+              </a:xfrm>
+              <a:prstGeom prst="rect">
+                <a:avLst/>
+              </a:prstGeom>
+              <a:noFill/>
+            </p:spPr>
+            <p:txBody>
+              <a:bodyPr wrap="none" rtlCol="0">
+                <a:spAutoFit/>
+              </a:bodyPr>
+              <a:lstStyle/>
+              <a:p>
+                <a:pPr/>
+                <a14:m>
+                  <m:oMathPara xmlns:m="http://schemas.openxmlformats.org/officeDocument/2006/math">
+                    <m:oMathParaPr>
+                      <m:jc m:val="centerGroup"/>
+                    </m:oMathParaPr>
+                    <m:oMath xmlns:m="http://schemas.openxmlformats.org/officeDocument/2006/math">
+                      <m:sSub>
+                        <m:sSubPr>
+                          <m:ctrlPr>
+                            <a:rPr lang="en-US" sz="3600" i="1" dirty="0" smtClean="0">
+                              <a:solidFill>
+                                <a:schemeClr val="bg1"/>
+                              </a:solidFill>
+                              <a:latin typeface="Cambria Math" panose="02040503050406030204" pitchFamily="18" charset="0"/>
+                            </a:rPr>
+                          </m:ctrlPr>
+                        </m:sSubPr>
+                        <m:e>
+                          <m:r>
+                            <a:rPr lang="en-US" sz="3600" b="0" i="1" dirty="0" smtClean="0">
+                              <a:solidFill>
+                                <a:schemeClr val="bg1"/>
+                              </a:solidFill>
+                              <a:latin typeface="Cambria Math" panose="02040503050406030204" pitchFamily="18" charset="0"/>
+                            </a:rPr>
+                            <m:t>𝑣</m:t>
+                          </m:r>
+                        </m:e>
+                        <m:sub>
+                          <m:r>
+                            <a:rPr lang="en-US" sz="3600" b="0" i="1" dirty="0" smtClean="0">
+                              <a:solidFill>
+                                <a:schemeClr val="bg1"/>
+                              </a:solidFill>
+                              <a:latin typeface="Cambria Math" panose="02040503050406030204" pitchFamily="18" charset="0"/>
+                            </a:rPr>
+                            <m:t>2</m:t>
+                          </m:r>
+                        </m:sub>
+                      </m:sSub>
+                    </m:oMath>
+                  </m:oMathPara>
+                </a14:m>
+                <a:endParaRPr lang="en-US" sz="3600" dirty="0">
+                  <a:solidFill>
+                    <a:schemeClr val="bg1"/>
+                  </a:solidFill>
+                </a:endParaRPr>
+              </a:p>
+            </p:txBody>
+          </p:sp>
+        </mc:Choice>
+        <mc:Fallback xmlns="">
+          <p:sp>
+            <p:nvSpPr>
+              <p:cNvPr id="37" name="TextBox 36">
+                <a:extLst>
+                  <a:ext uri="{FF2B5EF4-FFF2-40B4-BE49-F238E27FC236}">
+                    <a16:creationId xmlns:a16="http://schemas.microsoft.com/office/drawing/2014/main" id="{C91D7DC9-A6AF-AF48-A4CF-731B84203887}"/>
+                  </a:ext>
+                </a:extLst>
+              </p:cNvPr>
+              <p:cNvSpPr txBox="1">
+                <a:spLocks noRot="1" noChangeAspect="1" noMove="1" noResize="1" noEditPoints="1" noAdjustHandles="1" noChangeArrowheads="1" noChangeShapeType="1" noTextEdit="1"/>
+              </p:cNvSpPr>
+              <p:nvPr/>
+            </p:nvSpPr>
+            <p:spPr>
+              <a:xfrm>
+                <a:off x="9160967" y="3298953"/>
+                <a:ext cx="779316" cy="646331"/>
+              </a:xfrm>
+              <a:prstGeom prst="rect">
+                <a:avLst/>
+              </a:prstGeom>
+              <a:blipFill>
+                <a:blip r:embed="rId11"/>
+                <a:stretch>
+                  <a:fillRect b="-5769"/>
+                </a:stretch>
+              </a:blipFill>
+            </p:spPr>
+            <p:txBody>
+              <a:bodyPr/>
+              <a:lstStyle/>
+              <a:p>
+                <a:r>
+                  <a:rPr lang="en-US">
+                    <a:noFill/>
+                  </a:rPr>
+                  <a:t> </a:t>
+                </a:r>
+              </a:p>
+            </p:txBody>
+          </p:sp>
+        </mc:Fallback>
+      </mc:AlternateContent>
+      <mc:AlternateContent xmlns:mc="http://schemas.openxmlformats.org/markup-compatibility/2006" xmlns:a14="http://schemas.microsoft.com/office/drawing/2010/main">
+        <mc:Choice Requires="a14">
+          <p:sp>
+            <p:nvSpPr>
+              <p:cNvPr id="38" name="TextBox 37">
+                <a:extLst>
+                  <a:ext uri="{FF2B5EF4-FFF2-40B4-BE49-F238E27FC236}">
+                    <a16:creationId xmlns:a16="http://schemas.microsoft.com/office/drawing/2014/main" id="{E0419DEC-92DC-CA4D-90AB-A51AD9C28745}"/>
+                  </a:ext>
+                </a:extLst>
+              </p:cNvPr>
+              <p:cNvSpPr txBox="1"/>
+              <p:nvPr/>
+            </p:nvSpPr>
+            <p:spPr>
+              <a:xfrm>
+                <a:off x="5099623" y="2016806"/>
+                <a:ext cx="768608" cy="646331"/>
+              </a:xfrm>
+              <a:prstGeom prst="rect">
+                <a:avLst/>
+              </a:prstGeom>
+              <a:noFill/>
+            </p:spPr>
+            <p:txBody>
+              <a:bodyPr wrap="none" rtlCol="0">
+                <a:spAutoFit/>
+              </a:bodyPr>
+              <a:lstStyle/>
+              <a:p>
+                <a:pPr/>
+                <a14:m>
+                  <m:oMathPara xmlns:m="http://schemas.openxmlformats.org/officeDocument/2006/math">
+                    <m:oMathParaPr>
+                      <m:jc m:val="centerGroup"/>
+                    </m:oMathParaPr>
+                    <m:oMath xmlns:m="http://schemas.openxmlformats.org/officeDocument/2006/math">
+                      <m:sSub>
+                        <m:sSubPr>
+                          <m:ctrlPr>
+                            <a:rPr lang="en-US" sz="3600" i="1" dirty="0" smtClean="0">
+                              <a:solidFill>
+                                <a:schemeClr val="bg1"/>
+                              </a:solidFill>
+                              <a:latin typeface="Cambria Math" panose="02040503050406030204" pitchFamily="18" charset="0"/>
+                            </a:rPr>
+                          </m:ctrlPr>
+                        </m:sSubPr>
+                        <m:e>
+                          <m:r>
+                            <a:rPr lang="en-US" sz="3600" b="0" i="1" dirty="0" smtClean="0">
+                              <a:solidFill>
+                                <a:schemeClr val="bg1"/>
+                              </a:solidFill>
+                              <a:latin typeface="Cambria Math" panose="02040503050406030204" pitchFamily="18" charset="0"/>
+                            </a:rPr>
+                            <m:t>𝑣</m:t>
+                          </m:r>
+                        </m:e>
+                        <m:sub>
+                          <m:r>
+                            <a:rPr lang="en-US" sz="3600" b="0" i="1" dirty="0" smtClean="0">
+                              <a:solidFill>
+                                <a:schemeClr val="bg1"/>
+                              </a:solidFill>
+                              <a:latin typeface="Cambria Math" panose="02040503050406030204" pitchFamily="18" charset="0"/>
+                            </a:rPr>
+                            <m:t>1</m:t>
+                          </m:r>
+                        </m:sub>
+                      </m:sSub>
+                    </m:oMath>
+                  </m:oMathPara>
+                </a14:m>
+                <a:endParaRPr lang="en-US" sz="3600" dirty="0">
+                  <a:solidFill>
+                    <a:schemeClr val="bg1"/>
+                  </a:solidFill>
+                </a:endParaRPr>
+              </a:p>
+            </p:txBody>
+          </p:sp>
+        </mc:Choice>
+        <mc:Fallback xmlns="">
+          <p:sp>
+            <p:nvSpPr>
+              <p:cNvPr id="38" name="TextBox 37">
+                <a:extLst>
+                  <a:ext uri="{FF2B5EF4-FFF2-40B4-BE49-F238E27FC236}">
+                    <a16:creationId xmlns:a16="http://schemas.microsoft.com/office/drawing/2014/main" id="{E0419DEC-92DC-CA4D-90AB-A51AD9C28745}"/>
+                  </a:ext>
+                </a:extLst>
+              </p:cNvPr>
+              <p:cNvSpPr txBox="1">
+                <a:spLocks noRot="1" noChangeAspect="1" noMove="1" noResize="1" noEditPoints="1" noAdjustHandles="1" noChangeArrowheads="1" noChangeShapeType="1" noTextEdit="1"/>
+              </p:cNvSpPr>
+              <p:nvPr/>
+            </p:nvSpPr>
+            <p:spPr>
+              <a:xfrm>
+                <a:off x="5099623" y="2016806"/>
+                <a:ext cx="768608" cy="646331"/>
+              </a:xfrm>
+              <a:prstGeom prst="rect">
+                <a:avLst/>
+              </a:prstGeom>
+              <a:blipFill>
+                <a:blip r:embed="rId12"/>
+                <a:stretch>
+                  <a:fillRect b="-5769"/>
+                </a:stretch>
+              </a:blipFill>
+            </p:spPr>
+            <p:txBody>
+              <a:bodyPr/>
+              <a:lstStyle/>
+              <a:p>
+                <a:r>
+                  <a:rPr lang="en-US">
+                    <a:noFill/>
+                  </a:rPr>
+                  <a:t> </a:t>
+                </a:r>
+              </a:p>
+            </p:txBody>
+          </p:sp>
+        </mc:Fallback>
+      </mc:AlternateContent>
+      <mc:AlternateContent xmlns:mc="http://schemas.openxmlformats.org/markup-compatibility/2006" xmlns:a14="http://schemas.microsoft.com/office/drawing/2010/main">
+        <mc:Choice Requires="a14">
+          <p:sp>
+            <p:nvSpPr>
+              <p:cNvPr id="39" name="TextBox 38">
+                <a:extLst>
+                  <a:ext uri="{FF2B5EF4-FFF2-40B4-BE49-F238E27FC236}">
+                    <a16:creationId xmlns:a16="http://schemas.microsoft.com/office/drawing/2014/main" id="{D0797DED-19E1-3E4F-BD10-3AE07F554C9B}"/>
+                  </a:ext>
+                </a:extLst>
+              </p:cNvPr>
+              <p:cNvSpPr txBox="1"/>
+              <p:nvPr/>
+            </p:nvSpPr>
+            <p:spPr>
+              <a:xfrm>
+                <a:off x="5089770" y="3445381"/>
+                <a:ext cx="779316" cy="646331"/>
+              </a:xfrm>
+              <a:prstGeom prst="rect">
+                <a:avLst/>
+              </a:prstGeom>
+              <a:noFill/>
+            </p:spPr>
+            <p:txBody>
+              <a:bodyPr wrap="none" rtlCol="0">
+                <a:spAutoFit/>
+              </a:bodyPr>
+              <a:lstStyle/>
+              <a:p>
+                <a:pPr/>
+                <a14:m>
+                  <m:oMathPara xmlns:m="http://schemas.openxmlformats.org/officeDocument/2006/math">
+                    <m:oMathParaPr>
+                      <m:jc m:val="centerGroup"/>
+                    </m:oMathParaPr>
+                    <m:oMath xmlns:m="http://schemas.openxmlformats.org/officeDocument/2006/math">
+                      <m:sSub>
+                        <m:sSubPr>
+                          <m:ctrlPr>
+                            <a:rPr lang="en-US" sz="3600" i="1" dirty="0" smtClean="0">
+                              <a:solidFill>
+                                <a:schemeClr val="bg1"/>
+                              </a:solidFill>
+                              <a:latin typeface="Cambria Math" panose="02040503050406030204" pitchFamily="18" charset="0"/>
+                            </a:rPr>
+                          </m:ctrlPr>
+                        </m:sSubPr>
+                        <m:e>
+                          <m:r>
+                            <a:rPr lang="en-US" sz="3600" b="0" i="1" dirty="0" smtClean="0">
+                              <a:solidFill>
+                                <a:schemeClr val="bg1"/>
+                              </a:solidFill>
+                              <a:latin typeface="Cambria Math" panose="02040503050406030204" pitchFamily="18" charset="0"/>
+                            </a:rPr>
+                            <m:t>𝑣</m:t>
+                          </m:r>
+                        </m:e>
+                        <m:sub>
+                          <m:r>
+                            <a:rPr lang="en-US" sz="3600" b="0" i="1" dirty="0" smtClean="0">
+                              <a:solidFill>
+                                <a:schemeClr val="bg1"/>
+                              </a:solidFill>
+                              <a:latin typeface="Cambria Math" panose="02040503050406030204" pitchFamily="18" charset="0"/>
+                            </a:rPr>
+                            <m:t>2</m:t>
+                          </m:r>
+                        </m:sub>
+                      </m:sSub>
+                    </m:oMath>
+                  </m:oMathPara>
+                </a14:m>
+                <a:endParaRPr lang="en-US" sz="3600" dirty="0">
+                  <a:solidFill>
+                    <a:schemeClr val="bg1"/>
+                  </a:solidFill>
+                </a:endParaRPr>
+              </a:p>
+            </p:txBody>
+          </p:sp>
+        </mc:Choice>
+        <mc:Fallback xmlns="">
+          <p:sp>
+            <p:nvSpPr>
+              <p:cNvPr id="39" name="TextBox 38">
+                <a:extLst>
+                  <a:ext uri="{FF2B5EF4-FFF2-40B4-BE49-F238E27FC236}">
+                    <a16:creationId xmlns:a16="http://schemas.microsoft.com/office/drawing/2014/main" id="{D0797DED-19E1-3E4F-BD10-3AE07F554C9B}"/>
+                  </a:ext>
+                </a:extLst>
+              </p:cNvPr>
+              <p:cNvSpPr txBox="1">
+                <a:spLocks noRot="1" noChangeAspect="1" noMove="1" noResize="1" noEditPoints="1" noAdjustHandles="1" noChangeArrowheads="1" noChangeShapeType="1" noTextEdit="1"/>
+              </p:cNvSpPr>
+              <p:nvPr/>
+            </p:nvSpPr>
+            <p:spPr>
+              <a:xfrm>
+                <a:off x="5089770" y="3445381"/>
+                <a:ext cx="779316" cy="646331"/>
+              </a:xfrm>
+              <a:prstGeom prst="rect">
+                <a:avLst/>
+              </a:prstGeom>
+              <a:blipFill>
+                <a:blip r:embed="rId13"/>
+                <a:stretch>
+                  <a:fillRect b="-3846"/>
+                </a:stretch>
+              </a:blipFill>
+            </p:spPr>
+            <p:txBody>
+              <a:bodyPr/>
+              <a:lstStyle/>
+              <a:p>
+                <a:r>
+                  <a:rPr lang="en-US">
+                    <a:noFill/>
+                  </a:rPr>
+                  <a:t> </a:t>
+                </a:r>
+              </a:p>
+            </p:txBody>
+          </p:sp>
+        </mc:Fallback>
+      </mc:AlternateContent>
+      <mc:AlternateContent xmlns:mc="http://schemas.openxmlformats.org/markup-compatibility/2006" xmlns:a14="http://schemas.microsoft.com/office/drawing/2010/main">
+        <mc:Choice Requires="a14">
+          <p:sp>
+            <p:nvSpPr>
+              <p:cNvPr id="40" name="TextBox 39">
+                <a:extLst>
+                  <a:ext uri="{FF2B5EF4-FFF2-40B4-BE49-F238E27FC236}">
+                    <a16:creationId xmlns:a16="http://schemas.microsoft.com/office/drawing/2014/main" id="{4FEAD3AF-A7D6-FB41-8520-126F7578D01C}"/>
+                  </a:ext>
+                </a:extLst>
+              </p:cNvPr>
+              <p:cNvSpPr txBox="1"/>
+              <p:nvPr/>
+            </p:nvSpPr>
+            <p:spPr>
+              <a:xfrm>
+                <a:off x="297102" y="1990821"/>
+                <a:ext cx="768608" cy="646331"/>
+              </a:xfrm>
+              <a:prstGeom prst="rect">
+                <a:avLst/>
+              </a:prstGeom>
+              <a:noFill/>
+            </p:spPr>
+            <p:txBody>
+              <a:bodyPr wrap="none" rtlCol="0">
+                <a:spAutoFit/>
+              </a:bodyPr>
+              <a:lstStyle/>
+              <a:p>
+                <a:pPr/>
+                <a14:m>
+                  <m:oMathPara xmlns:m="http://schemas.openxmlformats.org/officeDocument/2006/math">
+                    <m:oMathParaPr>
+                      <m:jc m:val="centerGroup"/>
+                    </m:oMathParaPr>
+                    <m:oMath xmlns:m="http://schemas.openxmlformats.org/officeDocument/2006/math">
+                      <m:sSub>
+                        <m:sSubPr>
+                          <m:ctrlPr>
+                            <a:rPr lang="en-US" sz="3600" i="1" dirty="0" smtClean="0">
+                              <a:solidFill>
+                                <a:schemeClr val="bg1"/>
+                              </a:solidFill>
+                              <a:latin typeface="Cambria Math" panose="02040503050406030204" pitchFamily="18" charset="0"/>
+                            </a:rPr>
+                          </m:ctrlPr>
+                        </m:sSubPr>
+                        <m:e>
+                          <m:r>
+                            <a:rPr lang="en-US" sz="3600" b="0" i="1" dirty="0" smtClean="0">
+                              <a:solidFill>
+                                <a:schemeClr val="bg1"/>
+                              </a:solidFill>
+                              <a:latin typeface="Cambria Math" panose="02040503050406030204" pitchFamily="18" charset="0"/>
+                            </a:rPr>
+                            <m:t>𝑢</m:t>
+                          </m:r>
+                        </m:e>
+                        <m:sub>
+                          <m:r>
+                            <a:rPr lang="en-US" sz="3600" b="0" i="1" dirty="0" smtClean="0">
+                              <a:solidFill>
+                                <a:schemeClr val="bg1"/>
+                              </a:solidFill>
+                              <a:latin typeface="Cambria Math" panose="02040503050406030204" pitchFamily="18" charset="0"/>
+                            </a:rPr>
+                            <m:t>1</m:t>
+                          </m:r>
+                        </m:sub>
+                      </m:sSub>
+                    </m:oMath>
+                  </m:oMathPara>
+                </a14:m>
+                <a:endParaRPr lang="en-US" sz="3600" dirty="0">
+                  <a:solidFill>
+                    <a:schemeClr val="bg1"/>
+                  </a:solidFill>
+                </a:endParaRPr>
+              </a:p>
+            </p:txBody>
+          </p:sp>
+        </mc:Choice>
+        <mc:Fallback xmlns="">
+          <p:sp>
+            <p:nvSpPr>
+              <p:cNvPr id="40" name="TextBox 39">
+                <a:extLst>
+                  <a:ext uri="{FF2B5EF4-FFF2-40B4-BE49-F238E27FC236}">
+                    <a16:creationId xmlns:a16="http://schemas.microsoft.com/office/drawing/2014/main" id="{4FEAD3AF-A7D6-FB41-8520-126F7578D01C}"/>
+                  </a:ext>
+                </a:extLst>
+              </p:cNvPr>
+              <p:cNvSpPr txBox="1">
+                <a:spLocks noRot="1" noChangeAspect="1" noMove="1" noResize="1" noEditPoints="1" noAdjustHandles="1" noChangeArrowheads="1" noChangeShapeType="1" noTextEdit="1"/>
+              </p:cNvSpPr>
+              <p:nvPr/>
+            </p:nvSpPr>
+            <p:spPr>
+              <a:xfrm>
+                <a:off x="297102" y="1990821"/>
+                <a:ext cx="768608" cy="646331"/>
+              </a:xfrm>
+              <a:prstGeom prst="rect">
+                <a:avLst/>
+              </a:prstGeom>
+              <a:blipFill>
+                <a:blip r:embed="rId14"/>
+                <a:stretch>
+                  <a:fillRect b="-5769"/>
+                </a:stretch>
+              </a:blipFill>
+            </p:spPr>
+            <p:txBody>
+              <a:bodyPr/>
+              <a:lstStyle/>
+              <a:p>
+                <a:r>
+                  <a:rPr lang="en-US">
+                    <a:noFill/>
+                  </a:rPr>
+                  <a:t> </a:t>
+                </a:r>
+              </a:p>
+            </p:txBody>
+          </p:sp>
+        </mc:Fallback>
+      </mc:AlternateContent>
+      <mc:AlternateContent xmlns:mc="http://schemas.openxmlformats.org/markup-compatibility/2006" xmlns:a14="http://schemas.microsoft.com/office/drawing/2010/main">
+        <mc:Choice Requires="a14">
+          <p:sp>
+            <p:nvSpPr>
+              <p:cNvPr id="41" name="TextBox 40">
+                <a:extLst>
+                  <a:ext uri="{FF2B5EF4-FFF2-40B4-BE49-F238E27FC236}">
+                    <a16:creationId xmlns:a16="http://schemas.microsoft.com/office/drawing/2014/main" id="{2B73C0BA-FCEC-734B-822A-25969D736255}"/>
+                  </a:ext>
+                </a:extLst>
+              </p:cNvPr>
+              <p:cNvSpPr txBox="1"/>
+              <p:nvPr/>
+            </p:nvSpPr>
+            <p:spPr>
+              <a:xfrm>
+                <a:off x="295765" y="3483194"/>
+                <a:ext cx="779316" cy="646331"/>
+              </a:xfrm>
+              <a:prstGeom prst="rect">
+                <a:avLst/>
+              </a:prstGeom>
+              <a:noFill/>
+            </p:spPr>
+            <p:txBody>
+              <a:bodyPr wrap="none" rtlCol="0">
+                <a:spAutoFit/>
+              </a:bodyPr>
+              <a:lstStyle/>
+              <a:p>
+                <a:pPr/>
+                <a14:m>
+                  <m:oMathPara xmlns:m="http://schemas.openxmlformats.org/officeDocument/2006/math">
+                    <m:oMathParaPr>
+                      <m:jc m:val="centerGroup"/>
+                    </m:oMathParaPr>
+                    <m:oMath xmlns:m="http://schemas.openxmlformats.org/officeDocument/2006/math">
+                      <m:sSub>
+                        <m:sSubPr>
+                          <m:ctrlPr>
+                            <a:rPr lang="en-US" sz="3600" i="1" dirty="0" smtClean="0">
+                              <a:solidFill>
+                                <a:schemeClr val="bg1"/>
+                              </a:solidFill>
+                              <a:latin typeface="Cambria Math" panose="02040503050406030204" pitchFamily="18" charset="0"/>
+                            </a:rPr>
+                          </m:ctrlPr>
+                        </m:sSubPr>
+                        <m:e>
+                          <m:r>
+                            <a:rPr lang="en-US" sz="3600" b="0" i="1" dirty="0" smtClean="0">
+                              <a:solidFill>
+                                <a:schemeClr val="bg1"/>
+                              </a:solidFill>
+                              <a:latin typeface="Cambria Math" panose="02040503050406030204" pitchFamily="18" charset="0"/>
+                            </a:rPr>
+                            <m:t>𝑢</m:t>
+                          </m:r>
+                        </m:e>
+                        <m:sub>
+                          <m:r>
+                            <a:rPr lang="en-US" sz="3600" b="0" i="1" dirty="0" smtClean="0">
+                              <a:solidFill>
+                                <a:schemeClr val="bg1"/>
+                              </a:solidFill>
+                              <a:latin typeface="Cambria Math" panose="02040503050406030204" pitchFamily="18" charset="0"/>
+                            </a:rPr>
+                            <m:t>2</m:t>
+                          </m:r>
+                        </m:sub>
+                      </m:sSub>
+                    </m:oMath>
+                  </m:oMathPara>
+                </a14:m>
+                <a:endParaRPr lang="en-US" sz="3600" dirty="0">
+                  <a:solidFill>
+                    <a:schemeClr val="bg1"/>
+                  </a:solidFill>
+                </a:endParaRPr>
+              </a:p>
+            </p:txBody>
+          </p:sp>
+        </mc:Choice>
+        <mc:Fallback xmlns="">
+          <p:sp>
+            <p:nvSpPr>
+              <p:cNvPr id="41" name="TextBox 40">
+                <a:extLst>
+                  <a:ext uri="{FF2B5EF4-FFF2-40B4-BE49-F238E27FC236}">
+                    <a16:creationId xmlns:a16="http://schemas.microsoft.com/office/drawing/2014/main" id="{2B73C0BA-FCEC-734B-822A-25969D736255}"/>
+                  </a:ext>
+                </a:extLst>
+              </p:cNvPr>
+              <p:cNvSpPr txBox="1">
+                <a:spLocks noRot="1" noChangeAspect="1" noMove="1" noResize="1" noEditPoints="1" noAdjustHandles="1" noChangeArrowheads="1" noChangeShapeType="1" noTextEdit="1"/>
+              </p:cNvSpPr>
+              <p:nvPr/>
+            </p:nvSpPr>
+            <p:spPr>
+              <a:xfrm>
+                <a:off x="295765" y="3483194"/>
+                <a:ext cx="779316" cy="646331"/>
+              </a:xfrm>
+              <a:prstGeom prst="rect">
+                <a:avLst/>
+              </a:prstGeom>
+              <a:blipFill>
+                <a:blip r:embed="rId15"/>
+                <a:stretch>
+                  <a:fillRect b="-5882"/>
+                </a:stretch>
+              </a:blipFill>
+            </p:spPr>
+            <p:txBody>
+              <a:bodyPr/>
+              <a:lstStyle/>
+              <a:p>
+                <a:r>
+                  <a:rPr lang="en-US">
+                    <a:noFill/>
+                  </a:rPr>
+                  <a:t> </a:t>
+                </a:r>
+              </a:p>
+            </p:txBody>
+          </p:sp>
+        </mc:Fallback>
+      </mc:AlternateContent>
+      <mc:AlternateContent xmlns:mc="http://schemas.openxmlformats.org/markup-compatibility/2006" xmlns:a14="http://schemas.microsoft.com/office/drawing/2010/main">
+        <mc:Choice Requires="a14">
+          <p:sp>
+            <p:nvSpPr>
+              <p:cNvPr id="42" name="TextBox 41">
+                <a:extLst>
+                  <a:ext uri="{FF2B5EF4-FFF2-40B4-BE49-F238E27FC236}">
+                    <a16:creationId xmlns:a16="http://schemas.microsoft.com/office/drawing/2014/main" id="{8771CEC3-9FBE-CA4E-8C48-B0DE81206BB2}"/>
+                  </a:ext>
+                </a:extLst>
+              </p:cNvPr>
+              <p:cNvSpPr txBox="1"/>
+              <p:nvPr/>
+            </p:nvSpPr>
+            <p:spPr>
+              <a:xfrm>
+                <a:off x="5918700" y="2927224"/>
+                <a:ext cx="657552" cy="646331"/>
+              </a:xfrm>
+              <a:prstGeom prst="rect">
+                <a:avLst/>
+              </a:prstGeom>
+              <a:noFill/>
+            </p:spPr>
+            <p:txBody>
+              <a:bodyPr wrap="none" rtlCol="0">
+                <a:spAutoFit/>
+              </a:bodyPr>
+              <a:lstStyle/>
+              <a:p>
+                <a:pPr/>
+                <a14:m>
+                  <m:oMathPara xmlns:m="http://schemas.openxmlformats.org/officeDocument/2006/math">
+                    <m:oMathParaPr>
+                      <m:jc m:val="centerGroup"/>
+                    </m:oMathParaPr>
+                    <m:oMath xmlns:m="http://schemas.openxmlformats.org/officeDocument/2006/math">
+                      <m:r>
+                        <a:rPr lang="en-US" sz="3600" i="1" dirty="0" smtClean="0">
+                          <a:solidFill>
+                            <a:schemeClr val="bg1"/>
+                          </a:solidFill>
+                          <a:latin typeface="Cambria Math" panose="02040503050406030204" pitchFamily="18" charset="0"/>
+                          <a:cs typeface="Arial" panose="020B0604020202020204" pitchFamily="34" charset="0"/>
+                        </a:rPr>
+                        <m:t>=</m:t>
+                      </m:r>
+                    </m:oMath>
+                  </m:oMathPara>
+                </a14:m>
+                <a:endParaRPr lang="en-US" sz="3600" dirty="0">
+                  <a:solidFill>
+                    <a:schemeClr val="bg1"/>
+                  </a:solidFill>
+                  <a:latin typeface="Arial" panose="020B0604020202020204" pitchFamily="34" charset="0"/>
+                  <a:cs typeface="Arial" panose="020B0604020202020204" pitchFamily="34" charset="0"/>
+                </a:endParaRPr>
+              </a:p>
+            </p:txBody>
+          </p:sp>
+        </mc:Choice>
+        <mc:Fallback xmlns="">
+          <p:sp>
+            <p:nvSpPr>
+              <p:cNvPr id="42" name="TextBox 41">
+                <a:extLst>
+                  <a:ext uri="{FF2B5EF4-FFF2-40B4-BE49-F238E27FC236}">
+                    <a16:creationId xmlns:a16="http://schemas.microsoft.com/office/drawing/2014/main" id="{8771CEC3-9FBE-CA4E-8C48-B0DE81206BB2}"/>
+                  </a:ext>
+                </a:extLst>
+              </p:cNvPr>
+              <p:cNvSpPr txBox="1">
+                <a:spLocks noRot="1" noChangeAspect="1" noMove="1" noResize="1" noEditPoints="1" noAdjustHandles="1" noChangeArrowheads="1" noChangeShapeType="1" noTextEdit="1"/>
+              </p:cNvSpPr>
+              <p:nvPr/>
+            </p:nvSpPr>
+            <p:spPr>
+              <a:xfrm>
+                <a:off x="5918700" y="2927224"/>
+                <a:ext cx="657552" cy="646331"/>
+              </a:xfrm>
+              <a:prstGeom prst="rect">
+                <a:avLst/>
+              </a:prstGeom>
+              <a:blipFill>
+                <a:blip r:embed="rId16"/>
+                <a:stretch>
+                  <a:fillRect/>
+                </a:stretch>
+              </a:blipFill>
+            </p:spPr>
+            <p:txBody>
+              <a:bodyPr/>
+              <a:lstStyle/>
+              <a:p>
+                <a:r>
+                  <a:rPr lang="en-US">
+                    <a:noFill/>
+                  </a:rPr>
+                  <a:t> </a:t>
+                </a:r>
+              </a:p>
+            </p:txBody>
+          </p:sp>
+        </mc:Fallback>
+      </mc:AlternateContent>
+      <mc:AlternateContent xmlns:mc="http://schemas.openxmlformats.org/markup-compatibility/2006" xmlns:a14="http://schemas.microsoft.com/office/drawing/2010/main">
+        <mc:Choice Requires="a14">
+          <p:sp>
+            <p:nvSpPr>
+              <p:cNvPr id="43" name="TextBox 42">
+                <a:extLst>
+                  <a:ext uri="{FF2B5EF4-FFF2-40B4-BE49-F238E27FC236}">
+                    <a16:creationId xmlns:a16="http://schemas.microsoft.com/office/drawing/2014/main" id="{39B33029-9689-5044-B81D-4F6A2F52F684}"/>
+                  </a:ext>
+                </a:extLst>
+              </p:cNvPr>
+              <p:cNvSpPr txBox="1"/>
+              <p:nvPr/>
+            </p:nvSpPr>
+            <p:spPr>
+              <a:xfrm>
+                <a:off x="7738391" y="1947541"/>
+                <a:ext cx="1476686" cy="800219"/>
+              </a:xfrm>
+              <a:prstGeom prst="rect">
+                <a:avLst/>
+              </a:prstGeom>
+              <a:noFill/>
+            </p:spPr>
+            <p:txBody>
+              <a:bodyPr wrap="none" rtlCol="0">
+                <a:spAutoFit/>
+              </a:bodyPr>
+              <a:lstStyle/>
+              <a:p>
+                <a:pPr lvl="0"/>
+                <a14:m>
+                  <m:oMathPara xmlns:m="http://schemas.openxmlformats.org/officeDocument/2006/math">
+                    <m:oMathParaPr>
+                      <m:jc m:val="centerGroup"/>
+                    </m:oMathParaPr>
+                    <m:oMath xmlns:m="http://schemas.openxmlformats.org/officeDocument/2006/math">
+                      <m:r>
+                        <a:rPr lang="en-US" sz="2800" b="0" i="1" smtClean="0">
+                          <a:solidFill>
+                            <a:srgbClr val="000000"/>
+                          </a:solidFill>
+                          <a:latin typeface="Cambria Math" panose="02040503050406030204" pitchFamily="18" charset="0"/>
+                        </a:rPr>
+                        <m:t>𝑈</m:t>
+                      </m:r>
+                      <m:r>
+                        <a:rPr lang="en-US" sz="2800" i="1">
+                          <a:solidFill>
+                            <a:srgbClr val="000000"/>
+                          </a:solidFill>
+                          <a:latin typeface="Cambria Math" panose="02040503050406030204" pitchFamily="18" charset="0"/>
+                        </a:rPr>
+                        <m:t>(</m:t>
+                      </m:r>
+                      <m:r>
+                        <a:rPr lang="en-US" sz="2800" b="0" i="1" smtClean="0">
+                          <a:solidFill>
+                            <a:schemeClr val="bg1"/>
+                          </a:solidFill>
+                          <a:latin typeface="Cambria Math" panose="02040503050406030204" pitchFamily="18" charset="0"/>
+                          <a:ea typeface="Cambria Math" panose="02040503050406030204" pitchFamily="18" charset="0"/>
+                        </a:rPr>
+                        <m:t>𝜃</m:t>
+                      </m:r>
+                      <m:r>
+                        <a:rPr lang="en-US" sz="2800" b="0" i="1" smtClean="0">
+                          <a:solidFill>
+                            <a:schemeClr val="bg1"/>
+                          </a:solidFill>
+                          <a:latin typeface="Cambria Math" panose="02040503050406030204" pitchFamily="18" charset="0"/>
+                          <a:ea typeface="Cambria Math" panose="02040503050406030204" pitchFamily="18" charset="0"/>
+                        </a:rPr>
+                        <m:t>, </m:t>
+                      </m:r>
+                      <m:r>
+                        <a:rPr lang="en-US" sz="2800" i="1">
+                          <a:solidFill>
+                            <a:srgbClr val="000000"/>
+                          </a:solidFill>
+                          <a:latin typeface="Cambria Math" panose="02040503050406030204" pitchFamily="18" charset="0"/>
+                          <a:ea typeface="Cambria Math" panose="02040503050406030204" pitchFamily="18" charset="0"/>
+                        </a:rPr>
+                        <m:t>𝜙</m:t>
+                      </m:r>
+                      <m:r>
+                        <a:rPr lang="en-US" sz="2800" i="1">
+                          <a:solidFill>
+                            <a:srgbClr val="000000"/>
+                          </a:solidFill>
+                          <a:latin typeface="Cambria Math" panose="02040503050406030204" pitchFamily="18" charset="0"/>
+                        </a:rPr>
+                        <m:t>)</m:t>
+                      </m:r>
+                    </m:oMath>
+                  </m:oMathPara>
+                </a14:m>
+                <a:endParaRPr lang="en-US" sz="2800" dirty="0">
+                  <a:solidFill>
+                    <a:srgbClr val="000000"/>
+                  </a:solidFill>
+                </a:endParaRPr>
+              </a:p>
+              <a:p>
+                <a:endParaRPr lang="en-US" dirty="0"/>
+              </a:p>
+            </p:txBody>
+          </p:sp>
+        </mc:Choice>
+        <mc:Fallback xmlns="">
+          <p:sp>
+            <p:nvSpPr>
+              <p:cNvPr id="43" name="TextBox 42">
+                <a:extLst>
+                  <a:ext uri="{FF2B5EF4-FFF2-40B4-BE49-F238E27FC236}">
+                    <a16:creationId xmlns:a16="http://schemas.microsoft.com/office/drawing/2014/main" id="{39B33029-9689-5044-B81D-4F6A2F52F684}"/>
+                  </a:ext>
+                </a:extLst>
+              </p:cNvPr>
+              <p:cNvSpPr txBox="1">
+                <a:spLocks noRot="1" noChangeAspect="1" noMove="1" noResize="1" noEditPoints="1" noAdjustHandles="1" noChangeArrowheads="1" noChangeShapeType="1" noTextEdit="1"/>
+              </p:cNvSpPr>
+              <p:nvPr/>
+            </p:nvSpPr>
+            <p:spPr>
+              <a:xfrm>
+                <a:off x="7738391" y="1947541"/>
+                <a:ext cx="1476686" cy="800219"/>
+              </a:xfrm>
+              <a:prstGeom prst="rect">
+                <a:avLst/>
+              </a:prstGeom>
+              <a:blipFill>
+                <a:blip r:embed="rId17"/>
+                <a:stretch>
+                  <a:fillRect/>
+                </a:stretch>
+              </a:blipFill>
+            </p:spPr>
+            <p:txBody>
+              <a:bodyPr/>
+              <a:lstStyle/>
+              <a:p>
+                <a:r>
+                  <a:rPr lang="en-US">
+                    <a:noFill/>
+                  </a:rPr>
+                  <a:t> </a:t>
+                </a:r>
+              </a:p>
+            </p:txBody>
+          </p:sp>
+        </mc:Fallback>
+      </mc:AlternateContent>
+      <p:pic>
+        <p:nvPicPr>
+          <p:cNvPr id="46" name="Picture 45" descr="Text&#10;&#10;Description automatically generated">
+            <a:extLst>
+              <a:ext uri="{FF2B5EF4-FFF2-40B4-BE49-F238E27FC236}">
+                <a16:creationId xmlns:a16="http://schemas.microsoft.com/office/drawing/2014/main" id="{376CB9FA-9C0B-B948-90FB-9A7C850C9C62}"/>
+              </a:ext>
+            </a:extLst>
+          </p:cNvPr>
+          <p:cNvPicPr>
+            <a:picLocks noChangeAspect="1"/>
+          </p:cNvPicPr>
+          <p:nvPr/>
+        </p:nvPicPr>
+        <p:blipFill>
+          <a:blip r:embed="rId18"/>
+          <a:stretch>
+            <a:fillRect/>
+          </a:stretch>
+        </p:blipFill>
+        <p:spPr>
+          <a:xfrm>
+            <a:off x="3707147" y="4510067"/>
+            <a:ext cx="5080000" cy="2159000"/>
+          </a:xfrm>
+          <a:prstGeom prst="rect">
+            <a:avLst/>
+          </a:prstGeom>
+        </p:spPr>
+      </p:pic>
+      <mc:AlternateContent xmlns:mc="http://schemas.openxmlformats.org/markup-compatibility/2006" xmlns:a14="http://schemas.microsoft.com/office/drawing/2010/main">
+        <mc:Choice Requires="a14">
+          <p:sp>
+            <p:nvSpPr>
+              <p:cNvPr id="47" name="TextBox 46">
+                <a:extLst>
+                  <a:ext uri="{FF2B5EF4-FFF2-40B4-BE49-F238E27FC236}">
+                    <a16:creationId xmlns:a16="http://schemas.microsoft.com/office/drawing/2014/main" id="{DA3AE5C3-7A72-0C4D-9113-93B36F88B462}"/>
+                  </a:ext>
+                </a:extLst>
+              </p:cNvPr>
+              <p:cNvSpPr txBox="1"/>
+              <p:nvPr/>
+            </p:nvSpPr>
+            <p:spPr>
+              <a:xfrm>
+                <a:off x="2071330" y="5290884"/>
+                <a:ext cx="1792798" cy="523220"/>
+              </a:xfrm>
+              <a:prstGeom prst="rect">
+                <a:avLst/>
+              </a:prstGeom>
+              <a:noFill/>
+            </p:spPr>
+            <p:txBody>
+              <a:bodyPr wrap="none" rtlCol="0">
+                <a:spAutoFit/>
+              </a:bodyPr>
+              <a:lstStyle/>
+              <a:p>
+                <a:pPr lvl="0"/>
+                <a14:m>
+                  <m:oMathPara xmlns:m="http://schemas.openxmlformats.org/officeDocument/2006/math">
+                    <m:oMathParaPr>
+                      <m:jc m:val="centerGroup"/>
+                    </m:oMathParaPr>
+                    <m:oMath xmlns:m="http://schemas.openxmlformats.org/officeDocument/2006/math">
+                      <m:r>
+                        <a:rPr lang="en-US" sz="2800" i="1" smtClean="0">
+                          <a:solidFill>
+                            <a:srgbClr val="000000"/>
+                          </a:solidFill>
+                          <a:latin typeface="Cambria Math" panose="02040503050406030204" pitchFamily="18" charset="0"/>
+                        </a:rPr>
+                        <m:t>𝑈</m:t>
+                      </m:r>
+                      <m:d>
+                        <m:dPr>
+                          <m:ctrlPr>
+                            <a:rPr lang="en-US" sz="2800" i="1">
+                              <a:solidFill>
+                                <a:srgbClr val="000000"/>
+                              </a:solidFill>
+                              <a:latin typeface="Cambria Math" panose="02040503050406030204" pitchFamily="18" charset="0"/>
+                            </a:rPr>
+                          </m:ctrlPr>
+                        </m:dPr>
+                        <m:e>
+                          <m:r>
+                            <a:rPr lang="en-US" sz="2800" i="1">
+                              <a:solidFill>
+                                <a:srgbClr val="000000"/>
+                              </a:solidFill>
+                              <a:latin typeface="Cambria Math" panose="02040503050406030204" pitchFamily="18" charset="0"/>
+                              <a:ea typeface="Cambria Math" panose="02040503050406030204" pitchFamily="18" charset="0"/>
+                            </a:rPr>
+                            <m:t>𝜃</m:t>
+                          </m:r>
+                          <m:r>
+                            <a:rPr lang="en-US" sz="2800" i="1">
+                              <a:solidFill>
+                                <a:srgbClr val="000000"/>
+                              </a:solidFill>
+                              <a:latin typeface="Cambria Math" panose="02040503050406030204" pitchFamily="18" charset="0"/>
+                              <a:ea typeface="Cambria Math" panose="02040503050406030204" pitchFamily="18" charset="0"/>
+                            </a:rPr>
+                            <m:t>, </m:t>
+                          </m:r>
+                          <m:r>
+                            <a:rPr lang="en-US" sz="2800" i="1">
+                              <a:solidFill>
+                                <a:srgbClr val="000000"/>
+                              </a:solidFill>
+                              <a:latin typeface="Cambria Math" panose="02040503050406030204" pitchFamily="18" charset="0"/>
+                              <a:ea typeface="Cambria Math" panose="02040503050406030204" pitchFamily="18" charset="0"/>
+                            </a:rPr>
+                            <m:t>𝜙</m:t>
+                          </m:r>
+                        </m:e>
+                      </m:d>
+                      <m:r>
+                        <a:rPr lang="en-US" sz="2800" b="0" i="1" smtClean="0">
+                          <a:solidFill>
+                            <a:srgbClr val="000000"/>
+                          </a:solidFill>
+                          <a:latin typeface="Cambria Math" panose="02040503050406030204" pitchFamily="18" charset="0"/>
+                        </a:rPr>
+                        <m:t>=</m:t>
+                      </m:r>
+                    </m:oMath>
+                  </m:oMathPara>
+                </a14:m>
+                <a:endParaRPr lang="en-US" sz="2800" dirty="0">
+                  <a:solidFill>
+                    <a:srgbClr val="000000"/>
+                  </a:solidFill>
+                </a:endParaRPr>
+              </a:p>
+            </p:txBody>
+          </p:sp>
+        </mc:Choice>
+        <mc:Fallback xmlns="">
+          <p:sp>
+            <p:nvSpPr>
+              <p:cNvPr id="47" name="TextBox 46">
+                <a:extLst>
+                  <a:ext uri="{FF2B5EF4-FFF2-40B4-BE49-F238E27FC236}">
+                    <a16:creationId xmlns:a16="http://schemas.microsoft.com/office/drawing/2014/main" id="{DA3AE5C3-7A72-0C4D-9113-93B36F88B462}"/>
+                  </a:ext>
+                </a:extLst>
+              </p:cNvPr>
+              <p:cNvSpPr txBox="1">
+                <a:spLocks noRot="1" noChangeAspect="1" noMove="1" noResize="1" noEditPoints="1" noAdjustHandles="1" noChangeArrowheads="1" noChangeShapeType="1" noTextEdit="1"/>
+              </p:cNvSpPr>
+              <p:nvPr/>
+            </p:nvSpPr>
+            <p:spPr>
+              <a:xfrm>
+                <a:off x="2071330" y="5290884"/>
+                <a:ext cx="1792798" cy="523220"/>
+              </a:xfrm>
+              <a:prstGeom prst="rect">
+                <a:avLst/>
+              </a:prstGeom>
+              <a:blipFill>
+                <a:blip r:embed="rId19"/>
+                <a:stretch>
+                  <a:fillRect b="-21429"/>
+                </a:stretch>
+              </a:blipFill>
+            </p:spPr>
+            <p:txBody>
+              <a:bodyPr/>
+              <a:lstStyle/>
+              <a:p>
+                <a:r>
+                  <a:rPr lang="en-US">
+                    <a:noFill/>
+                  </a:rPr>
+                  <a:t> </a:t>
+                </a:r>
+              </a:p>
+            </p:txBody>
+          </p:sp>
+        </mc:Fallback>
+      </mc:AlternateContent>
     </p:spTree>
     <p:extLst>
       <p:ext uri="{BB962C8B-B14F-4D97-AF65-F5344CB8AC3E}">
-        <p14:creationId xmlns:p14="http://schemas.microsoft.com/office/powerpoint/2010/main" val="763027157"/>
+        <p14:creationId xmlns:p14="http://schemas.microsoft.com/office/powerpoint/2010/main" val="1781942963"/>
       </p:ext>
     </p:extLst>
   </p:cSld>
@@ -8331,71 +9636,6 @@
           <a:chExt cx="0" cy="0"/>
         </a:xfrm>
       </p:grpSpPr>
-      <p:sp>
-        <p:nvSpPr>
-          <p:cNvPr id="2" name="Title 1">
-            <a:extLst>
-              <a:ext uri="{FF2B5EF4-FFF2-40B4-BE49-F238E27FC236}">
-                <a16:creationId xmlns:a16="http://schemas.microsoft.com/office/drawing/2014/main" id="{0A1DFFD0-BEC9-1349-89FC-4CB023F53023}"/>
-              </a:ext>
-            </a:extLst>
-          </p:cNvPr>
-          <p:cNvSpPr>
-            <a:spLocks noGrp="1"/>
-          </p:cNvSpPr>
-          <p:nvPr>
-            <p:ph type="title"/>
-          </p:nvPr>
-        </p:nvSpPr>
-        <p:spPr/>
-        <p:txBody>
-          <a:bodyPr/>
-          <a:lstStyle/>
-          <a:p>
-            <a:endParaRPr lang="en-US" dirty="0">
-              <a:solidFill>
-                <a:schemeClr val="bg1"/>
-              </a:solidFill>
-              <a:latin typeface="Times New Roman" panose="02020603050405020304" pitchFamily="18" charset="0"/>
-              <a:cs typeface="Times New Roman" panose="02020603050405020304" pitchFamily="18" charset="0"/>
-            </a:endParaRPr>
-          </a:p>
-        </p:txBody>
-      </p:sp>
-      <p:sp>
-        <p:nvSpPr>
-          <p:cNvPr id="3" name="Content Placeholder 2">
-            <a:extLst>
-              <a:ext uri="{FF2B5EF4-FFF2-40B4-BE49-F238E27FC236}">
-                <a16:creationId xmlns:a16="http://schemas.microsoft.com/office/drawing/2014/main" id="{0A9256C8-1AC8-C94B-9455-496434735E33}"/>
-              </a:ext>
-            </a:extLst>
-          </p:cNvPr>
-          <p:cNvSpPr>
-            <a:spLocks noGrp="1"/>
-          </p:cNvSpPr>
-          <p:nvPr>
-            <p:ph idx="1"/>
-          </p:nvPr>
-        </p:nvSpPr>
-        <p:spPr/>
-        <p:txBody>
-          <a:bodyPr/>
-          <a:lstStyle/>
-          <a:p>
-            <a:r>
-              <a:rPr lang="en-US" dirty="0">
-                <a:solidFill>
-                  <a:schemeClr val="bg1"/>
-                </a:solidFill>
-                <a:latin typeface="Times New Roman" panose="02020603050405020304" pitchFamily="18" charset="0"/>
-                <a:cs typeface="Times New Roman" panose="02020603050405020304" pitchFamily="18" charset="0"/>
-              </a:rPr>
-              <a:t>n</a:t>
-            </a:r>
-          </a:p>
-        </p:txBody>
-      </p:sp>
     </p:spTree>
     <p:extLst>
       <p:ext uri="{BB962C8B-B14F-4D97-AF65-F5344CB8AC3E}">
